--- a/Final Project_portfolio optimisation.pptx
+++ b/Final Project_portfolio optimisation.pptx
@@ -9,6 +9,12 @@
     <p:sldId id="260" r:id="rId3"/>
     <p:sldId id="259" r:id="rId4"/>
     <p:sldId id="261" r:id="rId5"/>
+    <p:sldId id="262" r:id="rId6"/>
+    <p:sldId id="263" r:id="rId7"/>
+    <p:sldId id="264" r:id="rId8"/>
+    <p:sldId id="265" r:id="rId9"/>
+    <p:sldId id="266" r:id="rId10"/>
+    <p:sldId id="267" r:id="rId11"/>
   </p:sldIdLst>
   <p:sldSz cx="12192000" cy="6858000"/>
   <p:notesSz cx="6858000" cy="9144000"/>
@@ -264,7 +270,7 @@
           <a:p>
             <a:fld id="{60D1E923-7CB1-4592-99E2-DF465806760B}" type="datetimeFigureOut">
               <a:rPr lang="zh-CN" altLang="en-US" smtClean="0"/>
-              <a:t>2021/2/17</a:t>
+              <a:t>2021/2/19</a:t>
             </a:fld>
             <a:endParaRPr lang="zh-CN" altLang="en-US"/>
           </a:p>
@@ -464,7 +470,7 @@
           <a:p>
             <a:fld id="{60D1E923-7CB1-4592-99E2-DF465806760B}" type="datetimeFigureOut">
               <a:rPr lang="zh-CN" altLang="en-US" smtClean="0"/>
-              <a:t>2021/2/17</a:t>
+              <a:t>2021/2/19</a:t>
             </a:fld>
             <a:endParaRPr lang="zh-CN" altLang="en-US"/>
           </a:p>
@@ -674,7 +680,7 @@
           <a:p>
             <a:fld id="{60D1E923-7CB1-4592-99E2-DF465806760B}" type="datetimeFigureOut">
               <a:rPr lang="zh-CN" altLang="en-US" smtClean="0"/>
-              <a:t>2021/2/17</a:t>
+              <a:t>2021/2/19</a:t>
             </a:fld>
             <a:endParaRPr lang="zh-CN" altLang="en-US"/>
           </a:p>
@@ -874,7 +880,7 @@
           <a:p>
             <a:fld id="{60D1E923-7CB1-4592-99E2-DF465806760B}" type="datetimeFigureOut">
               <a:rPr lang="zh-CN" altLang="en-US" smtClean="0"/>
-              <a:t>2021/2/17</a:t>
+              <a:t>2021/2/19</a:t>
             </a:fld>
             <a:endParaRPr lang="zh-CN" altLang="en-US"/>
           </a:p>
@@ -1150,7 +1156,7 @@
           <a:p>
             <a:fld id="{60D1E923-7CB1-4592-99E2-DF465806760B}" type="datetimeFigureOut">
               <a:rPr lang="zh-CN" altLang="en-US" smtClean="0"/>
-              <a:t>2021/2/17</a:t>
+              <a:t>2021/2/19</a:t>
             </a:fld>
             <a:endParaRPr lang="zh-CN" altLang="en-US"/>
           </a:p>
@@ -1418,7 +1424,7 @@
           <a:p>
             <a:fld id="{60D1E923-7CB1-4592-99E2-DF465806760B}" type="datetimeFigureOut">
               <a:rPr lang="zh-CN" altLang="en-US" smtClean="0"/>
-              <a:t>2021/2/17</a:t>
+              <a:t>2021/2/19</a:t>
             </a:fld>
             <a:endParaRPr lang="zh-CN" altLang="en-US"/>
           </a:p>
@@ -1833,7 +1839,7 @@
           <a:p>
             <a:fld id="{60D1E923-7CB1-4592-99E2-DF465806760B}" type="datetimeFigureOut">
               <a:rPr lang="zh-CN" altLang="en-US" smtClean="0"/>
-              <a:t>2021/2/17</a:t>
+              <a:t>2021/2/19</a:t>
             </a:fld>
             <a:endParaRPr lang="zh-CN" altLang="en-US"/>
           </a:p>
@@ -1975,7 +1981,7 @@
           <a:p>
             <a:fld id="{60D1E923-7CB1-4592-99E2-DF465806760B}" type="datetimeFigureOut">
               <a:rPr lang="zh-CN" altLang="en-US" smtClean="0"/>
-              <a:t>2021/2/17</a:t>
+              <a:t>2021/2/19</a:t>
             </a:fld>
             <a:endParaRPr lang="zh-CN" altLang="en-US"/>
           </a:p>
@@ -2088,7 +2094,7 @@
           <a:p>
             <a:fld id="{60D1E923-7CB1-4592-99E2-DF465806760B}" type="datetimeFigureOut">
               <a:rPr lang="zh-CN" altLang="en-US" smtClean="0"/>
-              <a:t>2021/2/17</a:t>
+              <a:t>2021/2/19</a:t>
             </a:fld>
             <a:endParaRPr lang="zh-CN" altLang="en-US"/>
           </a:p>
@@ -2401,7 +2407,7 @@
           <a:p>
             <a:fld id="{60D1E923-7CB1-4592-99E2-DF465806760B}" type="datetimeFigureOut">
               <a:rPr lang="zh-CN" altLang="en-US" smtClean="0"/>
-              <a:t>2021/2/17</a:t>
+              <a:t>2021/2/19</a:t>
             </a:fld>
             <a:endParaRPr lang="zh-CN" altLang="en-US"/>
           </a:p>
@@ -2690,7 +2696,7 @@
           <a:p>
             <a:fld id="{60D1E923-7CB1-4592-99E2-DF465806760B}" type="datetimeFigureOut">
               <a:rPr lang="zh-CN" altLang="en-US" smtClean="0"/>
-              <a:t>2021/2/17</a:t>
+              <a:t>2021/2/19</a:t>
             </a:fld>
             <a:endParaRPr lang="zh-CN" altLang="en-US"/>
           </a:p>
@@ -2933,7 +2939,7 @@
           <a:p>
             <a:fld id="{60D1E923-7CB1-4592-99E2-DF465806760B}" type="datetimeFigureOut">
               <a:rPr lang="zh-CN" altLang="en-US" smtClean="0"/>
-              <a:t>2021/2/17</a:t>
+              <a:t>2021/2/19</a:t>
             </a:fld>
             <a:endParaRPr lang="zh-CN" altLang="en-US"/>
           </a:p>
@@ -3493,6 +3499,106 @@
   </p:cSld>
   <p:clrMapOvr>
     <a:overrideClrMapping bg1="dk1" tx1="lt1" bg2="dk2" tx2="lt2" accent1="accent1" accent2="accent2" accent3="accent3" accent4="accent4" accent5="accent5" accent6="accent6" hlink="hlink" folHlink="folHlink"/>
+  </p:clrMapOvr>
+</p:sld>
+</file>
+
+<file path=ppt/slides/slide10.xml><?xml version="1.0" encoding="utf-8"?>
+<p:sld xmlns:a="http://schemas.openxmlformats.org/drawingml/2006/main" xmlns:r="http://schemas.openxmlformats.org/officeDocument/2006/relationships" xmlns:p="http://schemas.openxmlformats.org/presentationml/2006/main">
+  <p:cSld>
+    <p:spTree>
+      <p:nvGrpSpPr>
+        <p:cNvPr id="1" name=""/>
+        <p:cNvGrpSpPr/>
+        <p:nvPr/>
+      </p:nvGrpSpPr>
+      <p:grpSpPr>
+        <a:xfrm>
+          <a:off x="0" y="0"/>
+          <a:ext cx="0" cy="0"/>
+          <a:chOff x="0" y="0"/>
+          <a:chExt cx="0" cy="0"/>
+        </a:xfrm>
+      </p:grpSpPr>
+      <p:sp>
+        <p:nvSpPr>
+          <p:cNvPr id="2" name="Titel 1">
+            <a:extLst>
+              <a:ext uri="{FF2B5EF4-FFF2-40B4-BE49-F238E27FC236}">
+                <a16:creationId xmlns:a16="http://schemas.microsoft.com/office/drawing/2014/main" id="{384F86DE-A6D1-45F4-9088-968A355F1251}"/>
+              </a:ext>
+            </a:extLst>
+          </p:cNvPr>
+          <p:cNvSpPr>
+            <a:spLocks noGrp="1"/>
+          </p:cNvSpPr>
+          <p:nvPr>
+            <p:ph type="title"/>
+          </p:nvPr>
+        </p:nvSpPr>
+        <p:spPr/>
+        <p:txBody>
+          <a:bodyPr/>
+          <a:lstStyle/>
+          <a:p>
+            <a:r>
+              <a:rPr lang="de-DE" altLang="zh-CN" dirty="0"/>
+              <a:t>Classification </a:t>
+            </a:r>
+            <a:r>
+              <a:rPr lang="de-DE" altLang="zh-CN" dirty="0" err="1"/>
+              <a:t>with</a:t>
+            </a:r>
+            <a:r>
+              <a:rPr lang="de-DE" altLang="zh-CN" dirty="0"/>
+              <a:t> 1.883 different </a:t>
+            </a:r>
+            <a:r>
+              <a:rPr lang="de-DE" altLang="zh-CN" dirty="0" err="1"/>
+              <a:t>coins</a:t>
+            </a:r>
+            <a:endParaRPr lang="zh-CN" altLang="en-US" dirty="0"/>
+          </a:p>
+        </p:txBody>
+      </p:sp>
+      <p:pic>
+        <p:nvPicPr>
+          <p:cNvPr id="13" name="Inhaltsplatzhalter 12">
+            <a:extLst>
+              <a:ext uri="{FF2B5EF4-FFF2-40B4-BE49-F238E27FC236}">
+                <a16:creationId xmlns:a16="http://schemas.microsoft.com/office/drawing/2014/main" id="{11B7ECC8-0E68-43E9-916A-E2F925B592D3}"/>
+              </a:ext>
+            </a:extLst>
+          </p:cNvPr>
+          <p:cNvPicPr>
+            <a:picLocks noGrp="1" noChangeAspect="1"/>
+          </p:cNvPicPr>
+          <p:nvPr>
+            <p:ph idx="1"/>
+          </p:nvPr>
+        </p:nvPicPr>
+        <p:blipFill>
+          <a:blip r:embed="rId2"/>
+          <a:stretch>
+            <a:fillRect/>
+          </a:stretch>
+        </p:blipFill>
+        <p:spPr>
+          <a:xfrm>
+            <a:off x="1125416" y="1420837"/>
+            <a:ext cx="9594166" cy="5072038"/>
+          </a:xfrm>
+        </p:spPr>
+      </p:pic>
+    </p:spTree>
+    <p:extLst>
+      <p:ext uri="{BB962C8B-B14F-4D97-AF65-F5344CB8AC3E}">
+        <p14:creationId xmlns:p14="http://schemas.microsoft.com/office/powerpoint/2010/main" val="1265137068"/>
+      </p:ext>
+    </p:extLst>
+  </p:cSld>
+  <p:clrMapOvr>
+    <a:masterClrMapping/>
   </p:clrMapOvr>
 </p:sld>
 </file>
@@ -5189,7 +5295,7 @@
         <p:spPr>
           <a:xfrm>
             <a:off x="5358384" y="640263"/>
-            <a:ext cx="6028944" cy="5254510"/>
+            <a:ext cx="6028944" cy="1554297"/>
           </a:xfrm>
         </p:spPr>
         <p:txBody>
@@ -5207,7 +5313,55 @@
                   <a:schemeClr val="bg1"/>
                 </a:solidFill>
               </a:rPr>
-              <a:t>Data : Through API </a:t>
+              <a:t>Data : </a:t>
+            </a:r>
+            <a:r>
+              <a:rPr lang="de-DE" altLang="zh-CN" sz="2200" dirty="0" err="1">
+                <a:solidFill>
+                  <a:schemeClr val="bg1"/>
+                </a:solidFill>
+              </a:rPr>
+              <a:t>downloaded</a:t>
+            </a:r>
+            <a:r>
+              <a:rPr lang="de-DE" altLang="zh-CN" sz="2200" dirty="0">
+                <a:solidFill>
+                  <a:schemeClr val="bg1"/>
+                </a:solidFill>
+              </a:rPr>
+              <a:t> </a:t>
+            </a:r>
+            <a:r>
+              <a:rPr lang="de-DE" altLang="zh-CN" sz="2200" dirty="0" err="1">
+                <a:solidFill>
+                  <a:schemeClr val="bg1"/>
+                </a:solidFill>
+              </a:rPr>
+              <a:t>from</a:t>
+            </a:r>
+            <a:r>
+              <a:rPr lang="de-DE" altLang="zh-CN" sz="2200" dirty="0">
+                <a:solidFill>
+                  <a:schemeClr val="bg1"/>
+                </a:solidFill>
+              </a:rPr>
+              <a:t> </a:t>
+            </a:r>
+            <a:r>
+              <a:rPr lang="de-DE" altLang="zh-CN" sz="2200" dirty="0" err="1">
+                <a:solidFill>
+                  <a:schemeClr val="bg1"/>
+                </a:solidFill>
+              </a:rPr>
+              <a:t>Coingecko</a:t>
+            </a:r>
+            <a:r>
+              <a:rPr lang="de-DE" altLang="zh-CN" sz="2200" dirty="0">
+                <a:solidFill>
+                  <a:schemeClr val="bg1"/>
+                </a:solidFill>
+              </a:rPr>
+              <a:t> API </a:t>
             </a:r>
           </a:p>
           <a:p>
@@ -5428,6 +5582,22 @@
                   <a:schemeClr val="bg1"/>
                 </a:solidFill>
               </a:rPr>
+              <a:t>for</a:t>
+            </a:r>
+            <a:r>
+              <a:rPr lang="de-DE" altLang="zh-CN" sz="2200" dirty="0">
+                <a:solidFill>
+                  <a:schemeClr val="bg1"/>
+                </a:solidFill>
+              </a:rPr>
+              <a:t> </a:t>
+            </a:r>
+            <a:r>
+              <a:rPr lang="de-DE" altLang="zh-CN" sz="2200" dirty="0" err="1">
+                <a:solidFill>
+                  <a:schemeClr val="bg1"/>
+                </a:solidFill>
+              </a:rPr>
               <a:t>stocks</a:t>
             </a:r>
             <a:r>
@@ -5461,6 +5631,36 @@
           </a:p>
         </p:txBody>
       </p:sp>
+      <p:pic>
+        <p:nvPicPr>
+          <p:cNvPr id="3" name="Grafik 2">
+            <a:extLst>
+              <a:ext uri="{FF2B5EF4-FFF2-40B4-BE49-F238E27FC236}">
+                <a16:creationId xmlns:a16="http://schemas.microsoft.com/office/drawing/2014/main" id="{7DA5B8A6-ECCC-4EF2-8C09-B4035B6DE27B}"/>
+              </a:ext>
+            </a:extLst>
+          </p:cNvPr>
+          <p:cNvPicPr>
+            <a:picLocks noChangeAspect="1"/>
+          </p:cNvPicPr>
+          <p:nvPr/>
+        </p:nvPicPr>
+        <p:blipFill>
+          <a:blip r:embed="rId2"/>
+          <a:stretch>
+            <a:fillRect/>
+          </a:stretch>
+        </p:blipFill>
+        <p:spPr>
+          <a:xfrm>
+            <a:off x="5358384" y="2194560"/>
+            <a:ext cx="6429375" cy="3762375"/>
+          </a:xfrm>
+          <a:prstGeom prst="rect">
+            <a:avLst/>
+          </a:prstGeom>
+        </p:spPr>
+      </p:pic>
     </p:spTree>
     <p:extLst>
       <p:ext uri="{BB962C8B-B14F-4D97-AF65-F5344CB8AC3E}">
@@ -5470,6 +5670,1299 @@
   </p:cSld>
   <p:clrMapOvr>
     <a:overrideClrMapping bg1="dk1" tx1="lt1" bg2="dk2" tx2="lt2" accent1="accent1" accent2="accent2" accent3="accent3" accent4="accent4" accent5="accent5" accent6="accent6" hlink="hlink" folHlink="folHlink"/>
+  </p:clrMapOvr>
+</p:sld>
+</file>
+
+<file path=ppt/slides/slide5.xml><?xml version="1.0" encoding="utf-8"?>
+<p:sld xmlns:a="http://schemas.openxmlformats.org/drawingml/2006/main" xmlns:r="http://schemas.openxmlformats.org/officeDocument/2006/relationships" xmlns:p="http://schemas.openxmlformats.org/presentationml/2006/main">
+  <p:cSld>
+    <p:bg>
+      <p:bgPr>
+        <a:solidFill>
+          <a:schemeClr val="bg1"/>
+        </a:solidFill>
+        <a:effectLst/>
+      </p:bgPr>
+    </p:bg>
+    <p:spTree>
+      <p:nvGrpSpPr>
+        <p:cNvPr id="1" name=""/>
+        <p:cNvGrpSpPr/>
+        <p:nvPr/>
+      </p:nvGrpSpPr>
+      <p:grpSpPr>
+        <a:xfrm>
+          <a:off x="0" y="0"/>
+          <a:ext cx="0" cy="0"/>
+          <a:chOff x="0" y="0"/>
+          <a:chExt cx="0" cy="0"/>
+        </a:xfrm>
+      </p:grpSpPr>
+      <p:sp>
+        <p:nvSpPr>
+          <p:cNvPr id="21" name="Rectangle 20">
+            <a:extLst>
+              <a:ext uri="{FF2B5EF4-FFF2-40B4-BE49-F238E27FC236}">
+                <a16:creationId xmlns:a16="http://schemas.microsoft.com/office/drawing/2014/main" id="{823AC064-BC96-4F32-8AE1-B2FD38754823}"/>
+              </a:ext>
+              <a:ext uri="{C183D7F6-B498-43B3-948B-1728B52AA6E4}">
+                <adec:decorative xmlns:adec="http://schemas.microsoft.com/office/drawing/2017/decorative" val="1"/>
+              </a:ext>
+            </a:extLst>
+          </p:cNvPr>
+          <p:cNvSpPr>
+            <a:spLocks noGrp="1" noRot="1" noChangeAspect="1" noMove="1" noResize="1" noEditPoints="1" noAdjustHandles="1" noChangeArrowheads="1" noChangeShapeType="1" noTextEdit="1"/>
+          </p:cNvSpPr>
+          <p:nvPr>
+            <p:extLst>
+              <p:ext uri="{386F3935-93C4-4BCD-93E2-E3B085C9AB24}">
+                <p16:designElem xmlns:p16="http://schemas.microsoft.com/office/powerpoint/2015/main" val="1"/>
+              </p:ext>
+            </p:extLst>
+          </p:nvPr>
+        </p:nvSpPr>
+        <p:spPr bwMode="ltGray">
+          <a:xfrm>
+            <a:off x="396882" y="280374"/>
+            <a:ext cx="11438793" cy="1844256"/>
+          </a:xfrm>
+          <a:prstGeom prst="rect">
+            <a:avLst/>
+          </a:prstGeom>
+          <a:solidFill>
+            <a:srgbClr val="404040"/>
+          </a:solidFill>
+          <a:ln w="127000" cap="sq" cmpd="thinThick">
+            <a:solidFill>
+              <a:srgbClr val="404040"/>
+            </a:solidFill>
+          </a:ln>
+        </p:spPr>
+        <p:style>
+          <a:lnRef idx="2">
+            <a:schemeClr val="accent1">
+              <a:shade val="50000"/>
+            </a:schemeClr>
+          </a:lnRef>
+          <a:fillRef idx="1">
+            <a:schemeClr val="accent1"/>
+          </a:fillRef>
+          <a:effectRef idx="0">
+            <a:schemeClr val="accent1"/>
+          </a:effectRef>
+          <a:fontRef idx="minor">
+            <a:schemeClr val="lt1"/>
+          </a:fontRef>
+        </p:style>
+        <p:txBody>
+          <a:bodyPr rtlCol="0" anchor="ctr"/>
+          <a:lstStyle/>
+          <a:p>
+            <a:pPr algn="ctr"/>
+            <a:endParaRPr lang="en-US"/>
+          </a:p>
+        </p:txBody>
+      </p:sp>
+      <p:sp>
+        <p:nvSpPr>
+          <p:cNvPr id="2" name="Titel 1">
+            <a:extLst>
+              <a:ext uri="{FF2B5EF4-FFF2-40B4-BE49-F238E27FC236}">
+                <a16:creationId xmlns:a16="http://schemas.microsoft.com/office/drawing/2014/main" id="{1F951854-C038-4E0A-B2C7-B8290C8E328F}"/>
+              </a:ext>
+            </a:extLst>
+          </p:cNvPr>
+          <p:cNvSpPr>
+            <a:spLocks noGrp="1"/>
+          </p:cNvSpPr>
+          <p:nvPr>
+            <p:ph type="title"/>
+          </p:nvPr>
+        </p:nvSpPr>
+        <p:spPr>
+          <a:xfrm>
+            <a:off x="546351" y="433545"/>
+            <a:ext cx="11139854" cy="930447"/>
+          </a:xfrm>
+        </p:spPr>
+        <p:txBody>
+          <a:bodyPr vert="horz" lIns="91440" tIns="45720" rIns="91440" bIns="45720" rtlCol="0" anchor="b">
+            <a:normAutofit/>
+          </a:bodyPr>
+          <a:lstStyle/>
+          <a:p>
+            <a:pPr algn="ctr"/>
+            <a:r>
+              <a:rPr lang="en-US" altLang="zh-CN" sz="3400">
+                <a:solidFill>
+                  <a:srgbClr val="FFFFFF"/>
+                </a:solidFill>
+              </a:rPr>
+              <a:t>Applying Monte Carlo Simulation to optimize the portfolio</a:t>
+            </a:r>
+          </a:p>
+        </p:txBody>
+      </p:sp>
+      <p:cxnSp>
+        <p:nvCxnSpPr>
+          <p:cNvPr id="23" name="Straight Connector 22">
+            <a:extLst>
+              <a:ext uri="{FF2B5EF4-FFF2-40B4-BE49-F238E27FC236}">
+                <a16:creationId xmlns:a16="http://schemas.microsoft.com/office/drawing/2014/main" id="{7E7C77BC-7138-40B1-A15B-20F57A494629}"/>
+              </a:ext>
+              <a:ext uri="{C183D7F6-B498-43B3-948B-1728B52AA6E4}">
+                <adec:decorative xmlns:adec="http://schemas.microsoft.com/office/drawing/2017/decorative" val="1"/>
+              </a:ext>
+            </a:extLst>
+          </p:cNvPr>
+          <p:cNvCxnSpPr>
+            <a:cxnSpLocks noGrp="1" noRot="1" noChangeAspect="1" noMove="1" noResize="1" noEditPoints="1" noAdjustHandles="1" noChangeArrowheads="1" noChangeShapeType="1"/>
+          </p:cNvCxnSpPr>
+          <p:nvPr>
+            <p:extLst>
+              <p:ext uri="{386F3935-93C4-4BCD-93E2-E3B085C9AB24}">
+                <p16:designElem xmlns:p16="http://schemas.microsoft.com/office/powerpoint/2015/main" val="1"/>
+              </p:ext>
+            </p:extLst>
+          </p:nvPr>
+        </p:nvCxnSpPr>
+        <p:spPr>
+          <a:xfrm>
+            <a:off x="2230078" y="1522292"/>
+            <a:ext cx="7772400" cy="0"/>
+          </a:xfrm>
+          <a:prstGeom prst="line">
+            <a:avLst/>
+          </a:prstGeom>
+          <a:ln w="22225">
+            <a:solidFill>
+              <a:srgbClr val="D9D9D9"/>
+            </a:solidFill>
+          </a:ln>
+        </p:spPr>
+        <p:style>
+          <a:lnRef idx="1">
+            <a:schemeClr val="accent1"/>
+          </a:lnRef>
+          <a:fillRef idx="0">
+            <a:schemeClr val="accent1"/>
+          </a:fillRef>
+          <a:effectRef idx="0">
+            <a:schemeClr val="accent1"/>
+          </a:effectRef>
+          <a:fontRef idx="minor">
+            <a:schemeClr val="tx1"/>
+          </a:fontRef>
+        </p:style>
+      </p:cxnSp>
+      <p:pic>
+        <p:nvPicPr>
+          <p:cNvPr id="10" name="Grafik 9">
+            <a:extLst>
+              <a:ext uri="{FF2B5EF4-FFF2-40B4-BE49-F238E27FC236}">
+                <a16:creationId xmlns:a16="http://schemas.microsoft.com/office/drawing/2014/main" id="{87075D6B-A570-412C-B57D-68EDF1A5F71F}"/>
+              </a:ext>
+            </a:extLst>
+          </p:cNvPr>
+          <p:cNvPicPr>
+            <a:picLocks noChangeAspect="1"/>
+          </p:cNvPicPr>
+          <p:nvPr/>
+        </p:nvPicPr>
+        <p:blipFill>
+          <a:blip r:embed="rId2"/>
+          <a:stretch>
+            <a:fillRect/>
+          </a:stretch>
+        </p:blipFill>
+        <p:spPr>
+          <a:xfrm>
+            <a:off x="331567" y="2596836"/>
+            <a:ext cx="5455917" cy="3657600"/>
+          </a:xfrm>
+          <a:prstGeom prst="rect">
+            <a:avLst/>
+          </a:prstGeom>
+        </p:spPr>
+      </p:pic>
+      <p:cxnSp>
+        <p:nvCxnSpPr>
+          <p:cNvPr id="25" name="Straight Connector 24">
+            <a:extLst>
+              <a:ext uri="{FF2B5EF4-FFF2-40B4-BE49-F238E27FC236}">
+                <a16:creationId xmlns:a16="http://schemas.microsoft.com/office/drawing/2014/main" id="{DB146403-F3D6-484B-B2ED-97F9565D0370}"/>
+              </a:ext>
+              <a:ext uri="{C183D7F6-B498-43B3-948B-1728B52AA6E4}">
+                <adec:decorative xmlns:adec="http://schemas.microsoft.com/office/drawing/2017/decorative" val="1"/>
+              </a:ext>
+            </a:extLst>
+          </p:cNvPr>
+          <p:cNvCxnSpPr>
+            <a:cxnSpLocks noGrp="1" noRot="1" noChangeAspect="1" noMove="1" noResize="1" noEditPoints="1" noAdjustHandles="1" noChangeArrowheads="1" noChangeShapeType="1"/>
+          </p:cNvCxnSpPr>
+          <p:nvPr>
+            <p:extLst>
+              <p:ext uri="{386F3935-93C4-4BCD-93E2-E3B085C9AB24}">
+                <p16:designElem xmlns:p16="http://schemas.microsoft.com/office/powerpoint/2015/main" val="1"/>
+              </p:ext>
+            </p:extLst>
+          </p:nvPr>
+        </p:nvCxnSpPr>
+        <p:spPr>
+          <a:xfrm>
+            <a:off x="6116278" y="2596836"/>
+            <a:ext cx="0" cy="3657600"/>
+          </a:xfrm>
+          <a:prstGeom prst="line">
+            <a:avLst/>
+          </a:prstGeom>
+          <a:ln w="101600" cmpd="dbl">
+            <a:solidFill>
+              <a:srgbClr val="595959"/>
+            </a:solidFill>
+          </a:ln>
+        </p:spPr>
+        <p:style>
+          <a:lnRef idx="1">
+            <a:schemeClr val="accent1"/>
+          </a:lnRef>
+          <a:fillRef idx="0">
+            <a:schemeClr val="accent1"/>
+          </a:fillRef>
+          <a:effectRef idx="0">
+            <a:schemeClr val="accent1"/>
+          </a:effectRef>
+          <a:fontRef idx="minor">
+            <a:schemeClr val="tx1"/>
+          </a:fontRef>
+        </p:style>
+      </p:cxnSp>
+      <p:pic>
+        <p:nvPicPr>
+          <p:cNvPr id="13" name="Grafik 12">
+            <a:extLst>
+              <a:ext uri="{FF2B5EF4-FFF2-40B4-BE49-F238E27FC236}">
+                <a16:creationId xmlns:a16="http://schemas.microsoft.com/office/drawing/2014/main" id="{B619D504-CEC2-40A2-AB28-F9F1CBF026A9}"/>
+              </a:ext>
+            </a:extLst>
+          </p:cNvPr>
+          <p:cNvPicPr>
+            <a:picLocks noChangeAspect="1"/>
+          </p:cNvPicPr>
+          <p:nvPr/>
+        </p:nvPicPr>
+        <p:blipFill>
+          <a:blip r:embed="rId3"/>
+          <a:stretch>
+            <a:fillRect/>
+          </a:stretch>
+        </p:blipFill>
+        <p:spPr>
+          <a:xfrm>
+            <a:off x="6445073" y="2596836"/>
+            <a:ext cx="5455917" cy="3657600"/>
+          </a:xfrm>
+          <a:prstGeom prst="rect">
+            <a:avLst/>
+          </a:prstGeom>
+        </p:spPr>
+      </p:pic>
+    </p:spTree>
+    <p:extLst>
+      <p:ext uri="{BB962C8B-B14F-4D97-AF65-F5344CB8AC3E}">
+        <p14:creationId xmlns:p14="http://schemas.microsoft.com/office/powerpoint/2010/main" val="1212884202"/>
+      </p:ext>
+    </p:extLst>
+  </p:cSld>
+  <p:clrMapOvr>
+    <a:masterClrMapping/>
+  </p:clrMapOvr>
+</p:sld>
+</file>
+
+<file path=ppt/slides/slide6.xml><?xml version="1.0" encoding="utf-8"?>
+<p:sld xmlns:a="http://schemas.openxmlformats.org/drawingml/2006/main" xmlns:r="http://schemas.openxmlformats.org/officeDocument/2006/relationships" xmlns:p="http://schemas.openxmlformats.org/presentationml/2006/main">
+  <p:cSld>
+    <p:bg>
+      <p:bgPr>
+        <a:solidFill>
+          <a:schemeClr val="bg1"/>
+        </a:solidFill>
+        <a:effectLst/>
+      </p:bgPr>
+    </p:bg>
+    <p:spTree>
+      <p:nvGrpSpPr>
+        <p:cNvPr id="1" name=""/>
+        <p:cNvGrpSpPr/>
+        <p:nvPr/>
+      </p:nvGrpSpPr>
+      <p:grpSpPr>
+        <a:xfrm>
+          <a:off x="0" y="0"/>
+          <a:ext cx="0" cy="0"/>
+          <a:chOff x="0" y="0"/>
+          <a:chExt cx="0" cy="0"/>
+        </a:xfrm>
+      </p:grpSpPr>
+      <p:sp>
+        <p:nvSpPr>
+          <p:cNvPr id="15" name="Inhaltsplatzhalter 2">
+            <a:extLst>
+              <a:ext uri="{FF2B5EF4-FFF2-40B4-BE49-F238E27FC236}">
+                <a16:creationId xmlns:a16="http://schemas.microsoft.com/office/drawing/2014/main" id="{24C8E687-C2E8-47F8-8901-2C673DFAB849}"/>
+              </a:ext>
+            </a:extLst>
+          </p:cNvPr>
+          <p:cNvSpPr>
+            <a:spLocks noGrp="1"/>
+          </p:cNvSpPr>
+          <p:nvPr>
+            <p:ph idx="1"/>
+          </p:nvPr>
+        </p:nvSpPr>
+        <p:spPr>
+          <a:xfrm>
+            <a:off x="648931" y="2438401"/>
+            <a:ext cx="3667036" cy="3779520"/>
+          </a:xfrm>
+        </p:spPr>
+        <p:txBody>
+          <a:bodyPr>
+            <a:normAutofit/>
+          </a:bodyPr>
+          <a:lstStyle/>
+          <a:p>
+            <a:pPr marL="0" indent="0">
+              <a:buNone/>
+            </a:pPr>
+            <a:r>
+              <a:rPr lang="de-DE" altLang="zh-CN" sz="1800" dirty="0"/>
+              <a:t>The </a:t>
+            </a:r>
+            <a:r>
+              <a:rPr lang="de-DE" altLang="zh-CN" sz="1800" dirty="0" err="1"/>
+              <a:t>majority</a:t>
+            </a:r>
+            <a:r>
+              <a:rPr lang="de-DE" altLang="zh-CN" sz="1800" dirty="0"/>
+              <a:t> </a:t>
+            </a:r>
+            <a:r>
+              <a:rPr lang="de-DE" altLang="zh-CN" sz="1800" dirty="0" err="1"/>
+              <a:t>coins</a:t>
+            </a:r>
+            <a:r>
+              <a:rPr lang="de-DE" altLang="zh-CN" sz="1800" dirty="0"/>
+              <a:t> </a:t>
+            </a:r>
+            <a:r>
+              <a:rPr lang="de-DE" altLang="zh-CN" sz="1800" dirty="0" err="1"/>
+              <a:t>are</a:t>
+            </a:r>
+            <a:r>
+              <a:rPr lang="de-DE" altLang="zh-CN" sz="1800" dirty="0"/>
+              <a:t> </a:t>
+            </a:r>
+            <a:r>
+              <a:rPr lang="de-DE" altLang="zh-CN" sz="1800" dirty="0" err="1"/>
+              <a:t>highly</a:t>
+            </a:r>
+            <a:r>
+              <a:rPr lang="de-DE" altLang="zh-CN" sz="1800" dirty="0"/>
+              <a:t> </a:t>
+            </a:r>
+            <a:r>
+              <a:rPr lang="de-DE" altLang="zh-CN" sz="1800" dirty="0" err="1"/>
+              <a:t>correlated</a:t>
+            </a:r>
+            <a:r>
+              <a:rPr lang="de-DE" altLang="zh-CN" sz="1800" dirty="0"/>
+              <a:t> </a:t>
+            </a:r>
+            <a:r>
+              <a:rPr lang="de-DE" altLang="zh-CN" sz="1800" dirty="0" err="1"/>
+              <a:t>to</a:t>
+            </a:r>
+            <a:r>
+              <a:rPr lang="de-DE" altLang="zh-CN" sz="1800" dirty="0"/>
+              <a:t> </a:t>
+            </a:r>
+            <a:r>
+              <a:rPr lang="de-DE" altLang="zh-CN" sz="1800" dirty="0" err="1"/>
+              <a:t>each</a:t>
+            </a:r>
+            <a:r>
+              <a:rPr lang="de-DE" altLang="zh-CN" sz="1800" dirty="0"/>
+              <a:t> </a:t>
+            </a:r>
+            <a:r>
+              <a:rPr lang="de-DE" altLang="zh-CN" sz="1800" dirty="0" err="1"/>
+              <a:t>other</a:t>
+            </a:r>
+            <a:r>
+              <a:rPr lang="de-DE" altLang="zh-CN" sz="1800" dirty="0"/>
+              <a:t> </a:t>
+            </a:r>
+            <a:r>
+              <a:rPr lang="de-DE" altLang="zh-CN" sz="1800" dirty="0" err="1"/>
+              <a:t>except</a:t>
+            </a:r>
+            <a:r>
+              <a:rPr lang="de-DE" altLang="zh-CN" sz="1800" dirty="0"/>
+              <a:t> </a:t>
+            </a:r>
+            <a:r>
+              <a:rPr lang="de-DE" altLang="zh-CN" sz="1800" dirty="0" err="1"/>
+              <a:t>Binance</a:t>
+            </a:r>
+            <a:r>
+              <a:rPr lang="de-DE" altLang="zh-CN" sz="1800" dirty="0"/>
+              <a:t> </a:t>
+            </a:r>
+            <a:r>
+              <a:rPr lang="de-DE" altLang="zh-CN" sz="1800" dirty="0" err="1"/>
+              <a:t>Coin</a:t>
+            </a:r>
+            <a:r>
+              <a:rPr lang="de-DE" altLang="zh-CN" sz="1800" dirty="0"/>
+              <a:t> and BSV.</a:t>
+            </a:r>
+          </a:p>
+          <a:p>
+            <a:pPr marL="0" indent="0">
+              <a:buNone/>
+            </a:pPr>
+            <a:endParaRPr lang="de-DE" altLang="zh-CN" sz="1800" dirty="0"/>
+          </a:p>
+          <a:p>
+            <a:pPr marL="0" indent="0">
+              <a:buNone/>
+            </a:pPr>
+            <a:r>
+              <a:rPr lang="de-DE" altLang="zh-CN" sz="1800" dirty="0" err="1"/>
+              <a:t>Normally</a:t>
+            </a:r>
+            <a:r>
+              <a:rPr lang="de-DE" altLang="zh-CN" sz="1800" dirty="0"/>
+              <a:t> </a:t>
+            </a:r>
+            <a:r>
+              <a:rPr lang="de-DE" altLang="zh-CN" sz="1800" dirty="0" err="1"/>
+              <a:t>we</a:t>
+            </a:r>
+            <a:r>
+              <a:rPr lang="de-DE" altLang="zh-CN" sz="1800" dirty="0"/>
+              <a:t> </a:t>
+            </a:r>
+            <a:r>
+              <a:rPr lang="de-DE" altLang="zh-CN" sz="1800" dirty="0" err="1"/>
+              <a:t>should</a:t>
+            </a:r>
+            <a:r>
+              <a:rPr lang="de-DE" altLang="zh-CN" sz="1800" dirty="0"/>
+              <a:t> </a:t>
+            </a:r>
+            <a:r>
+              <a:rPr lang="de-DE" altLang="zh-CN" sz="1800" dirty="0" err="1"/>
+              <a:t>built</a:t>
+            </a:r>
+            <a:r>
+              <a:rPr lang="de-DE" altLang="zh-CN" sz="1800" dirty="0"/>
+              <a:t> </a:t>
+            </a:r>
+            <a:r>
+              <a:rPr lang="de-DE" altLang="zh-CN" sz="1800" dirty="0" err="1"/>
+              <a:t>the</a:t>
+            </a:r>
+            <a:r>
+              <a:rPr lang="de-DE" altLang="zh-CN" sz="1800" dirty="0"/>
+              <a:t> </a:t>
+            </a:r>
+            <a:r>
+              <a:rPr lang="de-DE" altLang="zh-CN" sz="1800" dirty="0" err="1"/>
+              <a:t>portfolio</a:t>
+            </a:r>
+            <a:r>
+              <a:rPr lang="de-DE" altLang="zh-CN" sz="1800" dirty="0"/>
+              <a:t> </a:t>
+            </a:r>
+            <a:r>
+              <a:rPr lang="de-DE" altLang="zh-CN" sz="1800" dirty="0" err="1"/>
+              <a:t>with</a:t>
+            </a:r>
+            <a:r>
+              <a:rPr lang="de-DE" altLang="zh-CN" sz="1800" dirty="0"/>
+              <a:t> </a:t>
+            </a:r>
+            <a:r>
+              <a:rPr lang="de-DE" altLang="zh-CN" sz="1800" dirty="0" err="1"/>
+              <a:t>lower</a:t>
+            </a:r>
+            <a:r>
+              <a:rPr lang="de-DE" altLang="zh-CN" sz="1800" dirty="0"/>
+              <a:t> </a:t>
+            </a:r>
+            <a:r>
+              <a:rPr lang="de-DE" altLang="zh-CN" sz="1800" dirty="0" err="1"/>
+              <a:t>correlated</a:t>
+            </a:r>
+            <a:r>
+              <a:rPr lang="de-DE" altLang="zh-CN" sz="1800" dirty="0"/>
+              <a:t> </a:t>
+            </a:r>
+            <a:r>
+              <a:rPr lang="de-DE" altLang="zh-CN" sz="1800" dirty="0" err="1"/>
+              <a:t>assets</a:t>
+            </a:r>
+            <a:r>
+              <a:rPr lang="de-DE" altLang="zh-CN" sz="1800" dirty="0"/>
+              <a:t>.</a:t>
+            </a:r>
+          </a:p>
+          <a:p>
+            <a:pPr marL="0" indent="0">
+              <a:buNone/>
+            </a:pPr>
+            <a:endParaRPr lang="zh-CN" altLang="en-US" sz="1800" dirty="0"/>
+          </a:p>
+        </p:txBody>
+      </p:sp>
+      <p:sp>
+        <p:nvSpPr>
+          <p:cNvPr id="20" name="Rectangle 19">
+            <a:extLst>
+              <a:ext uri="{FF2B5EF4-FFF2-40B4-BE49-F238E27FC236}">
+                <a16:creationId xmlns:a16="http://schemas.microsoft.com/office/drawing/2014/main" id="{F2B38F72-8FC4-4001-8C67-FA6B86DEC767}"/>
+              </a:ext>
+              <a:ext uri="{C183D7F6-B498-43B3-948B-1728B52AA6E4}">
+                <adec:decorative xmlns:adec="http://schemas.microsoft.com/office/drawing/2017/decorative" val="1"/>
+              </a:ext>
+            </a:extLst>
+          </p:cNvPr>
+          <p:cNvSpPr>
+            <a:spLocks noGrp="1" noRot="1" noChangeAspect="1" noMove="1" noResize="1" noEditPoints="1" noAdjustHandles="1" noChangeArrowheads="1" noChangeShapeType="1" noTextEdit="1"/>
+          </p:cNvSpPr>
+          <p:nvPr>
+            <p:extLst>
+              <p:ext uri="{386F3935-93C4-4BCD-93E2-E3B085C9AB24}">
+                <p16:designElem xmlns:p16="http://schemas.microsoft.com/office/powerpoint/2015/main" val="1"/>
+              </p:ext>
+            </p:extLst>
+          </p:nvPr>
+        </p:nvSpPr>
+        <p:spPr>
+          <a:xfrm>
+            <a:off x="4636008" y="2"/>
+            <a:ext cx="7555992" cy="6857998"/>
+          </a:xfrm>
+          <a:prstGeom prst="rect">
+            <a:avLst/>
+          </a:prstGeom>
+          <a:solidFill>
+            <a:schemeClr val="tx1"/>
+          </a:solidFill>
+          <a:ln>
+            <a:noFill/>
+          </a:ln>
+        </p:spPr>
+        <p:style>
+          <a:lnRef idx="2">
+            <a:schemeClr val="accent1">
+              <a:shade val="50000"/>
+            </a:schemeClr>
+          </a:lnRef>
+          <a:fillRef idx="1">
+            <a:schemeClr val="accent1"/>
+          </a:fillRef>
+          <a:effectRef idx="0">
+            <a:schemeClr val="accent1"/>
+          </a:effectRef>
+          <a:fontRef idx="minor">
+            <a:schemeClr val="lt1"/>
+          </a:fontRef>
+        </p:style>
+        <p:txBody>
+          <a:bodyPr rtlCol="0" anchor="ctr"/>
+          <a:lstStyle/>
+          <a:p>
+            <a:pPr algn="ctr"/>
+            <a:endParaRPr lang="en-US"/>
+          </a:p>
+        </p:txBody>
+      </p:sp>
+      <p:pic>
+        <p:nvPicPr>
+          <p:cNvPr id="6" name="Grafik 5">
+            <a:extLst>
+              <a:ext uri="{FF2B5EF4-FFF2-40B4-BE49-F238E27FC236}">
+                <a16:creationId xmlns:a16="http://schemas.microsoft.com/office/drawing/2014/main" id="{1B859055-A369-43CD-938F-C36B6E03FB26}"/>
+              </a:ext>
+            </a:extLst>
+          </p:cNvPr>
+          <p:cNvPicPr>
+            <a:picLocks noChangeAspect="1"/>
+          </p:cNvPicPr>
+          <p:nvPr/>
+        </p:nvPicPr>
+        <p:blipFill rotWithShape="1">
+          <a:blip r:embed="rId2">
+            <a:extLst>
+              <a:ext uri="{28A0092B-C50C-407E-A947-70E740481C1C}">
+                <a14:useLocalDpi xmlns:a14="http://schemas.microsoft.com/office/drawing/2010/main" val="0"/>
+              </a:ext>
+            </a:extLst>
+          </a:blip>
+          <a:srcRect t="11128" r="2" b="2"/>
+          <a:stretch/>
+        </p:blipFill>
+        <p:spPr>
+          <a:xfrm>
+            <a:off x="4784035" y="0"/>
+            <a:ext cx="7407965" cy="6758609"/>
+          </a:xfrm>
+          <a:prstGeom prst="rect">
+            <a:avLst/>
+          </a:prstGeom>
+          <a:effectLst/>
+        </p:spPr>
+      </p:pic>
+    </p:spTree>
+    <p:extLst>
+      <p:ext uri="{BB962C8B-B14F-4D97-AF65-F5344CB8AC3E}">
+        <p14:creationId xmlns:p14="http://schemas.microsoft.com/office/powerpoint/2010/main" val="2652313975"/>
+      </p:ext>
+    </p:extLst>
+  </p:cSld>
+  <p:clrMapOvr>
+    <a:overrideClrMapping bg1="dk1" tx1="lt1" bg2="dk2" tx2="lt2" accent1="accent1" accent2="accent2" accent3="accent3" accent4="accent4" accent5="accent5" accent6="accent6" hlink="hlink" folHlink="folHlink"/>
+  </p:clrMapOvr>
+</p:sld>
+</file>
+
+<file path=ppt/slides/slide7.xml><?xml version="1.0" encoding="utf-8"?>
+<p:sld xmlns:a="http://schemas.openxmlformats.org/drawingml/2006/main" xmlns:r="http://schemas.openxmlformats.org/officeDocument/2006/relationships" xmlns:p="http://schemas.openxmlformats.org/presentationml/2006/main">
+  <p:cSld>
+    <p:bg>
+      <p:bgPr>
+        <a:solidFill>
+          <a:schemeClr val="bg1"/>
+        </a:solidFill>
+        <a:effectLst/>
+      </p:bgPr>
+    </p:bg>
+    <p:spTree>
+      <p:nvGrpSpPr>
+        <p:cNvPr id="1" name=""/>
+        <p:cNvGrpSpPr/>
+        <p:nvPr/>
+      </p:nvGrpSpPr>
+      <p:grpSpPr>
+        <a:xfrm>
+          <a:off x="0" y="0"/>
+          <a:ext cx="0" cy="0"/>
+          <a:chOff x="0" y="0"/>
+          <a:chExt cx="0" cy="0"/>
+        </a:xfrm>
+      </p:grpSpPr>
+      <p:sp>
+        <p:nvSpPr>
+          <p:cNvPr id="20" name="Rectangle 11">
+            <a:extLst>
+              <a:ext uri="{FF2B5EF4-FFF2-40B4-BE49-F238E27FC236}">
+                <a16:creationId xmlns:a16="http://schemas.microsoft.com/office/drawing/2014/main" id="{A4AC5506-6312-4701-8D3C-40187889A947}"/>
+              </a:ext>
+              <a:ext uri="{C183D7F6-B498-43B3-948B-1728B52AA6E4}">
+                <adec:decorative xmlns:adec="http://schemas.microsoft.com/office/drawing/2017/decorative" val="1"/>
+              </a:ext>
+            </a:extLst>
+          </p:cNvPr>
+          <p:cNvSpPr>
+            <a:spLocks noGrp="1" noRot="1" noChangeAspect="1" noMove="1" noResize="1" noEditPoints="1" noAdjustHandles="1" noChangeArrowheads="1" noChangeShapeType="1" noTextEdit="1"/>
+          </p:cNvSpPr>
+          <p:nvPr>
+            <p:extLst>
+              <p:ext uri="{386F3935-93C4-4BCD-93E2-E3B085C9AB24}">
+                <p16:designElem xmlns:p16="http://schemas.microsoft.com/office/powerpoint/2015/main" val="1"/>
+              </p:ext>
+            </p:extLst>
+          </p:nvPr>
+        </p:nvSpPr>
+        <p:spPr>
+          <a:xfrm>
+            <a:off x="0" y="651752"/>
+            <a:ext cx="12192000" cy="736551"/>
+          </a:xfrm>
+          <a:prstGeom prst="rect">
+            <a:avLst/>
+          </a:prstGeom>
+          <a:solidFill>
+            <a:schemeClr val="tx1"/>
+          </a:solidFill>
+          <a:ln>
+            <a:noFill/>
+          </a:ln>
+        </p:spPr>
+        <p:style>
+          <a:lnRef idx="2">
+            <a:schemeClr val="accent1">
+              <a:shade val="50000"/>
+            </a:schemeClr>
+          </a:lnRef>
+          <a:fillRef idx="1">
+            <a:schemeClr val="accent1"/>
+          </a:fillRef>
+          <a:effectRef idx="0">
+            <a:schemeClr val="accent1"/>
+          </a:effectRef>
+          <a:fontRef idx="minor">
+            <a:schemeClr val="lt1"/>
+          </a:fontRef>
+        </p:style>
+        <p:txBody>
+          <a:bodyPr rtlCol="0" anchor="ctr"/>
+          <a:lstStyle/>
+          <a:p>
+            <a:pPr algn="ctr"/>
+            <a:endParaRPr lang="en-US"/>
+          </a:p>
+        </p:txBody>
+      </p:sp>
+      <p:sp>
+        <p:nvSpPr>
+          <p:cNvPr id="2" name="Titel 1">
+            <a:extLst>
+              <a:ext uri="{FF2B5EF4-FFF2-40B4-BE49-F238E27FC236}">
+                <a16:creationId xmlns:a16="http://schemas.microsoft.com/office/drawing/2014/main" id="{9113B33B-503E-4E9E-A9BF-47B7ED1DEBD5}"/>
+              </a:ext>
+            </a:extLst>
+          </p:cNvPr>
+          <p:cNvSpPr>
+            <a:spLocks noGrp="1"/>
+          </p:cNvSpPr>
+          <p:nvPr>
+            <p:ph type="title"/>
+          </p:nvPr>
+        </p:nvSpPr>
+        <p:spPr>
+          <a:xfrm>
+            <a:off x="337608" y="635687"/>
+            <a:ext cx="11210925" cy="744836"/>
+          </a:xfrm>
+        </p:spPr>
+        <p:txBody>
+          <a:bodyPr vert="horz" lIns="91440" tIns="45720" rIns="91440" bIns="45720" rtlCol="0" anchor="ctr">
+            <a:normAutofit fontScale="90000"/>
+          </a:bodyPr>
+          <a:lstStyle/>
+          <a:p>
+            <a:pPr algn="ctr"/>
+            <a:r>
+              <a:rPr lang="en-US" altLang="zh-CN" sz="3200" kern="1200" dirty="0">
+                <a:solidFill>
+                  <a:schemeClr val="bg1"/>
+                </a:solidFill>
+                <a:latin typeface="+mj-lt"/>
+                <a:ea typeface="+mj-ea"/>
+                <a:cs typeface="+mj-cs"/>
+              </a:rPr>
+              <a:t>Simulation results : It ran 10.000 times and the results stored in an a </a:t>
+            </a:r>
+            <a:r>
+              <a:rPr lang="en-US" altLang="zh-CN" sz="3200" kern="1200" dirty="0" err="1">
+                <a:solidFill>
+                  <a:schemeClr val="bg1"/>
+                </a:solidFill>
+                <a:latin typeface="+mj-lt"/>
+                <a:ea typeface="+mj-ea"/>
+                <a:cs typeface="+mj-cs"/>
+              </a:rPr>
+              <a:t>dataframe</a:t>
+            </a:r>
+            <a:endParaRPr lang="en-US" altLang="zh-CN" sz="3200" kern="1200" dirty="0">
+              <a:solidFill>
+                <a:schemeClr val="bg1"/>
+              </a:solidFill>
+              <a:latin typeface="+mj-lt"/>
+              <a:ea typeface="+mj-ea"/>
+              <a:cs typeface="+mj-cs"/>
+            </a:endParaRPr>
+          </a:p>
+        </p:txBody>
+      </p:sp>
+      <p:pic>
+        <p:nvPicPr>
+          <p:cNvPr id="7" name="Grafik 6">
+            <a:extLst>
+              <a:ext uri="{FF2B5EF4-FFF2-40B4-BE49-F238E27FC236}">
+                <a16:creationId xmlns:a16="http://schemas.microsoft.com/office/drawing/2014/main" id="{718051A2-F5AC-4FF5-9127-6D537FCF64DF}"/>
+              </a:ext>
+            </a:extLst>
+          </p:cNvPr>
+          <p:cNvPicPr>
+            <a:picLocks noChangeAspect="1"/>
+          </p:cNvPicPr>
+          <p:nvPr/>
+        </p:nvPicPr>
+        <p:blipFill>
+          <a:blip r:embed="rId2"/>
+          <a:stretch>
+            <a:fillRect/>
+          </a:stretch>
+        </p:blipFill>
+        <p:spPr>
+          <a:xfrm>
+            <a:off x="643467" y="1841258"/>
+            <a:ext cx="10905066" cy="4062136"/>
+          </a:xfrm>
+          <a:prstGeom prst="rect">
+            <a:avLst/>
+          </a:prstGeom>
+        </p:spPr>
+      </p:pic>
+    </p:spTree>
+    <p:extLst>
+      <p:ext uri="{BB962C8B-B14F-4D97-AF65-F5344CB8AC3E}">
+        <p14:creationId xmlns:p14="http://schemas.microsoft.com/office/powerpoint/2010/main" val="1955607486"/>
+      </p:ext>
+    </p:extLst>
+  </p:cSld>
+  <p:clrMapOvr>
+    <a:masterClrMapping/>
+  </p:clrMapOvr>
+</p:sld>
+</file>
+
+<file path=ppt/slides/slide8.xml><?xml version="1.0" encoding="utf-8"?>
+<p:sld xmlns:a="http://schemas.openxmlformats.org/drawingml/2006/main" xmlns:r="http://schemas.openxmlformats.org/officeDocument/2006/relationships" xmlns:p="http://schemas.openxmlformats.org/presentationml/2006/main">
+  <p:cSld>
+    <p:bg>
+      <p:bgPr>
+        <a:solidFill>
+          <a:schemeClr val="bg1"/>
+        </a:solidFill>
+        <a:effectLst/>
+      </p:bgPr>
+    </p:bg>
+    <p:spTree>
+      <p:nvGrpSpPr>
+        <p:cNvPr id="1" name=""/>
+        <p:cNvGrpSpPr/>
+        <p:nvPr/>
+      </p:nvGrpSpPr>
+      <p:grpSpPr>
+        <a:xfrm>
+          <a:off x="0" y="0"/>
+          <a:ext cx="0" cy="0"/>
+          <a:chOff x="0" y="0"/>
+          <a:chExt cx="0" cy="0"/>
+        </a:xfrm>
+      </p:grpSpPr>
+      <p:sp>
+        <p:nvSpPr>
+          <p:cNvPr id="2" name="Titel 1">
+            <a:extLst>
+              <a:ext uri="{FF2B5EF4-FFF2-40B4-BE49-F238E27FC236}">
+                <a16:creationId xmlns:a16="http://schemas.microsoft.com/office/drawing/2014/main" id="{FEE40733-378C-4E91-B6DF-91694D00EF86}"/>
+              </a:ext>
+            </a:extLst>
+          </p:cNvPr>
+          <p:cNvSpPr>
+            <a:spLocks noGrp="1"/>
+          </p:cNvSpPr>
+          <p:nvPr>
+            <p:ph type="title"/>
+          </p:nvPr>
+        </p:nvSpPr>
+        <p:spPr>
+          <a:xfrm>
+            <a:off x="648929" y="629266"/>
+            <a:ext cx="3667039" cy="2409356"/>
+          </a:xfrm>
+        </p:spPr>
+        <p:txBody>
+          <a:bodyPr>
+            <a:normAutofit fontScale="90000"/>
+          </a:bodyPr>
+          <a:lstStyle/>
+          <a:p>
+            <a:r>
+              <a:rPr lang="de-DE" altLang="zh-CN" sz="3600" dirty="0" err="1"/>
+              <a:t>Results</a:t>
+            </a:r>
+            <a:r>
+              <a:rPr lang="de-DE" altLang="zh-CN" sz="3600" dirty="0"/>
+              <a:t>:</a:t>
+            </a:r>
+            <a:br>
+              <a:rPr lang="de-DE" altLang="zh-CN" sz="3600" dirty="0"/>
+            </a:br>
+            <a:r>
+              <a:rPr lang="de-DE" altLang="zh-CN" sz="3600" dirty="0" err="1"/>
+              <a:t>highest</a:t>
+            </a:r>
+            <a:r>
+              <a:rPr lang="de-DE" altLang="zh-CN" sz="3600" dirty="0"/>
+              <a:t> </a:t>
+            </a:r>
+            <a:r>
+              <a:rPr lang="de-DE" altLang="zh-CN" sz="3600" dirty="0" err="1"/>
+              <a:t>return</a:t>
+            </a:r>
+            <a:br>
+              <a:rPr lang="de-DE" altLang="zh-CN" sz="3600" dirty="0"/>
+            </a:br>
+            <a:r>
+              <a:rPr lang="de-DE" altLang="zh-CN" sz="3600" dirty="0" err="1"/>
+              <a:t>highest</a:t>
+            </a:r>
+            <a:r>
+              <a:rPr lang="de-DE" altLang="zh-CN" sz="3600" dirty="0"/>
+              <a:t> Sharpe </a:t>
+            </a:r>
+            <a:r>
+              <a:rPr lang="de-DE" altLang="zh-CN" sz="3600" dirty="0" err="1"/>
+              <a:t>ratio</a:t>
+            </a:r>
+            <a:br>
+              <a:rPr lang="de-DE" altLang="zh-CN" sz="3600" dirty="0"/>
+            </a:br>
+            <a:r>
+              <a:rPr lang="de-DE" altLang="zh-CN" sz="3600" dirty="0" err="1"/>
+              <a:t>lowest</a:t>
+            </a:r>
+            <a:r>
+              <a:rPr lang="de-DE" altLang="zh-CN" sz="3600" dirty="0"/>
+              <a:t> </a:t>
+            </a:r>
+            <a:r>
+              <a:rPr lang="de-DE" altLang="zh-CN" sz="3600" dirty="0" err="1"/>
+              <a:t>risk</a:t>
+            </a:r>
+            <a:r>
+              <a:rPr lang="de-DE" altLang="zh-CN" sz="3600" dirty="0"/>
+              <a:t> / </a:t>
+            </a:r>
+            <a:r>
+              <a:rPr lang="de-DE" altLang="zh-CN" sz="3600" dirty="0" err="1"/>
+              <a:t>volatility</a:t>
+            </a:r>
+            <a:endParaRPr lang="zh-CN" altLang="en-US" sz="3600" dirty="0"/>
+          </a:p>
+        </p:txBody>
+      </p:sp>
+      <p:sp>
+        <p:nvSpPr>
+          <p:cNvPr id="12" name="Rectangle 11">
+            <a:extLst>
+              <a:ext uri="{FF2B5EF4-FFF2-40B4-BE49-F238E27FC236}">
+                <a16:creationId xmlns:a16="http://schemas.microsoft.com/office/drawing/2014/main" id="{F2B38F72-8FC4-4001-8C67-FA6B86DEC767}"/>
+              </a:ext>
+              <a:ext uri="{C183D7F6-B498-43B3-948B-1728B52AA6E4}">
+                <adec:decorative xmlns:adec="http://schemas.microsoft.com/office/drawing/2017/decorative" val="1"/>
+              </a:ext>
+            </a:extLst>
+          </p:cNvPr>
+          <p:cNvSpPr>
+            <a:spLocks noGrp="1" noRot="1" noChangeAspect="1" noMove="1" noResize="1" noEditPoints="1" noAdjustHandles="1" noChangeArrowheads="1" noChangeShapeType="1" noTextEdit="1"/>
+          </p:cNvSpPr>
+          <p:nvPr>
+            <p:extLst>
+              <p:ext uri="{386F3935-93C4-4BCD-93E2-E3B085C9AB24}">
+                <p16:designElem xmlns:p16="http://schemas.microsoft.com/office/powerpoint/2015/main" val="1"/>
+              </p:ext>
+            </p:extLst>
+          </p:nvPr>
+        </p:nvSpPr>
+        <p:spPr>
+          <a:xfrm>
+            <a:off x="4636008" y="2"/>
+            <a:ext cx="7555992" cy="6857998"/>
+          </a:xfrm>
+          <a:prstGeom prst="rect">
+            <a:avLst/>
+          </a:prstGeom>
+          <a:solidFill>
+            <a:schemeClr val="tx1"/>
+          </a:solidFill>
+          <a:ln>
+            <a:noFill/>
+          </a:ln>
+        </p:spPr>
+        <p:style>
+          <a:lnRef idx="2">
+            <a:schemeClr val="accent1">
+              <a:shade val="50000"/>
+            </a:schemeClr>
+          </a:lnRef>
+          <a:fillRef idx="1">
+            <a:schemeClr val="accent1"/>
+          </a:fillRef>
+          <a:effectRef idx="0">
+            <a:schemeClr val="accent1"/>
+          </a:effectRef>
+          <a:fontRef idx="minor">
+            <a:schemeClr val="lt1"/>
+          </a:fontRef>
+        </p:style>
+        <p:txBody>
+          <a:bodyPr rtlCol="0" anchor="ctr"/>
+          <a:lstStyle/>
+          <a:p>
+            <a:pPr algn="ctr"/>
+            <a:endParaRPr lang="en-US"/>
+          </a:p>
+        </p:txBody>
+      </p:sp>
+      <p:pic>
+        <p:nvPicPr>
+          <p:cNvPr id="10" name="Grafik 9">
+            <a:extLst>
+              <a:ext uri="{FF2B5EF4-FFF2-40B4-BE49-F238E27FC236}">
+                <a16:creationId xmlns:a16="http://schemas.microsoft.com/office/drawing/2014/main" id="{BC1CFA76-9451-400F-8FC3-F6B2684D582A}"/>
+              </a:ext>
+            </a:extLst>
+          </p:cNvPr>
+          <p:cNvPicPr>
+            <a:picLocks noChangeAspect="1"/>
+          </p:cNvPicPr>
+          <p:nvPr/>
+        </p:nvPicPr>
+        <p:blipFill>
+          <a:blip r:embed="rId2"/>
+          <a:stretch>
+            <a:fillRect/>
+          </a:stretch>
+        </p:blipFill>
+        <p:spPr>
+          <a:xfrm>
+            <a:off x="4636006" y="0"/>
+            <a:ext cx="7555993" cy="6858000"/>
+          </a:xfrm>
+          <a:prstGeom prst="rect">
+            <a:avLst/>
+          </a:prstGeom>
+        </p:spPr>
+      </p:pic>
+    </p:spTree>
+    <p:extLst>
+      <p:ext uri="{BB962C8B-B14F-4D97-AF65-F5344CB8AC3E}">
+        <p14:creationId xmlns:p14="http://schemas.microsoft.com/office/powerpoint/2010/main" val="481383726"/>
+      </p:ext>
+    </p:extLst>
+  </p:cSld>
+  <p:clrMapOvr>
+    <a:overrideClrMapping bg1="dk1" tx1="lt1" bg2="dk2" tx2="lt2" accent1="accent1" accent2="accent2" accent3="accent3" accent4="accent4" accent5="accent5" accent6="accent6" hlink="hlink" folHlink="folHlink"/>
+  </p:clrMapOvr>
+</p:sld>
+</file>
+
+<file path=ppt/slides/slide9.xml><?xml version="1.0" encoding="utf-8"?>
+<p:sld xmlns:a="http://schemas.openxmlformats.org/drawingml/2006/main" xmlns:r="http://schemas.openxmlformats.org/officeDocument/2006/relationships" xmlns:p="http://schemas.openxmlformats.org/presentationml/2006/main">
+  <p:cSld>
+    <p:bg>
+      <p:bgPr>
+        <a:solidFill>
+          <a:schemeClr val="bg1"/>
+        </a:solidFill>
+        <a:effectLst/>
+      </p:bgPr>
+    </p:bg>
+    <p:spTree>
+      <p:nvGrpSpPr>
+        <p:cNvPr id="1" name=""/>
+        <p:cNvGrpSpPr/>
+        <p:nvPr/>
+      </p:nvGrpSpPr>
+      <p:grpSpPr>
+        <a:xfrm>
+          <a:off x="0" y="0"/>
+          <a:ext cx="0" cy="0"/>
+          <a:chOff x="0" y="0"/>
+          <a:chExt cx="0" cy="0"/>
+        </a:xfrm>
+      </p:grpSpPr>
+      <p:sp>
+        <p:nvSpPr>
+          <p:cNvPr id="32" name="Rectangle 31">
+            <a:extLst>
+              <a:ext uri="{FF2B5EF4-FFF2-40B4-BE49-F238E27FC236}">
+                <a16:creationId xmlns:a16="http://schemas.microsoft.com/office/drawing/2014/main" id="{A4AC5506-6312-4701-8D3C-40187889A947}"/>
+              </a:ext>
+              <a:ext uri="{C183D7F6-B498-43B3-948B-1728B52AA6E4}">
+                <adec:decorative xmlns:adec="http://schemas.microsoft.com/office/drawing/2017/decorative" val="1"/>
+              </a:ext>
+            </a:extLst>
+          </p:cNvPr>
+          <p:cNvSpPr>
+            <a:spLocks noGrp="1" noRot="1" noChangeAspect="1" noMove="1" noResize="1" noEditPoints="1" noAdjustHandles="1" noChangeArrowheads="1" noChangeShapeType="1" noTextEdit="1"/>
+          </p:cNvSpPr>
+          <p:nvPr>
+            <p:extLst>
+              <p:ext uri="{386F3935-93C4-4BCD-93E2-E3B085C9AB24}">
+                <p16:designElem xmlns:p16="http://schemas.microsoft.com/office/powerpoint/2015/main" val="1"/>
+              </p:ext>
+            </p:extLst>
+          </p:nvPr>
+        </p:nvSpPr>
+        <p:spPr>
+          <a:xfrm>
+            <a:off x="0" y="651752"/>
+            <a:ext cx="12192000" cy="736551"/>
+          </a:xfrm>
+          <a:prstGeom prst="rect">
+            <a:avLst/>
+          </a:prstGeom>
+          <a:solidFill>
+            <a:schemeClr val="tx1"/>
+          </a:solidFill>
+          <a:ln>
+            <a:noFill/>
+          </a:ln>
+        </p:spPr>
+        <p:style>
+          <a:lnRef idx="2">
+            <a:schemeClr val="accent1">
+              <a:shade val="50000"/>
+            </a:schemeClr>
+          </a:lnRef>
+          <a:fillRef idx="1">
+            <a:schemeClr val="accent1"/>
+          </a:fillRef>
+          <a:effectRef idx="0">
+            <a:schemeClr val="accent1"/>
+          </a:effectRef>
+          <a:fontRef idx="minor">
+            <a:schemeClr val="lt1"/>
+          </a:fontRef>
+        </p:style>
+        <p:txBody>
+          <a:bodyPr rtlCol="0" anchor="ctr"/>
+          <a:lstStyle/>
+          <a:p>
+            <a:pPr algn="ctr"/>
+            <a:endParaRPr lang="en-US"/>
+          </a:p>
+        </p:txBody>
+      </p:sp>
+      <p:pic>
+        <p:nvPicPr>
+          <p:cNvPr id="9" name="Grafik 8">
+            <a:extLst>
+              <a:ext uri="{FF2B5EF4-FFF2-40B4-BE49-F238E27FC236}">
+                <a16:creationId xmlns:a16="http://schemas.microsoft.com/office/drawing/2014/main" id="{A7AD5915-C340-47EE-821B-8BE1509819DD}"/>
+              </a:ext>
+            </a:extLst>
+          </p:cNvPr>
+          <p:cNvPicPr>
+            <a:picLocks noChangeAspect="1"/>
+          </p:cNvPicPr>
+          <p:nvPr/>
+        </p:nvPicPr>
+        <p:blipFill>
+          <a:blip r:embed="rId2">
+            <a:extLst>
+              <a:ext uri="{28A0092B-C50C-407E-A947-70E740481C1C}">
+                <a14:useLocalDpi xmlns:a14="http://schemas.microsoft.com/office/drawing/2010/main" val="0"/>
+              </a:ext>
+            </a:extLst>
+          </a:blip>
+          <a:stretch>
+            <a:fillRect/>
+          </a:stretch>
+        </p:blipFill>
+        <p:spPr>
+          <a:xfrm>
+            <a:off x="556532" y="1388303"/>
+            <a:ext cx="6041216" cy="5469697"/>
+          </a:xfrm>
+          <a:prstGeom prst="rect">
+            <a:avLst/>
+          </a:prstGeom>
+        </p:spPr>
+      </p:pic>
+      <p:pic>
+        <p:nvPicPr>
+          <p:cNvPr id="7" name="Grafik 6">
+            <a:extLst>
+              <a:ext uri="{FF2B5EF4-FFF2-40B4-BE49-F238E27FC236}">
+                <a16:creationId xmlns:a16="http://schemas.microsoft.com/office/drawing/2014/main" id="{B84D4266-9CEE-4BA7-BD56-CB2C6B368E17}"/>
+              </a:ext>
+            </a:extLst>
+          </p:cNvPr>
+          <p:cNvPicPr>
+            <a:picLocks noChangeAspect="1"/>
+          </p:cNvPicPr>
+          <p:nvPr/>
+        </p:nvPicPr>
+        <p:blipFill rotWithShape="1">
+          <a:blip r:embed="rId3"/>
+          <a:srcRect r="1" b="809"/>
+          <a:stretch/>
+        </p:blipFill>
+        <p:spPr>
+          <a:xfrm>
+            <a:off x="6597748" y="1968913"/>
+            <a:ext cx="5273284" cy="4308475"/>
+          </a:xfrm>
+          <a:prstGeom prst="rect">
+            <a:avLst/>
+          </a:prstGeom>
+        </p:spPr>
+      </p:pic>
+      <p:sp>
+        <p:nvSpPr>
+          <p:cNvPr id="2" name="Titel 1">
+            <a:extLst>
+              <a:ext uri="{FF2B5EF4-FFF2-40B4-BE49-F238E27FC236}">
+                <a16:creationId xmlns:a16="http://schemas.microsoft.com/office/drawing/2014/main" id="{07668FD4-207E-43D4-84CC-3699E5369BE8}"/>
+              </a:ext>
+            </a:extLst>
+          </p:cNvPr>
+          <p:cNvSpPr>
+            <a:spLocks noGrp="1"/>
+          </p:cNvSpPr>
+          <p:nvPr>
+            <p:ph type="title"/>
+          </p:nvPr>
+        </p:nvSpPr>
+        <p:spPr>
+          <a:xfrm>
+            <a:off x="556532" y="643467"/>
+            <a:ext cx="11210925" cy="744836"/>
+          </a:xfrm>
+        </p:spPr>
+        <p:txBody>
+          <a:bodyPr vert="horz" lIns="91440" tIns="45720" rIns="91440" bIns="45720" rtlCol="0" anchor="ctr">
+            <a:normAutofit/>
+          </a:bodyPr>
+          <a:lstStyle/>
+          <a:p>
+            <a:pPr algn="ctr"/>
+            <a:r>
+              <a:rPr lang="en-US" altLang="zh-CN" sz="3200" kern="1200">
+                <a:solidFill>
+                  <a:schemeClr val="bg1"/>
+                </a:solidFill>
+                <a:latin typeface="+mj-lt"/>
+                <a:ea typeface="+mj-ea"/>
+                <a:cs typeface="+mj-cs"/>
+              </a:rPr>
+              <a:t>Plotting results</a:t>
+            </a:r>
+          </a:p>
+        </p:txBody>
+      </p:sp>
+    </p:spTree>
+    <p:extLst>
+      <p:ext uri="{BB962C8B-B14F-4D97-AF65-F5344CB8AC3E}">
+        <p14:creationId xmlns:p14="http://schemas.microsoft.com/office/powerpoint/2010/main" val="877378179"/>
+      </p:ext>
+    </p:extLst>
+  </p:cSld>
+  <p:clrMapOvr>
+    <a:masterClrMapping/>
   </p:clrMapOvr>
 </p:sld>
 </file>

--- a/Final Project_portfolio optimisation.pptx
+++ b/Final Project_portfolio optimisation.pptx
@@ -12,9 +12,11 @@
     <p:sldId id="262" r:id="rId6"/>
     <p:sldId id="263" r:id="rId7"/>
     <p:sldId id="264" r:id="rId8"/>
-    <p:sldId id="265" r:id="rId9"/>
-    <p:sldId id="266" r:id="rId10"/>
+    <p:sldId id="266" r:id="rId9"/>
+    <p:sldId id="265" r:id="rId10"/>
     <p:sldId id="267" r:id="rId11"/>
+    <p:sldId id="268" r:id="rId12"/>
+    <p:sldId id="269" r:id="rId13"/>
   </p:sldIdLst>
   <p:sldSz cx="12192000" cy="6858000"/>
   <p:notesSz cx="6858000" cy="9144000"/>
@@ -270,7 +272,7 @@
           <a:p>
             <a:fld id="{60D1E923-7CB1-4592-99E2-DF465806760B}" type="datetimeFigureOut">
               <a:rPr lang="zh-CN" altLang="en-US" smtClean="0"/>
-              <a:t>2021/2/19</a:t>
+              <a:t>2021/2/20</a:t>
             </a:fld>
             <a:endParaRPr lang="zh-CN" altLang="en-US"/>
           </a:p>
@@ -470,7 +472,7 @@
           <a:p>
             <a:fld id="{60D1E923-7CB1-4592-99E2-DF465806760B}" type="datetimeFigureOut">
               <a:rPr lang="zh-CN" altLang="en-US" smtClean="0"/>
-              <a:t>2021/2/19</a:t>
+              <a:t>2021/2/20</a:t>
             </a:fld>
             <a:endParaRPr lang="zh-CN" altLang="en-US"/>
           </a:p>
@@ -680,7 +682,7 @@
           <a:p>
             <a:fld id="{60D1E923-7CB1-4592-99E2-DF465806760B}" type="datetimeFigureOut">
               <a:rPr lang="zh-CN" altLang="en-US" smtClean="0"/>
-              <a:t>2021/2/19</a:t>
+              <a:t>2021/2/20</a:t>
             </a:fld>
             <a:endParaRPr lang="zh-CN" altLang="en-US"/>
           </a:p>
@@ -880,7 +882,7 @@
           <a:p>
             <a:fld id="{60D1E923-7CB1-4592-99E2-DF465806760B}" type="datetimeFigureOut">
               <a:rPr lang="zh-CN" altLang="en-US" smtClean="0"/>
-              <a:t>2021/2/19</a:t>
+              <a:t>2021/2/20</a:t>
             </a:fld>
             <a:endParaRPr lang="zh-CN" altLang="en-US"/>
           </a:p>
@@ -1156,7 +1158,7 @@
           <a:p>
             <a:fld id="{60D1E923-7CB1-4592-99E2-DF465806760B}" type="datetimeFigureOut">
               <a:rPr lang="zh-CN" altLang="en-US" smtClean="0"/>
-              <a:t>2021/2/19</a:t>
+              <a:t>2021/2/20</a:t>
             </a:fld>
             <a:endParaRPr lang="zh-CN" altLang="en-US"/>
           </a:p>
@@ -1424,7 +1426,7 @@
           <a:p>
             <a:fld id="{60D1E923-7CB1-4592-99E2-DF465806760B}" type="datetimeFigureOut">
               <a:rPr lang="zh-CN" altLang="en-US" smtClean="0"/>
-              <a:t>2021/2/19</a:t>
+              <a:t>2021/2/20</a:t>
             </a:fld>
             <a:endParaRPr lang="zh-CN" altLang="en-US"/>
           </a:p>
@@ -1839,7 +1841,7 @@
           <a:p>
             <a:fld id="{60D1E923-7CB1-4592-99E2-DF465806760B}" type="datetimeFigureOut">
               <a:rPr lang="zh-CN" altLang="en-US" smtClean="0"/>
-              <a:t>2021/2/19</a:t>
+              <a:t>2021/2/20</a:t>
             </a:fld>
             <a:endParaRPr lang="zh-CN" altLang="en-US"/>
           </a:p>
@@ -1981,7 +1983,7 @@
           <a:p>
             <a:fld id="{60D1E923-7CB1-4592-99E2-DF465806760B}" type="datetimeFigureOut">
               <a:rPr lang="zh-CN" altLang="en-US" smtClean="0"/>
-              <a:t>2021/2/19</a:t>
+              <a:t>2021/2/20</a:t>
             </a:fld>
             <a:endParaRPr lang="zh-CN" altLang="en-US"/>
           </a:p>
@@ -2094,7 +2096,7 @@
           <a:p>
             <a:fld id="{60D1E923-7CB1-4592-99E2-DF465806760B}" type="datetimeFigureOut">
               <a:rPr lang="zh-CN" altLang="en-US" smtClean="0"/>
-              <a:t>2021/2/19</a:t>
+              <a:t>2021/2/20</a:t>
             </a:fld>
             <a:endParaRPr lang="zh-CN" altLang="en-US"/>
           </a:p>
@@ -2407,7 +2409,7 @@
           <a:p>
             <a:fld id="{60D1E923-7CB1-4592-99E2-DF465806760B}" type="datetimeFigureOut">
               <a:rPr lang="zh-CN" altLang="en-US" smtClean="0"/>
-              <a:t>2021/2/19</a:t>
+              <a:t>2021/2/20</a:t>
             </a:fld>
             <a:endParaRPr lang="zh-CN" altLang="en-US"/>
           </a:p>
@@ -2696,7 +2698,7 @@
           <a:p>
             <a:fld id="{60D1E923-7CB1-4592-99E2-DF465806760B}" type="datetimeFigureOut">
               <a:rPr lang="zh-CN" altLang="en-US" smtClean="0"/>
-              <a:t>2021/2/19</a:t>
+              <a:t>2021/2/20</a:t>
             </a:fld>
             <a:endParaRPr lang="zh-CN" altLang="en-US"/>
           </a:p>
@@ -2939,7 +2941,7 @@
           <a:p>
             <a:fld id="{60D1E923-7CB1-4592-99E2-DF465806760B}" type="datetimeFigureOut">
               <a:rPr lang="zh-CN" altLang="en-US" smtClean="0"/>
-              <a:t>2021/2/19</a:t>
+              <a:t>2021/2/20</a:t>
             </a:fld>
             <a:endParaRPr lang="zh-CN" altLang="en-US"/>
           </a:p>
@@ -3506,6 +3508,14 @@
 <file path=ppt/slides/slide10.xml><?xml version="1.0" encoding="utf-8"?>
 <p:sld xmlns:a="http://schemas.openxmlformats.org/drawingml/2006/main" xmlns:r="http://schemas.openxmlformats.org/officeDocument/2006/relationships" xmlns:p="http://schemas.openxmlformats.org/presentationml/2006/main">
   <p:cSld>
+    <p:bg>
+      <p:bgPr>
+        <a:solidFill>
+          <a:schemeClr val="bg1"/>
+        </a:solidFill>
+        <a:effectLst/>
+      </p:bgPr>
+    </p:bg>
     <p:spTree>
       <p:nvGrpSpPr>
         <p:cNvPr id="1" name=""/>
@@ -3522,6 +3532,72 @@
       </p:grpSpPr>
       <p:sp>
         <p:nvSpPr>
+          <p:cNvPr id="20" name="Rectangle 19">
+            <a:extLst>
+              <a:ext uri="{FF2B5EF4-FFF2-40B4-BE49-F238E27FC236}">
+                <a16:creationId xmlns:a16="http://schemas.microsoft.com/office/drawing/2014/main" id="{EBF87945-A001-489F-9D9B-7D9435F0B9CA}"/>
+              </a:ext>
+              <a:ext uri="{C183D7F6-B498-43B3-948B-1728B52AA6E4}">
+                <adec:decorative xmlns:adec="http://schemas.microsoft.com/office/drawing/2017/decorative" val="1"/>
+              </a:ext>
+            </a:extLst>
+          </p:cNvPr>
+          <p:cNvSpPr>
+            <a:spLocks noGrp="1" noRot="1" noChangeAspect="1" noMove="1" noResize="1" noEditPoints="1" noAdjustHandles="1" noChangeArrowheads="1" noChangeShapeType="1" noTextEdit="1"/>
+          </p:cNvSpPr>
+          <p:nvPr>
+            <p:extLst>
+              <p:ext uri="{386F3935-93C4-4BCD-93E2-E3B085C9AB24}">
+                <p16:designElem xmlns:p16="http://schemas.microsoft.com/office/powerpoint/2015/main" val="1"/>
+              </p:ext>
+            </p:extLst>
+          </p:nvPr>
+        </p:nvSpPr>
+        <p:spPr>
+          <a:xfrm>
+            <a:off x="548639" y="347471"/>
+            <a:ext cx="11100816" cy="1801368"/>
+          </a:xfrm>
+          <a:prstGeom prst="rect">
+            <a:avLst/>
+          </a:prstGeom>
+          <a:solidFill>
+            <a:schemeClr val="tx1">
+              <a:lumMod val="75000"/>
+              <a:lumOff val="25000"/>
+            </a:schemeClr>
+          </a:solidFill>
+          <a:ln>
+            <a:noFill/>
+          </a:ln>
+        </p:spPr>
+        <p:style>
+          <a:lnRef idx="2">
+            <a:schemeClr val="accent1">
+              <a:shade val="50000"/>
+            </a:schemeClr>
+          </a:lnRef>
+          <a:fillRef idx="1">
+            <a:schemeClr val="accent1"/>
+          </a:fillRef>
+          <a:effectRef idx="0">
+            <a:schemeClr val="accent1"/>
+          </a:effectRef>
+          <a:fontRef idx="minor">
+            <a:schemeClr val="lt1"/>
+          </a:fontRef>
+        </p:style>
+        <p:txBody>
+          <a:bodyPr rtlCol="0" anchor="ctr"/>
+          <a:lstStyle/>
+          <a:p>
+            <a:pPr algn="ctr"/>
+            <a:endParaRPr lang="en-US"/>
+          </a:p>
+        </p:txBody>
+      </p:sp>
+      <p:sp>
+        <p:nvSpPr>
           <p:cNvPr id="2" name="Titel 1">
             <a:extLst>
               <a:ext uri="{FF2B5EF4-FFF2-40B4-BE49-F238E27FC236}">
@@ -3536,46 +3612,47 @@
             <p:ph type="title"/>
           </p:nvPr>
         </p:nvSpPr>
-        <p:spPr/>
+        <p:spPr>
+          <a:xfrm>
+            <a:off x="838200" y="585216"/>
+            <a:ext cx="10515600" cy="1325563"/>
+          </a:xfrm>
+        </p:spPr>
         <p:txBody>
-          <a:bodyPr/>
+          <a:bodyPr>
+            <a:normAutofit/>
+          </a:bodyPr>
           <a:lstStyle/>
           <a:p>
             <a:r>
-              <a:rPr lang="de-DE" altLang="zh-CN" dirty="0"/>
-              <a:t>Classification </a:t>
-            </a:r>
-            <a:r>
-              <a:rPr lang="de-DE" altLang="zh-CN" dirty="0" err="1"/>
-              <a:t>with</a:t>
-            </a:r>
-            <a:r>
-              <a:rPr lang="de-DE" altLang="zh-CN" dirty="0"/>
-              <a:t> 1.883 different </a:t>
-            </a:r>
-            <a:r>
-              <a:rPr lang="de-DE" altLang="zh-CN" dirty="0" err="1"/>
-              <a:t>coins</a:t>
-            </a:r>
-            <a:endParaRPr lang="zh-CN" altLang="en-US" dirty="0"/>
+              <a:rPr lang="de-DE" altLang="zh-CN">
+                <a:solidFill>
+                  <a:schemeClr val="bg1"/>
+                </a:solidFill>
+              </a:rPr>
+              <a:t>Classification with 1.883 different coins</a:t>
+            </a:r>
+            <a:endParaRPr lang="zh-CN" altLang="en-US">
+              <a:solidFill>
+                <a:schemeClr val="bg1"/>
+              </a:solidFill>
+            </a:endParaRPr>
           </a:p>
         </p:txBody>
       </p:sp>
       <p:pic>
         <p:nvPicPr>
-          <p:cNvPr id="13" name="Inhaltsplatzhalter 12">
-            <a:extLst>
-              <a:ext uri="{FF2B5EF4-FFF2-40B4-BE49-F238E27FC236}">
-                <a16:creationId xmlns:a16="http://schemas.microsoft.com/office/drawing/2014/main" id="{11B7ECC8-0E68-43E9-916A-E2F925B592D3}"/>
+          <p:cNvPr id="4" name="Grafik 3">
+            <a:extLst>
+              <a:ext uri="{FF2B5EF4-FFF2-40B4-BE49-F238E27FC236}">
+                <a16:creationId xmlns:a16="http://schemas.microsoft.com/office/drawing/2014/main" id="{F61EB6D2-23B3-42BB-87BD-38149CF36DF4}"/>
               </a:ext>
             </a:extLst>
           </p:cNvPr>
           <p:cNvPicPr>
-            <a:picLocks noGrp="1" noChangeAspect="1"/>
+            <a:picLocks noChangeAspect="1"/>
           </p:cNvPicPr>
-          <p:nvPr>
-            <p:ph idx="1"/>
-          </p:nvPr>
+          <p:nvPr/>
         </p:nvPicPr>
         <p:blipFill>
           <a:blip r:embed="rId2"/>
@@ -3585,15 +3662,738 @@
         </p:blipFill>
         <p:spPr>
           <a:xfrm>
-            <a:off x="1125416" y="1420837"/>
-            <a:ext cx="9594166" cy="5072038"/>
+            <a:off x="252985" y="2386584"/>
+            <a:ext cx="11396470" cy="4338066"/>
           </a:xfrm>
+          <a:prstGeom prst="rect">
+            <a:avLst/>
+          </a:prstGeom>
         </p:spPr>
       </p:pic>
     </p:spTree>
     <p:extLst>
       <p:ext uri="{BB962C8B-B14F-4D97-AF65-F5344CB8AC3E}">
         <p14:creationId xmlns:p14="http://schemas.microsoft.com/office/powerpoint/2010/main" val="1265137068"/>
+      </p:ext>
+    </p:extLst>
+  </p:cSld>
+  <p:clrMapOvr>
+    <a:masterClrMapping/>
+  </p:clrMapOvr>
+</p:sld>
+</file>
+
+<file path=ppt/slides/slide11.xml><?xml version="1.0" encoding="utf-8"?>
+<p:sld xmlns:a="http://schemas.openxmlformats.org/drawingml/2006/main" xmlns:r="http://schemas.openxmlformats.org/officeDocument/2006/relationships" xmlns:p="http://schemas.openxmlformats.org/presentationml/2006/main">
+  <p:cSld>
+    <p:bg>
+      <p:bgPr>
+        <a:solidFill>
+          <a:schemeClr val="bg1"/>
+        </a:solidFill>
+        <a:effectLst/>
+      </p:bgPr>
+    </p:bg>
+    <p:spTree>
+      <p:nvGrpSpPr>
+        <p:cNvPr id="1" name=""/>
+        <p:cNvGrpSpPr/>
+        <p:nvPr/>
+      </p:nvGrpSpPr>
+      <p:grpSpPr>
+        <a:xfrm>
+          <a:off x="0" y="0"/>
+          <a:ext cx="0" cy="0"/>
+          <a:chOff x="0" y="0"/>
+          <a:chExt cx="0" cy="0"/>
+        </a:xfrm>
+      </p:grpSpPr>
+      <p:sp>
+        <p:nvSpPr>
+          <p:cNvPr id="10" name="Rectangle 9">
+            <a:extLst>
+              <a:ext uri="{FF2B5EF4-FFF2-40B4-BE49-F238E27FC236}">
+                <a16:creationId xmlns:a16="http://schemas.microsoft.com/office/drawing/2014/main" id="{96918796-2918-40D6-BE3A-4600C47FCD42}"/>
+              </a:ext>
+              <a:ext uri="{C183D7F6-B498-43B3-948B-1728B52AA6E4}">
+                <adec:decorative xmlns:adec="http://schemas.microsoft.com/office/drawing/2017/decorative" val="1"/>
+              </a:ext>
+            </a:extLst>
+          </p:cNvPr>
+          <p:cNvSpPr>
+            <a:spLocks noGrp="1" noRot="1" noChangeAspect="1" noMove="1" noResize="1" noEditPoints="1" noAdjustHandles="1" noChangeArrowheads="1" noChangeShapeType="1" noTextEdit="1"/>
+          </p:cNvSpPr>
+          <p:nvPr>
+            <p:extLst>
+              <p:ext uri="{386F3935-93C4-4BCD-93E2-E3B085C9AB24}">
+                <p16:designElem xmlns:p16="http://schemas.microsoft.com/office/powerpoint/2015/main" val="1"/>
+              </p:ext>
+            </p:extLst>
+          </p:nvPr>
+        </p:nvSpPr>
+        <p:spPr>
+          <a:xfrm>
+            <a:off x="0" y="651752"/>
+            <a:ext cx="12192000" cy="736551"/>
+          </a:xfrm>
+          <a:prstGeom prst="rect">
+            <a:avLst/>
+          </a:prstGeom>
+          <a:solidFill>
+            <a:schemeClr val="tx1"/>
+          </a:solidFill>
+          <a:ln>
+            <a:noFill/>
+          </a:ln>
+        </p:spPr>
+        <p:style>
+          <a:lnRef idx="2">
+            <a:schemeClr val="accent1">
+              <a:shade val="50000"/>
+            </a:schemeClr>
+          </a:lnRef>
+          <a:fillRef idx="1">
+            <a:schemeClr val="accent1"/>
+          </a:fillRef>
+          <a:effectRef idx="0">
+            <a:schemeClr val="accent1"/>
+          </a:effectRef>
+          <a:fontRef idx="minor">
+            <a:schemeClr val="lt1"/>
+          </a:fontRef>
+        </p:style>
+        <p:txBody>
+          <a:bodyPr rtlCol="0" anchor="ctr"/>
+          <a:lstStyle/>
+          <a:p>
+            <a:pPr marL="0" marR="0" lvl="0" indent="0" algn="ctr" defTabSz="914400" rtl="0" eaLnBrk="1" fontAlgn="auto" latinLnBrk="0" hangingPunct="1">
+              <a:lnSpc>
+                <a:spcPct val="100000"/>
+              </a:lnSpc>
+              <a:spcBef>
+                <a:spcPts val="0"/>
+              </a:spcBef>
+              <a:spcAft>
+                <a:spcPts val="0"/>
+              </a:spcAft>
+              <a:buClrTx/>
+              <a:buSzTx/>
+              <a:buFontTx/>
+              <a:buNone/>
+              <a:tabLst/>
+              <a:defRPr/>
+            </a:pPr>
+            <a:endParaRPr kumimoji="0" lang="en-US" sz="1800" b="0" i="0" u="none" strike="noStrike" kern="1200" cap="none" spc="0" normalizeH="0" baseline="0" noProof="0">
+              <a:ln>
+                <a:noFill/>
+              </a:ln>
+              <a:solidFill>
+                <a:prstClr val="white"/>
+              </a:solidFill>
+              <a:effectLst/>
+              <a:uLnTx/>
+              <a:uFillTx/>
+              <a:latin typeface="Calibri" panose="020F0502020204030204"/>
+              <a:ea typeface="+mn-ea"/>
+              <a:cs typeface="+mn-cs"/>
+            </a:endParaRPr>
+          </a:p>
+        </p:txBody>
+      </p:sp>
+      <p:sp>
+        <p:nvSpPr>
+          <p:cNvPr id="2" name="Titel 1">
+            <a:extLst>
+              <a:ext uri="{FF2B5EF4-FFF2-40B4-BE49-F238E27FC236}">
+                <a16:creationId xmlns:a16="http://schemas.microsoft.com/office/drawing/2014/main" id="{F59DAE0E-09EE-4920-BC16-A89B34C380B4}"/>
+              </a:ext>
+            </a:extLst>
+          </p:cNvPr>
+          <p:cNvSpPr>
+            <a:spLocks noGrp="1"/>
+          </p:cNvSpPr>
+          <p:nvPr>
+            <p:ph type="title"/>
+          </p:nvPr>
+        </p:nvSpPr>
+        <p:spPr>
+          <a:xfrm>
+            <a:off x="838200" y="672747"/>
+            <a:ext cx="10515600" cy="715556"/>
+          </a:xfrm>
+        </p:spPr>
+        <p:txBody>
+          <a:bodyPr>
+            <a:normAutofit/>
+          </a:bodyPr>
+          <a:lstStyle/>
+          <a:p>
+            <a:pPr algn="ctr"/>
+            <a:r>
+              <a:rPr lang="de-DE" altLang="zh-CN" sz="3200" b="1" dirty="0">
+                <a:solidFill>
+                  <a:schemeClr val="bg1"/>
+                </a:solidFill>
+              </a:rPr>
+              <a:t>Disclaimer</a:t>
+            </a:r>
+            <a:endParaRPr lang="zh-CN" altLang="en-US" sz="3200" b="1" dirty="0">
+              <a:solidFill>
+                <a:schemeClr val="bg1"/>
+              </a:solidFill>
+            </a:endParaRPr>
+          </a:p>
+        </p:txBody>
+      </p:sp>
+      <p:sp>
+        <p:nvSpPr>
+          <p:cNvPr id="3" name="Inhaltsplatzhalter 2">
+            <a:extLst>
+              <a:ext uri="{FF2B5EF4-FFF2-40B4-BE49-F238E27FC236}">
+                <a16:creationId xmlns:a16="http://schemas.microsoft.com/office/drawing/2014/main" id="{4C7E8A42-66B5-4817-B4C4-6224957B3C34}"/>
+              </a:ext>
+            </a:extLst>
+          </p:cNvPr>
+          <p:cNvSpPr>
+            <a:spLocks noGrp="1"/>
+          </p:cNvSpPr>
+          <p:nvPr>
+            <p:ph idx="1"/>
+          </p:nvPr>
+        </p:nvSpPr>
+        <p:spPr>
+          <a:xfrm>
+            <a:off x="1428750" y="1597390"/>
+            <a:ext cx="9334500" cy="4803410"/>
+          </a:xfrm>
+        </p:spPr>
+        <p:txBody>
+          <a:bodyPr>
+            <a:normAutofit/>
+          </a:bodyPr>
+          <a:lstStyle/>
+          <a:p>
+            <a:pPr marL="514350" indent="-514350">
+              <a:buAutoNum type="arabicPeriod"/>
+            </a:pPr>
+            <a:r>
+              <a:rPr lang="de-DE" altLang="zh-CN" sz="2400" dirty="0"/>
+              <a:t>All </a:t>
+            </a:r>
+            <a:r>
+              <a:rPr lang="de-DE" altLang="zh-CN" sz="2400" dirty="0" err="1"/>
+              <a:t>the</a:t>
+            </a:r>
+            <a:r>
+              <a:rPr lang="de-DE" altLang="zh-CN" sz="2400" dirty="0"/>
+              <a:t> </a:t>
+            </a:r>
+            <a:r>
+              <a:rPr lang="de-DE" altLang="zh-CN" sz="2400" dirty="0" err="1"/>
+              <a:t>information</a:t>
+            </a:r>
+            <a:r>
+              <a:rPr lang="de-DE" altLang="zh-CN" sz="2400" dirty="0"/>
+              <a:t> in </a:t>
+            </a:r>
+            <a:r>
+              <a:rPr lang="de-DE" altLang="zh-CN" sz="2400" dirty="0" err="1"/>
+              <a:t>the</a:t>
+            </a:r>
+            <a:r>
+              <a:rPr lang="de-DE" altLang="zh-CN" sz="2400" dirty="0"/>
+              <a:t> </a:t>
+            </a:r>
+            <a:r>
+              <a:rPr lang="de-DE" altLang="zh-CN" sz="2400" dirty="0" err="1"/>
+              <a:t>ppt</a:t>
+            </a:r>
+            <a:r>
+              <a:rPr lang="de-DE" altLang="zh-CN" sz="2400" dirty="0"/>
+              <a:t> </a:t>
+            </a:r>
+            <a:r>
+              <a:rPr lang="de-DE" altLang="zh-CN" sz="2400" dirty="0" err="1"/>
+              <a:t>is</a:t>
+            </a:r>
+            <a:r>
+              <a:rPr lang="de-DE" altLang="zh-CN" sz="2400" dirty="0"/>
+              <a:t> </a:t>
+            </a:r>
+            <a:r>
+              <a:rPr lang="de-DE" altLang="zh-CN" sz="2400" dirty="0" err="1"/>
+              <a:t>no</a:t>
+            </a:r>
+            <a:r>
+              <a:rPr lang="de-DE" altLang="zh-CN" sz="2400" dirty="0"/>
+              <a:t> </a:t>
+            </a:r>
+            <a:r>
+              <a:rPr lang="de-DE" altLang="zh-CN" sz="2400" dirty="0" err="1"/>
+              <a:t>investment</a:t>
+            </a:r>
+            <a:r>
+              <a:rPr lang="de-DE" altLang="zh-CN" sz="2400" dirty="0"/>
+              <a:t> </a:t>
+            </a:r>
+            <a:r>
+              <a:rPr lang="de-DE" altLang="zh-CN" sz="2400" dirty="0" err="1"/>
+              <a:t>advice</a:t>
+            </a:r>
+            <a:r>
+              <a:rPr lang="de-DE" altLang="zh-CN" sz="2400" dirty="0"/>
+              <a:t>.</a:t>
+            </a:r>
+          </a:p>
+          <a:p>
+            <a:pPr marL="514350" indent="-514350">
+              <a:buAutoNum type="arabicPeriod"/>
+            </a:pPr>
+            <a:endParaRPr lang="de-DE" altLang="zh-CN" sz="2400" dirty="0"/>
+          </a:p>
+          <a:p>
+            <a:pPr marL="0" indent="0">
+              <a:buNone/>
+            </a:pPr>
+            <a:r>
+              <a:rPr lang="de-DE" altLang="zh-CN" sz="2400" dirty="0"/>
+              <a:t>2. I </a:t>
+            </a:r>
+            <a:r>
+              <a:rPr lang="de-DE" altLang="zh-CN" sz="2400" dirty="0" err="1"/>
+              <a:t>personally</a:t>
+            </a:r>
+            <a:r>
+              <a:rPr lang="de-DE" altLang="zh-CN" sz="2400" dirty="0"/>
+              <a:t> </a:t>
+            </a:r>
+            <a:r>
+              <a:rPr lang="de-DE" altLang="zh-CN" sz="2400" dirty="0" err="1"/>
+              <a:t>think</a:t>
+            </a:r>
+            <a:r>
+              <a:rPr lang="de-DE" altLang="zh-CN" sz="2400" dirty="0"/>
+              <a:t> </a:t>
+            </a:r>
+            <a:r>
+              <a:rPr lang="de-DE" altLang="zh-CN" sz="2400" dirty="0" err="1"/>
+              <a:t>capital</a:t>
+            </a:r>
+            <a:r>
+              <a:rPr lang="de-DE" altLang="zh-CN" sz="2400" dirty="0"/>
+              <a:t> </a:t>
+            </a:r>
+            <a:r>
+              <a:rPr lang="de-DE" altLang="zh-CN" sz="2400" dirty="0" err="1"/>
+              <a:t>market</a:t>
+            </a:r>
+            <a:r>
+              <a:rPr lang="de-DE" altLang="zh-CN" sz="2400" dirty="0"/>
+              <a:t> </a:t>
+            </a:r>
+            <a:r>
+              <a:rPr lang="de-DE" altLang="zh-CN" sz="2400" dirty="0" err="1"/>
+              <a:t>is</a:t>
+            </a:r>
+            <a:r>
+              <a:rPr lang="de-DE" altLang="zh-CN" sz="2400" dirty="0"/>
+              <a:t> </a:t>
+            </a:r>
+            <a:r>
+              <a:rPr lang="de-DE" altLang="zh-CN" sz="2400" dirty="0" err="1"/>
+              <a:t>very</a:t>
+            </a:r>
+            <a:r>
+              <a:rPr lang="de-DE" altLang="zh-CN" sz="2400" dirty="0"/>
+              <a:t> brutal, just like a war. </a:t>
+            </a:r>
+            <a:r>
+              <a:rPr lang="de-DE" altLang="zh-CN" sz="2400" dirty="0" err="1"/>
+              <a:t>It</a:t>
+            </a:r>
+            <a:r>
+              <a:rPr lang="de-DE" altLang="zh-CN" sz="2400" dirty="0"/>
+              <a:t> </a:t>
+            </a:r>
+            <a:r>
+              <a:rPr lang="de-DE" altLang="zh-CN" sz="2400" dirty="0" err="1"/>
+              <a:t>follows</a:t>
+            </a:r>
+            <a:r>
+              <a:rPr lang="de-DE" altLang="zh-CN" sz="2400" dirty="0"/>
+              <a:t> </a:t>
+            </a:r>
+            <a:r>
+              <a:rPr lang="de-DE" altLang="zh-CN" sz="2400" dirty="0" err="1"/>
+              <a:t>generally</a:t>
+            </a:r>
+            <a:r>
+              <a:rPr lang="de-DE" altLang="zh-CN" sz="2400" dirty="0"/>
+              <a:t> 20:80 </a:t>
+            </a:r>
+            <a:r>
+              <a:rPr lang="de-DE" altLang="zh-CN" sz="2400" dirty="0" err="1"/>
+              <a:t>rule</a:t>
+            </a:r>
+            <a:r>
+              <a:rPr lang="de-DE" altLang="zh-CN" sz="2400" dirty="0"/>
+              <a:t>.</a:t>
+            </a:r>
+          </a:p>
+          <a:p>
+            <a:pPr marL="0" indent="0">
+              <a:buNone/>
+            </a:pPr>
+            <a:endParaRPr lang="de-DE" altLang="zh-CN" sz="2400" dirty="0"/>
+          </a:p>
+          <a:p>
+            <a:pPr marL="0" indent="0">
+              <a:buNone/>
+            </a:pPr>
+            <a:r>
+              <a:rPr lang="de-DE" altLang="zh-CN" sz="2400" dirty="0"/>
+              <a:t>3. I am a </a:t>
+            </a:r>
+            <a:r>
+              <a:rPr lang="de-DE" altLang="zh-CN" sz="2400" dirty="0" err="1"/>
+              <a:t>believer</a:t>
+            </a:r>
+            <a:r>
+              <a:rPr lang="de-DE" altLang="zh-CN" sz="2400" dirty="0"/>
+              <a:t> in </a:t>
+            </a:r>
+            <a:r>
+              <a:rPr lang="de-DE" altLang="zh-CN" sz="2400" dirty="0" err="1"/>
+              <a:t>long</a:t>
+            </a:r>
+            <a:r>
+              <a:rPr lang="de-DE" altLang="zh-CN" sz="2400" dirty="0"/>
+              <a:t> </a:t>
+            </a:r>
+            <a:r>
+              <a:rPr lang="de-DE" altLang="zh-CN" sz="2400" dirty="0" err="1"/>
+              <a:t>term</a:t>
+            </a:r>
+            <a:r>
+              <a:rPr lang="de-DE" altLang="zh-CN" sz="2400" dirty="0"/>
+              <a:t> </a:t>
+            </a:r>
+            <a:r>
+              <a:rPr lang="de-DE" altLang="zh-CN" sz="2400" dirty="0" err="1"/>
+              <a:t>investment</a:t>
+            </a:r>
+            <a:r>
+              <a:rPr lang="de-DE" altLang="zh-CN" sz="2400" dirty="0"/>
+              <a:t> </a:t>
+            </a:r>
+            <a:r>
+              <a:rPr lang="de-DE" altLang="zh-CN" sz="2400" dirty="0" err="1"/>
+              <a:t>because</a:t>
+            </a:r>
+            <a:r>
+              <a:rPr lang="de-DE" altLang="zh-CN" sz="2400" dirty="0"/>
+              <a:t> I </a:t>
+            </a:r>
+            <a:r>
+              <a:rPr lang="de-DE" altLang="zh-CN" sz="2400" dirty="0" err="1"/>
+              <a:t>prefer</a:t>
+            </a:r>
+            <a:r>
+              <a:rPr lang="de-DE" altLang="zh-CN" sz="2400" dirty="0"/>
+              <a:t> </a:t>
+            </a:r>
+            <a:r>
+              <a:rPr lang="de-DE" altLang="zh-CN" sz="2400" dirty="0" err="1"/>
+              <a:t>to</a:t>
+            </a:r>
+            <a:r>
+              <a:rPr lang="de-DE" altLang="zh-CN" sz="2400" dirty="0"/>
+              <a:t> </a:t>
+            </a:r>
+            <a:r>
+              <a:rPr lang="de-DE" altLang="zh-CN" sz="2400" dirty="0" err="1"/>
+              <a:t>spend</a:t>
+            </a:r>
+            <a:r>
+              <a:rPr lang="de-DE" altLang="zh-CN" sz="2400" dirty="0"/>
+              <a:t> time </a:t>
+            </a:r>
+            <a:r>
+              <a:rPr lang="de-DE" altLang="zh-CN" sz="2400" dirty="0" err="1"/>
+              <a:t>to</a:t>
+            </a:r>
+            <a:r>
+              <a:rPr lang="de-DE" altLang="zh-CN" sz="2400" dirty="0"/>
+              <a:t> </a:t>
+            </a:r>
+            <a:r>
+              <a:rPr lang="de-DE" altLang="zh-CN" sz="2400" dirty="0" err="1"/>
+              <a:t>understand</a:t>
+            </a:r>
+            <a:r>
+              <a:rPr lang="de-DE" altLang="zh-CN" sz="2400" dirty="0"/>
+              <a:t> </a:t>
+            </a:r>
+            <a:r>
+              <a:rPr lang="de-DE" altLang="zh-CN" sz="2400" dirty="0" err="1"/>
+              <a:t>what</a:t>
+            </a:r>
+            <a:r>
+              <a:rPr lang="de-DE" altLang="zh-CN" sz="2400" dirty="0"/>
+              <a:t> I </a:t>
+            </a:r>
+            <a:r>
+              <a:rPr lang="de-DE" altLang="zh-CN" sz="2400" dirty="0" err="1"/>
+              <a:t>have</a:t>
+            </a:r>
+            <a:r>
+              <a:rPr lang="de-DE" altLang="zh-CN" sz="2400" dirty="0"/>
+              <a:t> </a:t>
+            </a:r>
+            <a:r>
+              <a:rPr lang="de-DE" altLang="zh-CN" sz="2400" dirty="0" err="1"/>
+              <a:t>invested</a:t>
+            </a:r>
+            <a:r>
+              <a:rPr lang="de-DE" altLang="zh-CN" sz="2400" dirty="0"/>
+              <a:t> in and </a:t>
+            </a:r>
+            <a:r>
+              <a:rPr lang="de-DE" altLang="zh-CN" sz="2400" dirty="0" err="1"/>
+              <a:t>what</a:t>
+            </a:r>
+            <a:r>
+              <a:rPr lang="de-DE" altLang="zh-CN" sz="2400" dirty="0"/>
+              <a:t> </a:t>
+            </a:r>
+            <a:r>
+              <a:rPr lang="de-DE" altLang="zh-CN" sz="2400" dirty="0" err="1"/>
+              <a:t>is</a:t>
+            </a:r>
+            <a:r>
+              <a:rPr lang="de-DE" altLang="zh-CN" sz="2400" dirty="0"/>
+              <a:t> </a:t>
+            </a:r>
+            <a:r>
+              <a:rPr lang="de-DE" altLang="zh-CN" sz="2400" dirty="0" err="1"/>
+              <a:t>the</a:t>
+            </a:r>
+            <a:r>
+              <a:rPr lang="de-DE" altLang="zh-CN" sz="2400" dirty="0"/>
+              <a:t> </a:t>
+            </a:r>
+            <a:r>
+              <a:rPr lang="de-DE" altLang="zh-CN" sz="2400" dirty="0" err="1"/>
+              <a:t>macro</a:t>
+            </a:r>
+            <a:r>
+              <a:rPr lang="de-DE" altLang="zh-CN" sz="2400" dirty="0"/>
+              <a:t> </a:t>
+            </a:r>
+            <a:r>
+              <a:rPr lang="de-DE" altLang="zh-CN" sz="2400" dirty="0" err="1"/>
+              <a:t>trend</a:t>
+            </a:r>
+            <a:r>
+              <a:rPr lang="de-DE" altLang="zh-CN" sz="2400" dirty="0"/>
+              <a:t> in </a:t>
+            </a:r>
+            <a:r>
+              <a:rPr lang="de-DE" altLang="zh-CN" sz="2400" dirty="0" err="1"/>
+              <a:t>the</a:t>
+            </a:r>
+            <a:r>
+              <a:rPr lang="de-DE" altLang="zh-CN" sz="2400" dirty="0"/>
+              <a:t> </a:t>
+            </a:r>
+            <a:r>
+              <a:rPr lang="de-DE" altLang="zh-CN" sz="2400" dirty="0" err="1"/>
+              <a:t>market</a:t>
+            </a:r>
+            <a:r>
+              <a:rPr lang="de-DE" altLang="zh-CN" sz="2400" dirty="0"/>
+              <a:t>.</a:t>
+            </a:r>
+          </a:p>
+        </p:txBody>
+      </p:sp>
+    </p:spTree>
+    <p:extLst>
+      <p:ext uri="{BB962C8B-B14F-4D97-AF65-F5344CB8AC3E}">
+        <p14:creationId xmlns:p14="http://schemas.microsoft.com/office/powerpoint/2010/main" val="946142544"/>
+      </p:ext>
+    </p:extLst>
+  </p:cSld>
+  <p:clrMapOvr>
+    <a:masterClrMapping/>
+  </p:clrMapOvr>
+</p:sld>
+</file>
+
+<file path=ppt/slides/slide12.xml><?xml version="1.0" encoding="utf-8"?>
+<p:sld xmlns:a="http://schemas.openxmlformats.org/drawingml/2006/main" xmlns:r="http://schemas.openxmlformats.org/officeDocument/2006/relationships" xmlns:p="http://schemas.openxmlformats.org/presentationml/2006/main">
+  <p:cSld>
+    <p:bg>
+      <p:bgPr>
+        <a:solidFill>
+          <a:schemeClr val="bg1"/>
+        </a:solidFill>
+        <a:effectLst/>
+      </p:bgPr>
+    </p:bg>
+    <p:spTree>
+      <p:nvGrpSpPr>
+        <p:cNvPr id="1" name=""/>
+        <p:cNvGrpSpPr/>
+        <p:nvPr/>
+      </p:nvGrpSpPr>
+      <p:grpSpPr>
+        <a:xfrm>
+          <a:off x="0" y="0"/>
+          <a:ext cx="0" cy="0"/>
+          <a:chOff x="0" y="0"/>
+          <a:chExt cx="0" cy="0"/>
+        </a:xfrm>
+      </p:grpSpPr>
+      <p:sp>
+        <p:nvSpPr>
+          <p:cNvPr id="17" name="Rectangle 16">
+            <a:extLst>
+              <a:ext uri="{FF2B5EF4-FFF2-40B4-BE49-F238E27FC236}">
+                <a16:creationId xmlns:a16="http://schemas.microsoft.com/office/drawing/2014/main" id="{A4AC5506-6312-4701-8D3C-40187889A947}"/>
+              </a:ext>
+              <a:ext uri="{C183D7F6-B498-43B3-948B-1728B52AA6E4}">
+                <adec:decorative xmlns:adec="http://schemas.microsoft.com/office/drawing/2017/decorative" val="1"/>
+              </a:ext>
+            </a:extLst>
+          </p:cNvPr>
+          <p:cNvSpPr>
+            <a:spLocks noGrp="1" noRot="1" noChangeAspect="1" noMove="1" noResize="1" noEditPoints="1" noAdjustHandles="1" noChangeArrowheads="1" noChangeShapeType="1" noTextEdit="1"/>
+          </p:cNvSpPr>
+          <p:nvPr>
+            <p:extLst>
+              <p:ext uri="{386F3935-93C4-4BCD-93E2-E3B085C9AB24}">
+                <p16:designElem xmlns:p16="http://schemas.microsoft.com/office/powerpoint/2015/main" val="1"/>
+              </p:ext>
+            </p:extLst>
+          </p:nvPr>
+        </p:nvSpPr>
+        <p:spPr>
+          <a:xfrm>
+            <a:off x="0" y="651752"/>
+            <a:ext cx="12192000" cy="736551"/>
+          </a:xfrm>
+          <a:prstGeom prst="rect">
+            <a:avLst/>
+          </a:prstGeom>
+          <a:solidFill>
+            <a:schemeClr val="tx1"/>
+          </a:solidFill>
+          <a:ln>
+            <a:noFill/>
+          </a:ln>
+        </p:spPr>
+        <p:style>
+          <a:lnRef idx="2">
+            <a:schemeClr val="accent1">
+              <a:shade val="50000"/>
+            </a:schemeClr>
+          </a:lnRef>
+          <a:fillRef idx="1">
+            <a:schemeClr val="accent1"/>
+          </a:fillRef>
+          <a:effectRef idx="0">
+            <a:schemeClr val="accent1"/>
+          </a:effectRef>
+          <a:fontRef idx="minor">
+            <a:schemeClr val="lt1"/>
+          </a:fontRef>
+        </p:style>
+        <p:txBody>
+          <a:bodyPr rtlCol="0" anchor="ctr"/>
+          <a:lstStyle/>
+          <a:p>
+            <a:pPr algn="ctr"/>
+            <a:endParaRPr lang="en-US"/>
+          </a:p>
+        </p:txBody>
+      </p:sp>
+      <p:sp>
+        <p:nvSpPr>
+          <p:cNvPr id="2" name="Titel 1">
+            <a:extLst>
+              <a:ext uri="{FF2B5EF4-FFF2-40B4-BE49-F238E27FC236}">
+                <a16:creationId xmlns:a16="http://schemas.microsoft.com/office/drawing/2014/main" id="{34E6C212-51C2-4243-95FC-80FCCBAFCD9B}"/>
+              </a:ext>
+            </a:extLst>
+          </p:cNvPr>
+          <p:cNvSpPr>
+            <a:spLocks noGrp="1"/>
+          </p:cNvSpPr>
+          <p:nvPr>
+            <p:ph type="title"/>
+          </p:nvPr>
+        </p:nvSpPr>
+        <p:spPr>
+          <a:xfrm>
+            <a:off x="556532" y="643467"/>
+            <a:ext cx="11210925" cy="744836"/>
+          </a:xfrm>
+        </p:spPr>
+        <p:txBody>
+          <a:bodyPr vert="horz" lIns="91440" tIns="45720" rIns="91440" bIns="45720" rtlCol="0" anchor="ctr">
+            <a:normAutofit/>
+          </a:bodyPr>
+          <a:lstStyle/>
+          <a:p>
+            <a:pPr algn="ctr"/>
+            <a:r>
+              <a:rPr lang="en-US" altLang="zh-CN" sz="3200" b="1" kern="1200" dirty="0">
+                <a:solidFill>
+                  <a:schemeClr val="bg1"/>
+                </a:solidFill>
+                <a:latin typeface="+mj-lt"/>
+                <a:ea typeface="+mj-ea"/>
+                <a:cs typeface="+mj-cs"/>
+              </a:rPr>
+              <a:t>Any Question?</a:t>
+            </a:r>
+          </a:p>
+        </p:txBody>
+      </p:sp>
+      <p:pic>
+        <p:nvPicPr>
+          <p:cNvPr id="5" name="Inhaltsplatzhalter 4">
+            <a:extLst>
+              <a:ext uri="{FF2B5EF4-FFF2-40B4-BE49-F238E27FC236}">
+                <a16:creationId xmlns:a16="http://schemas.microsoft.com/office/drawing/2014/main" id="{080E3A4C-8242-4150-9910-C9C86872C157}"/>
+              </a:ext>
+            </a:extLst>
+          </p:cNvPr>
+          <p:cNvPicPr>
+            <a:picLocks noChangeAspect="1"/>
+          </p:cNvPicPr>
+          <p:nvPr/>
+        </p:nvPicPr>
+        <p:blipFill rotWithShape="1">
+          <a:blip r:embed="rId2"/>
+          <a:srcRect r="18216" b="-2"/>
+          <a:stretch/>
+        </p:blipFill>
+        <p:spPr>
+          <a:xfrm>
+            <a:off x="2352582" y="1675227"/>
+            <a:ext cx="7486835" cy="4394199"/>
+          </a:xfrm>
+          <a:prstGeom prst="rect">
+            <a:avLst/>
+          </a:prstGeom>
+        </p:spPr>
+      </p:pic>
+    </p:spTree>
+    <p:extLst>
+      <p:ext uri="{BB962C8B-B14F-4D97-AF65-F5344CB8AC3E}">
+        <p14:creationId xmlns:p14="http://schemas.microsoft.com/office/powerpoint/2010/main" val="3647232865"/>
       </p:ext>
     </p:extLst>
   </p:cSld>
@@ -3997,7 +4797,41 @@
               <a:rPr lang="de-DE" altLang="zh-CN" sz="2800" b="1" dirty="0" err="1"/>
               <a:t>asset</a:t>
             </a:r>
-            <a:endParaRPr lang="zh-CN" altLang="en-US" sz="2800" b="1" dirty="0"/>
+            <a:br>
+              <a:rPr lang="de-DE" altLang="zh-CN" sz="2800" b="1" dirty="0"/>
+            </a:br>
+            <a:br>
+              <a:rPr lang="de-DE" altLang="zh-CN" sz="2800" b="1" dirty="0"/>
+            </a:br>
+            <a:r>
+              <a:rPr lang="de-DE" altLang="zh-CN" sz="1400" b="1" dirty="0" err="1"/>
+              <a:t>for</a:t>
+            </a:r>
+            <a:r>
+              <a:rPr lang="de-DE" altLang="zh-CN" sz="1400" b="1" dirty="0"/>
+              <a:t> </a:t>
+            </a:r>
+            <a:r>
+              <a:rPr lang="de-DE" altLang="zh-CN" sz="1400" b="1" dirty="0" err="1"/>
+              <a:t>illustration</a:t>
+            </a:r>
+            <a:r>
+              <a:rPr lang="de-DE" altLang="zh-CN" sz="1400" b="1" dirty="0"/>
+              <a:t> </a:t>
+            </a:r>
+            <a:r>
+              <a:rPr lang="de-DE" altLang="zh-CN" sz="1400" b="1" dirty="0" err="1"/>
+              <a:t>purpose</a:t>
+            </a:r>
+            <a:r>
+              <a:rPr lang="de-DE" altLang="zh-CN" sz="1400" b="1" dirty="0"/>
+              <a:t> </a:t>
+            </a:r>
+            <a:r>
+              <a:rPr lang="de-DE" altLang="zh-CN" sz="1400" b="1" dirty="0" err="1"/>
+              <a:t>only</a:t>
+            </a:r>
+            <a:endParaRPr lang="zh-CN" altLang="en-US" sz="1400" b="1" dirty="0"/>
           </a:p>
         </p:txBody>
       </p:sp>
@@ -4032,7 +4866,7 @@
             <a:pPr marL="0" indent="0">
               <a:buNone/>
             </a:pPr>
-            <a:endParaRPr lang="de-DE" altLang="zh-CN" sz="2200">
+            <a:endParaRPr lang="de-DE" altLang="zh-CN" sz="2200" dirty="0">
               <a:solidFill>
                 <a:schemeClr val="bg1"/>
               </a:solidFill>
@@ -4043,19 +4877,67 @@
               <a:buNone/>
             </a:pPr>
             <a:r>
-              <a:rPr lang="de-DE" altLang="zh-CN" sz="2200" b="1">
-                <a:solidFill>
-                  <a:schemeClr val="bg1"/>
-                </a:solidFill>
-              </a:rPr>
-              <a:t>Gold vs Bitcoin (digital gold per say)</a:t>
+              <a:rPr lang="de-DE" altLang="zh-CN" sz="2200" b="1" dirty="0">
+                <a:solidFill>
+                  <a:schemeClr val="bg1"/>
+                </a:solidFill>
+              </a:rPr>
+              <a:t>Gold </a:t>
+            </a:r>
+            <a:r>
+              <a:rPr lang="de-DE" altLang="zh-CN" sz="2200" b="1" dirty="0" err="1">
+                <a:solidFill>
+                  <a:schemeClr val="bg1"/>
+                </a:solidFill>
+              </a:rPr>
+              <a:t>vs</a:t>
+            </a:r>
+            <a:r>
+              <a:rPr lang="de-DE" altLang="zh-CN" sz="2200" b="1" dirty="0">
+                <a:solidFill>
+                  <a:schemeClr val="bg1"/>
+                </a:solidFill>
+              </a:rPr>
+              <a:t> Bitcoin (digital </a:t>
+            </a:r>
+            <a:r>
+              <a:rPr lang="de-DE" altLang="zh-CN" sz="2200" b="1" dirty="0" err="1">
+                <a:solidFill>
+                  <a:schemeClr val="bg1"/>
+                </a:solidFill>
+              </a:rPr>
+              <a:t>gold</a:t>
+            </a:r>
+            <a:r>
+              <a:rPr lang="de-DE" altLang="zh-CN" sz="2200" b="1" dirty="0">
+                <a:solidFill>
+                  <a:schemeClr val="bg1"/>
+                </a:solidFill>
+              </a:rPr>
+              <a:t> per </a:t>
+            </a:r>
+            <a:r>
+              <a:rPr lang="de-DE" altLang="zh-CN" sz="2200" b="1" dirty="0" err="1">
+                <a:solidFill>
+                  <a:schemeClr val="bg1"/>
+                </a:solidFill>
+              </a:rPr>
+              <a:t>say</a:t>
+            </a:r>
+            <a:r>
+              <a:rPr lang="de-DE" altLang="zh-CN" sz="2200" b="1" dirty="0">
+                <a:solidFill>
+                  <a:schemeClr val="bg1"/>
+                </a:solidFill>
+              </a:rPr>
+              <a:t>)</a:t>
             </a:r>
           </a:p>
           <a:p>
             <a:pPr marL="0" indent="0">
               <a:buNone/>
             </a:pPr>
-            <a:endParaRPr lang="de-DE" altLang="zh-CN" sz="2200">
+            <a:endParaRPr lang="de-DE" altLang="zh-CN" sz="2200" dirty="0">
               <a:solidFill>
                 <a:schemeClr val="bg1"/>
               </a:solidFill>
@@ -4066,15 +4948,63 @@
               <a:buNone/>
             </a:pPr>
             <a:r>
-              <a:rPr lang="de-DE" altLang="zh-CN" sz="2200">
-                <a:solidFill>
-                  <a:schemeClr val="bg1"/>
-                </a:solidFill>
-              </a:rPr>
-              <a:t>1 ounce glod </a:t>
-            </a:r>
-            <a:r>
-              <a:rPr lang="de-DE" altLang="zh-CN" sz="2200">
+              <a:rPr lang="de-DE" altLang="zh-CN" sz="2200" dirty="0">
+                <a:solidFill>
+                  <a:schemeClr val="bg1"/>
+                </a:solidFill>
+              </a:rPr>
+              <a:t>1 </a:t>
+            </a:r>
+            <a:r>
+              <a:rPr lang="de-DE" altLang="zh-CN" sz="2200" dirty="0" err="1">
+                <a:solidFill>
+                  <a:schemeClr val="bg1"/>
+                </a:solidFill>
+              </a:rPr>
+              <a:t>ounce</a:t>
+            </a:r>
+            <a:r>
+              <a:rPr lang="de-DE" altLang="zh-CN" sz="2200" dirty="0">
+                <a:solidFill>
+                  <a:schemeClr val="bg1"/>
+                </a:solidFill>
+              </a:rPr>
+              <a:t> </a:t>
+            </a:r>
+            <a:r>
+              <a:rPr lang="de-DE" altLang="zh-CN" sz="2200" dirty="0" err="1">
+                <a:solidFill>
+                  <a:schemeClr val="bg1"/>
+                </a:solidFill>
+              </a:rPr>
+              <a:t>of</a:t>
+            </a:r>
+            <a:r>
+              <a:rPr lang="de-DE" altLang="zh-CN" sz="2200" dirty="0">
+                <a:solidFill>
+                  <a:schemeClr val="bg1"/>
+                </a:solidFill>
+              </a:rPr>
+              <a:t> </a:t>
+            </a:r>
+            <a:r>
+              <a:rPr lang="de-DE" altLang="zh-CN" sz="2200" dirty="0" err="1">
+                <a:solidFill>
+                  <a:schemeClr val="bg1"/>
+                </a:solidFill>
+              </a:rPr>
+              <a:t>gold</a:t>
+            </a:r>
+            <a:r>
+              <a:rPr lang="de-DE" altLang="zh-CN" sz="2200" dirty="0">
+                <a:solidFill>
+                  <a:schemeClr val="bg1"/>
+                </a:solidFill>
+              </a:rPr>
+              <a:t> </a:t>
+            </a:r>
+            <a:r>
+              <a:rPr lang="de-DE" altLang="zh-CN" sz="2200" dirty="0">
                 <a:solidFill>
                   <a:schemeClr val="bg1"/>
                 </a:solidFill>
@@ -4083,31 +5013,19 @@
               <a:t>≈</a:t>
             </a:r>
             <a:r>
-              <a:rPr lang="de-DE" altLang="zh-CN" sz="2200">
-                <a:solidFill>
-                  <a:schemeClr val="bg1"/>
-                </a:solidFill>
-              </a:rPr>
-              <a:t>  $1770 as of 17.02.21 </a:t>
-            </a:r>
-            <a:r>
-              <a:rPr lang="de-DE" altLang="zh-CN" sz="2200">
-                <a:solidFill>
-                  <a:schemeClr val="bg1"/>
-                </a:solidFill>
-                <a:sym typeface="Wingdings" panose="05000000000000000000" pitchFamily="2" charset="2"/>
-              </a:rPr>
-              <a:t>≈</a:t>
-            </a:r>
-            <a:r>
-              <a:rPr lang="de-DE" altLang="zh-CN" sz="2200">
-                <a:solidFill>
-                  <a:schemeClr val="bg1"/>
-                </a:solidFill>
-              </a:rPr>
-              <a:t> 0,028kg </a:t>
-            </a:r>
-            <a:endParaRPr lang="de-DE" altLang="zh-CN" sz="2200">
+              <a:rPr lang="de-DE" altLang="zh-CN" sz="2200" dirty="0">
+                <a:solidFill>
+                  <a:schemeClr val="bg1"/>
+                </a:solidFill>
+              </a:rPr>
+              <a:t> 0,031kg</a:t>
+            </a:r>
+          </a:p>
+          <a:p>
+            <a:pPr marL="0" indent="0">
+              <a:buNone/>
+            </a:pPr>
+            <a:endParaRPr lang="de-DE" altLang="zh-CN" sz="2200" dirty="0">
               <a:solidFill>
                 <a:schemeClr val="bg1"/>
               </a:solidFill>
@@ -4118,7 +5036,120 @@
             <a:pPr marL="0" indent="0">
               <a:buNone/>
             </a:pPr>
-            <a:endParaRPr lang="de-DE" altLang="zh-CN" sz="2200">
+            <a:r>
+              <a:rPr lang="de-DE" altLang="zh-CN" sz="2200" dirty="0" err="1">
+                <a:solidFill>
+                  <a:schemeClr val="bg1"/>
+                </a:solidFill>
+                <a:sym typeface="Wingdings" panose="05000000000000000000" pitchFamily="2" charset="2"/>
+              </a:rPr>
+              <a:t>Is</a:t>
+            </a:r>
+            <a:r>
+              <a:rPr lang="de-DE" altLang="zh-CN" sz="2200" dirty="0">
+                <a:solidFill>
+                  <a:schemeClr val="bg1"/>
+                </a:solidFill>
+                <a:sym typeface="Wingdings" panose="05000000000000000000" pitchFamily="2" charset="2"/>
+              </a:rPr>
+              <a:t> </a:t>
+            </a:r>
+            <a:r>
+              <a:rPr lang="de-DE" altLang="zh-CN" sz="2200" dirty="0" err="1">
+                <a:solidFill>
+                  <a:schemeClr val="bg1"/>
+                </a:solidFill>
+                <a:sym typeface="Wingdings" panose="05000000000000000000" pitchFamily="2" charset="2"/>
+              </a:rPr>
+              <a:t>it</a:t>
+            </a:r>
+            <a:r>
+              <a:rPr lang="de-DE" altLang="zh-CN" sz="2200" dirty="0">
+                <a:solidFill>
+                  <a:schemeClr val="bg1"/>
+                </a:solidFill>
+                <a:sym typeface="Wingdings" panose="05000000000000000000" pitchFamily="2" charset="2"/>
+              </a:rPr>
+              <a:t> possible </a:t>
+            </a:r>
+            <a:r>
+              <a:rPr lang="de-DE" altLang="zh-CN" sz="2200" dirty="0" err="1">
+                <a:solidFill>
+                  <a:schemeClr val="bg1"/>
+                </a:solidFill>
+                <a:sym typeface="Wingdings" panose="05000000000000000000" pitchFamily="2" charset="2"/>
+              </a:rPr>
+              <a:t>to</a:t>
+            </a:r>
+            <a:r>
+              <a:rPr lang="de-DE" altLang="zh-CN" sz="2200" dirty="0">
+                <a:solidFill>
+                  <a:schemeClr val="bg1"/>
+                </a:solidFill>
+                <a:sym typeface="Wingdings" panose="05000000000000000000" pitchFamily="2" charset="2"/>
+              </a:rPr>
+              <a:t> carry 1 Trillion Dollar (1 </a:t>
+            </a:r>
+            <a:r>
+              <a:rPr lang="de-DE" altLang="zh-CN" sz="2200" dirty="0" err="1">
+                <a:solidFill>
+                  <a:schemeClr val="bg1"/>
+                </a:solidFill>
+                <a:sym typeface="Wingdings" panose="05000000000000000000" pitchFamily="2" charset="2"/>
+              </a:rPr>
+              <a:t>ounce</a:t>
+            </a:r>
+            <a:r>
+              <a:rPr lang="de-DE" altLang="zh-CN" sz="2200" dirty="0">
+                <a:solidFill>
+                  <a:schemeClr val="bg1"/>
+                </a:solidFill>
+                <a:sym typeface="Wingdings" panose="05000000000000000000" pitchFamily="2" charset="2"/>
+              </a:rPr>
+              <a:t> ≈1.770$ </a:t>
+            </a:r>
+            <a:r>
+              <a:rPr lang="de-DE" altLang="zh-CN" sz="2200" dirty="0" err="1">
+                <a:solidFill>
+                  <a:schemeClr val="bg1"/>
+                </a:solidFill>
+                <a:sym typeface="Wingdings" panose="05000000000000000000" pitchFamily="2" charset="2"/>
+              </a:rPr>
+              <a:t>as</a:t>
+            </a:r>
+            <a:r>
+              <a:rPr lang="de-DE" altLang="zh-CN" sz="2200" dirty="0">
+                <a:solidFill>
+                  <a:schemeClr val="bg1"/>
+                </a:solidFill>
+                <a:sym typeface="Wingdings" panose="05000000000000000000" pitchFamily="2" charset="2"/>
+              </a:rPr>
+              <a:t> </a:t>
+            </a:r>
+            <a:r>
+              <a:rPr lang="de-DE" altLang="zh-CN" sz="2200" dirty="0" err="1">
+                <a:solidFill>
+                  <a:schemeClr val="bg1"/>
+                </a:solidFill>
+                <a:sym typeface="Wingdings" panose="05000000000000000000" pitchFamily="2" charset="2"/>
+              </a:rPr>
+              <a:t>of</a:t>
+            </a:r>
+            <a:r>
+              <a:rPr lang="de-DE" altLang="zh-CN" sz="2200" dirty="0">
+                <a:solidFill>
+                  <a:schemeClr val="bg1"/>
+                </a:solidFill>
+                <a:sym typeface="Wingdings" panose="05000000000000000000" pitchFamily="2" charset="2"/>
+              </a:rPr>
+              <a:t> 17.02.21 )?</a:t>
+            </a:r>
+          </a:p>
+          <a:p>
+            <a:pPr marL="0" indent="0">
+              <a:buNone/>
+            </a:pPr>
+            <a:endParaRPr lang="de-DE" altLang="zh-CN" sz="2200" dirty="0">
               <a:solidFill>
                 <a:schemeClr val="bg1"/>
               </a:solidFill>
@@ -4130,31 +5161,186 @@
               <a:buNone/>
             </a:pPr>
             <a:r>
-              <a:rPr lang="de-DE" altLang="zh-CN" sz="2200">
+              <a:rPr lang="de-DE" altLang="zh-CN" sz="2200" b="1" dirty="0">
                 <a:solidFill>
                   <a:schemeClr val="bg1"/>
                 </a:solidFill>
                 <a:sym typeface="Wingdings" panose="05000000000000000000" pitchFamily="2" charset="2"/>
               </a:rPr>
-              <a:t>What about carry 1 Trillion Dollar?</a:t>
+              <a:t>NONO</a:t>
+            </a:r>
+            <a:r>
+              <a:rPr lang="de-DE" altLang="zh-CN" sz="2200" dirty="0">
+                <a:solidFill>
+                  <a:schemeClr val="bg1"/>
+                </a:solidFill>
+                <a:sym typeface="Wingdings" panose="05000000000000000000" pitchFamily="2" charset="2"/>
+              </a:rPr>
+              <a:t> 1 T$ ≈17,514,124 kg </a:t>
+            </a:r>
+            <a:r>
+              <a:rPr lang="de-DE" altLang="zh-CN" sz="2200" dirty="0" err="1">
+                <a:solidFill>
+                  <a:schemeClr val="bg1"/>
+                </a:solidFill>
+                <a:sym typeface="Wingdings" panose="05000000000000000000" pitchFamily="2" charset="2"/>
+              </a:rPr>
+              <a:t>gold</a:t>
+            </a:r>
+            <a:r>
+              <a:rPr lang="de-DE" altLang="zh-CN" sz="2200" dirty="0">
+                <a:solidFill>
+                  <a:schemeClr val="bg1"/>
+                </a:solidFill>
+                <a:sym typeface="Wingdings" panose="05000000000000000000" pitchFamily="2" charset="2"/>
+              </a:rPr>
+              <a:t> </a:t>
             </a:r>
           </a:p>
           <a:p>
             <a:pPr marL="0" indent="0">
               <a:buNone/>
             </a:pPr>
-            <a:r>
-              <a:rPr lang="de-DE" altLang="zh-CN" sz="2200">
+            <a:endParaRPr lang="de-DE" altLang="zh-CN" sz="2200" dirty="0">
+              <a:solidFill>
+                <a:schemeClr val="bg1"/>
+              </a:solidFill>
+              <a:sym typeface="Wingdings" panose="05000000000000000000" pitchFamily="2" charset="2"/>
+            </a:endParaRPr>
+          </a:p>
+          <a:p>
+            <a:pPr marL="0" indent="0">
+              <a:buNone/>
+            </a:pPr>
+            <a:r>
+              <a:rPr lang="de-DE" altLang="zh-CN" sz="2200" b="1" dirty="0">
                 <a:solidFill>
                   <a:schemeClr val="bg1"/>
                 </a:solidFill>
                 <a:sym typeface="Wingdings" panose="05000000000000000000" pitchFamily="2" charset="2"/>
               </a:rPr>
-              <a:t>1 T$ ≈15,819,209 kg gold = 1 wallet BTC address which is just a line of hash code.</a:t>
-            </a:r>
-          </a:p>
-          <a:p>
-            <a:endParaRPr lang="zh-CN" altLang="en-US" sz="2200">
+              <a:t>YES</a:t>
+            </a:r>
+            <a:r>
+              <a:rPr lang="de-DE" altLang="zh-CN" sz="2200" dirty="0">
+                <a:solidFill>
+                  <a:schemeClr val="bg1"/>
+                </a:solidFill>
+                <a:sym typeface="Wingdings" panose="05000000000000000000" pitchFamily="2" charset="2"/>
+              </a:rPr>
+              <a:t> 1 wallet BTC </a:t>
+            </a:r>
+            <a:r>
+              <a:rPr lang="de-DE" altLang="zh-CN" sz="2200" dirty="0" err="1">
+                <a:solidFill>
+                  <a:schemeClr val="bg1"/>
+                </a:solidFill>
+                <a:sym typeface="Wingdings" panose="05000000000000000000" pitchFamily="2" charset="2"/>
+              </a:rPr>
+              <a:t>address</a:t>
+            </a:r>
+            <a:r>
+              <a:rPr lang="de-DE" altLang="zh-CN" sz="2200" dirty="0">
+                <a:solidFill>
+                  <a:schemeClr val="bg1"/>
+                </a:solidFill>
+                <a:sym typeface="Wingdings" panose="05000000000000000000" pitchFamily="2" charset="2"/>
+              </a:rPr>
+              <a:t> </a:t>
+            </a:r>
+            <a:r>
+              <a:rPr lang="de-DE" altLang="zh-CN" sz="2200" dirty="0" err="1">
+                <a:solidFill>
+                  <a:schemeClr val="bg1"/>
+                </a:solidFill>
+                <a:sym typeface="Wingdings" panose="05000000000000000000" pitchFamily="2" charset="2"/>
+              </a:rPr>
+              <a:t>which</a:t>
+            </a:r>
+            <a:r>
+              <a:rPr lang="de-DE" altLang="zh-CN" sz="2200" dirty="0">
+                <a:solidFill>
+                  <a:schemeClr val="bg1"/>
+                </a:solidFill>
+                <a:sym typeface="Wingdings" panose="05000000000000000000" pitchFamily="2" charset="2"/>
+              </a:rPr>
+              <a:t> </a:t>
+            </a:r>
+            <a:r>
+              <a:rPr lang="de-DE" altLang="zh-CN" sz="2200" dirty="0" err="1">
+                <a:solidFill>
+                  <a:schemeClr val="bg1"/>
+                </a:solidFill>
+                <a:sym typeface="Wingdings" panose="05000000000000000000" pitchFamily="2" charset="2"/>
+              </a:rPr>
+              <a:t>is</a:t>
+            </a:r>
+            <a:r>
+              <a:rPr lang="de-DE" altLang="zh-CN" sz="2200" dirty="0">
+                <a:solidFill>
+                  <a:schemeClr val="bg1"/>
+                </a:solidFill>
+                <a:sym typeface="Wingdings" panose="05000000000000000000" pitchFamily="2" charset="2"/>
+              </a:rPr>
+              <a:t> just a </a:t>
+            </a:r>
+            <a:r>
+              <a:rPr lang="de-DE" altLang="zh-CN" sz="2200" dirty="0" err="1">
+                <a:solidFill>
+                  <a:schemeClr val="bg1"/>
+                </a:solidFill>
+                <a:sym typeface="Wingdings" panose="05000000000000000000" pitchFamily="2" charset="2"/>
+              </a:rPr>
+              <a:t>line</a:t>
+            </a:r>
+            <a:r>
+              <a:rPr lang="de-DE" altLang="zh-CN" sz="2200" dirty="0">
+                <a:solidFill>
+                  <a:schemeClr val="bg1"/>
+                </a:solidFill>
+                <a:sym typeface="Wingdings" panose="05000000000000000000" pitchFamily="2" charset="2"/>
+              </a:rPr>
+              <a:t> </a:t>
+            </a:r>
+            <a:r>
+              <a:rPr lang="de-DE" altLang="zh-CN" sz="2200" dirty="0" err="1">
+                <a:solidFill>
+                  <a:schemeClr val="bg1"/>
+                </a:solidFill>
+                <a:sym typeface="Wingdings" panose="05000000000000000000" pitchFamily="2" charset="2"/>
+              </a:rPr>
+              <a:t>of</a:t>
+            </a:r>
+            <a:r>
+              <a:rPr lang="de-DE" altLang="zh-CN" sz="2200" dirty="0">
+                <a:solidFill>
+                  <a:schemeClr val="bg1"/>
+                </a:solidFill>
+                <a:sym typeface="Wingdings" panose="05000000000000000000" pitchFamily="2" charset="2"/>
+              </a:rPr>
+              <a:t> </a:t>
+            </a:r>
+            <a:r>
+              <a:rPr lang="de-DE" altLang="zh-CN" sz="2200" dirty="0" err="1">
+                <a:solidFill>
+                  <a:schemeClr val="bg1"/>
+                </a:solidFill>
+                <a:sym typeface="Wingdings" panose="05000000000000000000" pitchFamily="2" charset="2"/>
+              </a:rPr>
+              <a:t>hash</a:t>
+            </a:r>
+            <a:r>
+              <a:rPr lang="de-DE" altLang="zh-CN" sz="2200" dirty="0">
+                <a:solidFill>
+                  <a:schemeClr val="bg1"/>
+                </a:solidFill>
+                <a:sym typeface="Wingdings" panose="05000000000000000000" pitchFamily="2" charset="2"/>
+              </a:rPr>
+              <a:t> code.</a:t>
+            </a:r>
+          </a:p>
+          <a:p>
+            <a:endParaRPr lang="zh-CN" altLang="en-US" sz="2200" dirty="0">
               <a:solidFill>
                 <a:schemeClr val="bg1"/>
               </a:solidFill>
@@ -4773,6 +5959,39 @@
               <a:t>Why I think it has potential?</a:t>
             </a:r>
           </a:p>
+          <a:p>
+            <a:pPr>
+              <a:lnSpc>
+                <a:spcPct val="90000"/>
+              </a:lnSpc>
+              <a:spcAft>
+                <a:spcPts val="600"/>
+              </a:spcAft>
+            </a:pPr>
+            <a:endParaRPr lang="en-US" altLang="zh-CN" sz="2000" b="1" dirty="0">
+              <a:solidFill>
+                <a:schemeClr val="bg1"/>
+              </a:solidFill>
+            </a:endParaRPr>
+          </a:p>
+          <a:p>
+            <a:pPr>
+              <a:lnSpc>
+                <a:spcPct val="90000"/>
+              </a:lnSpc>
+              <a:spcAft>
+                <a:spcPts val="600"/>
+              </a:spcAft>
+            </a:pPr>
+            <a:r>
+              <a:rPr lang="en-US" altLang="zh-CN" sz="1200" b="1" dirty="0">
+                <a:solidFill>
+                  <a:schemeClr val="bg1"/>
+                </a:solidFill>
+              </a:rPr>
+              <a:t>For illustration purpose only</a:t>
+            </a:r>
+          </a:p>
         </p:txBody>
       </p:sp>
       <p:pic>
@@ -5300,7 +6519,7 @@
         </p:spPr>
         <p:txBody>
           <a:bodyPr anchor="ctr">
-            <a:normAutofit/>
+            <a:normAutofit fontScale="62500" lnSpcReduction="20000"/>
           </a:bodyPr>
           <a:lstStyle/>
           <a:p>
@@ -5365,15 +6584,187 @@
             </a:r>
           </a:p>
           <a:p>
-            <a:pPr marL="457200" indent="-457200">
-              <a:buAutoNum type="arabicPeriod"/>
+            <a:pPr marL="0" indent="0">
+              <a:buNone/>
             </a:pPr>
             <a:r>
+              <a:rPr lang="de-DE" altLang="zh-CN" sz="2200" dirty="0">
+                <a:solidFill>
+                  <a:schemeClr val="bg1"/>
+                </a:solidFill>
+              </a:rPr>
+              <a:t>01.01.19 </a:t>
+            </a:r>
+            <a:r>
               <a:rPr lang="de-DE" altLang="zh-CN" sz="2200" dirty="0" err="1">
                 <a:solidFill>
                   <a:schemeClr val="bg1"/>
                 </a:solidFill>
               </a:rPr>
+              <a:t>to</a:t>
+            </a:r>
+            <a:r>
+              <a:rPr lang="de-DE" altLang="zh-CN" sz="2200" dirty="0">
+                <a:solidFill>
+                  <a:schemeClr val="bg1"/>
+                </a:solidFill>
+              </a:rPr>
+              <a:t> 31.12.19 </a:t>
+            </a:r>
+            <a:r>
+              <a:rPr lang="de-DE" altLang="zh-CN" sz="2200" dirty="0" err="1">
+                <a:solidFill>
+                  <a:schemeClr val="bg1"/>
+                </a:solidFill>
+              </a:rPr>
+              <a:t>for</a:t>
+            </a:r>
+            <a:r>
+              <a:rPr lang="de-DE" altLang="zh-CN" sz="2200" dirty="0">
+                <a:solidFill>
+                  <a:schemeClr val="bg1"/>
+                </a:solidFill>
+              </a:rPr>
+              <a:t> 10 </a:t>
+            </a:r>
+            <a:r>
+              <a:rPr lang="de-DE" altLang="zh-CN" sz="2200" dirty="0" err="1">
+                <a:solidFill>
+                  <a:schemeClr val="bg1"/>
+                </a:solidFill>
+              </a:rPr>
+              <a:t>crypto</a:t>
+            </a:r>
+            <a:r>
+              <a:rPr lang="de-DE" altLang="zh-CN" sz="2200" dirty="0">
+                <a:solidFill>
+                  <a:schemeClr val="bg1"/>
+                </a:solidFill>
+              </a:rPr>
+              <a:t> </a:t>
+            </a:r>
+            <a:r>
+              <a:rPr lang="de-DE" altLang="zh-CN" sz="2200" dirty="0" err="1">
+                <a:solidFill>
+                  <a:schemeClr val="bg1"/>
+                </a:solidFill>
+              </a:rPr>
+              <a:t>currencies</a:t>
+            </a:r>
+            <a:r>
+              <a:rPr lang="de-DE" altLang="zh-CN" sz="2200" dirty="0">
+                <a:solidFill>
+                  <a:schemeClr val="bg1"/>
+                </a:solidFill>
+              </a:rPr>
+              <a:t> </a:t>
+            </a:r>
+            <a:r>
+              <a:rPr lang="de-DE" altLang="zh-CN" sz="2200" dirty="0" err="1">
+                <a:solidFill>
+                  <a:schemeClr val="bg1"/>
+                </a:solidFill>
+              </a:rPr>
+              <a:t>with</a:t>
+            </a:r>
+            <a:r>
+              <a:rPr lang="de-DE" altLang="zh-CN" sz="2200" dirty="0">
+                <a:solidFill>
+                  <a:schemeClr val="bg1"/>
+                </a:solidFill>
+              </a:rPr>
+              <a:t> </a:t>
+            </a:r>
+            <a:r>
+              <a:rPr lang="de-DE" altLang="zh-CN" sz="2200" dirty="0" err="1">
+                <a:solidFill>
+                  <a:schemeClr val="bg1"/>
+                </a:solidFill>
+              </a:rPr>
+              <a:t>the</a:t>
+            </a:r>
+            <a:r>
+              <a:rPr lang="de-DE" altLang="zh-CN" sz="2200" dirty="0">
+                <a:solidFill>
+                  <a:schemeClr val="bg1"/>
+                </a:solidFill>
+              </a:rPr>
+              <a:t> </a:t>
+            </a:r>
+            <a:r>
+              <a:rPr lang="de-DE" altLang="zh-CN" sz="2200" dirty="0" err="1">
+                <a:solidFill>
+                  <a:schemeClr val="bg1"/>
+                </a:solidFill>
+              </a:rPr>
+              <a:t>highest</a:t>
+            </a:r>
+            <a:r>
+              <a:rPr lang="de-DE" altLang="zh-CN" sz="2200" dirty="0">
+                <a:solidFill>
+                  <a:schemeClr val="bg1"/>
+                </a:solidFill>
+              </a:rPr>
+              <a:t> </a:t>
+            </a:r>
+            <a:r>
+              <a:rPr lang="de-DE" altLang="zh-CN" sz="2200" dirty="0" err="1">
+                <a:solidFill>
+                  <a:schemeClr val="bg1"/>
+                </a:solidFill>
+              </a:rPr>
+              <a:t>market</a:t>
+            </a:r>
+            <a:r>
+              <a:rPr lang="de-DE" altLang="zh-CN" sz="2200" dirty="0">
+                <a:solidFill>
+                  <a:schemeClr val="bg1"/>
+                </a:solidFill>
+              </a:rPr>
+              <a:t> </a:t>
+            </a:r>
+            <a:r>
+              <a:rPr lang="de-DE" altLang="zh-CN" sz="2200" dirty="0" err="1">
+                <a:solidFill>
+                  <a:schemeClr val="bg1"/>
+                </a:solidFill>
+              </a:rPr>
+              <a:t>cap</a:t>
+            </a:r>
+            <a:endParaRPr lang="de-DE" altLang="zh-CN" sz="2200" dirty="0">
+              <a:solidFill>
+                <a:schemeClr val="bg1"/>
+              </a:solidFill>
+            </a:endParaRPr>
+          </a:p>
+          <a:p>
+            <a:pPr marL="0" indent="0">
+              <a:buNone/>
+            </a:pPr>
+            <a:endParaRPr lang="de-DE" altLang="zh-CN" sz="2200" dirty="0">
+              <a:solidFill>
+                <a:schemeClr val="bg1"/>
+              </a:solidFill>
+            </a:endParaRPr>
+          </a:p>
+          <a:p>
+            <a:pPr marL="0" indent="0">
+              <a:buNone/>
+            </a:pPr>
+            <a:r>
+              <a:rPr lang="de-DE" altLang="zh-CN" sz="2200" dirty="0">
+                <a:solidFill>
+                  <a:schemeClr val="bg1"/>
+                </a:solidFill>
+              </a:rPr>
+              <a:t>2.     </a:t>
+            </a:r>
+            <a:r>
+              <a:rPr lang="de-DE" altLang="zh-CN" sz="2200" dirty="0" err="1">
+                <a:solidFill>
+                  <a:schemeClr val="bg1"/>
+                </a:solidFill>
+              </a:rPr>
               <a:t>Used</a:t>
             </a:r>
             <a:r>
@@ -5430,7 +6821,23 @@
                   <a:schemeClr val="bg1"/>
                 </a:solidFill>
               </a:rPr>
-              <a:t> (Std), Sharpe </a:t>
+              <a:t> (</a:t>
+            </a:r>
+            <a:r>
+              <a:rPr lang="de-DE" altLang="zh-CN" sz="2200" dirty="0" err="1">
+                <a:solidFill>
+                  <a:schemeClr val="bg1"/>
+                </a:solidFill>
+              </a:rPr>
+              <a:t>std</a:t>
+            </a:r>
+            <a:r>
+              <a:rPr lang="de-DE" altLang="zh-CN" sz="2200" dirty="0">
+                <a:solidFill>
+                  <a:schemeClr val="bg1"/>
+                </a:solidFill>
+              </a:rPr>
+              <a:t>), Sharpe </a:t>
             </a:r>
             <a:r>
               <a:rPr lang="de-DE" altLang="zh-CN" sz="2200" dirty="0" err="1">
@@ -6166,7 +7573,7 @@
             </a:r>
             <a:r>
               <a:rPr lang="de-DE" altLang="zh-CN" sz="1800" dirty="0" err="1"/>
-              <a:t>built</a:t>
+              <a:t>build</a:t>
             </a:r>
             <a:r>
               <a:rPr lang="de-DE" altLang="zh-CN" sz="1800" dirty="0"/>
@@ -6561,230 +7968,6 @@
       </p:grpSpPr>
       <p:sp>
         <p:nvSpPr>
-          <p:cNvPr id="2" name="Titel 1">
-            <a:extLst>
-              <a:ext uri="{FF2B5EF4-FFF2-40B4-BE49-F238E27FC236}">
-                <a16:creationId xmlns:a16="http://schemas.microsoft.com/office/drawing/2014/main" id="{FEE40733-378C-4E91-B6DF-91694D00EF86}"/>
-              </a:ext>
-            </a:extLst>
-          </p:cNvPr>
-          <p:cNvSpPr>
-            <a:spLocks noGrp="1"/>
-          </p:cNvSpPr>
-          <p:nvPr>
-            <p:ph type="title"/>
-          </p:nvPr>
-        </p:nvSpPr>
-        <p:spPr>
-          <a:xfrm>
-            <a:off x="648929" y="629266"/>
-            <a:ext cx="3667039" cy="2409356"/>
-          </a:xfrm>
-        </p:spPr>
-        <p:txBody>
-          <a:bodyPr>
-            <a:normAutofit fontScale="90000"/>
-          </a:bodyPr>
-          <a:lstStyle/>
-          <a:p>
-            <a:r>
-              <a:rPr lang="de-DE" altLang="zh-CN" sz="3600" dirty="0" err="1"/>
-              <a:t>Results</a:t>
-            </a:r>
-            <a:r>
-              <a:rPr lang="de-DE" altLang="zh-CN" sz="3600" dirty="0"/>
-              <a:t>:</a:t>
-            </a:r>
-            <a:br>
-              <a:rPr lang="de-DE" altLang="zh-CN" sz="3600" dirty="0"/>
-            </a:br>
-            <a:r>
-              <a:rPr lang="de-DE" altLang="zh-CN" sz="3600" dirty="0" err="1"/>
-              <a:t>highest</a:t>
-            </a:r>
-            <a:r>
-              <a:rPr lang="de-DE" altLang="zh-CN" sz="3600" dirty="0"/>
-              <a:t> </a:t>
-            </a:r>
-            <a:r>
-              <a:rPr lang="de-DE" altLang="zh-CN" sz="3600" dirty="0" err="1"/>
-              <a:t>return</a:t>
-            </a:r>
-            <a:br>
-              <a:rPr lang="de-DE" altLang="zh-CN" sz="3600" dirty="0"/>
-            </a:br>
-            <a:r>
-              <a:rPr lang="de-DE" altLang="zh-CN" sz="3600" dirty="0" err="1"/>
-              <a:t>highest</a:t>
-            </a:r>
-            <a:r>
-              <a:rPr lang="de-DE" altLang="zh-CN" sz="3600" dirty="0"/>
-              <a:t> Sharpe </a:t>
-            </a:r>
-            <a:r>
-              <a:rPr lang="de-DE" altLang="zh-CN" sz="3600" dirty="0" err="1"/>
-              <a:t>ratio</a:t>
-            </a:r>
-            <a:br>
-              <a:rPr lang="de-DE" altLang="zh-CN" sz="3600" dirty="0"/>
-            </a:br>
-            <a:r>
-              <a:rPr lang="de-DE" altLang="zh-CN" sz="3600" dirty="0" err="1"/>
-              <a:t>lowest</a:t>
-            </a:r>
-            <a:r>
-              <a:rPr lang="de-DE" altLang="zh-CN" sz="3600" dirty="0"/>
-              <a:t> </a:t>
-            </a:r>
-            <a:r>
-              <a:rPr lang="de-DE" altLang="zh-CN" sz="3600" dirty="0" err="1"/>
-              <a:t>risk</a:t>
-            </a:r>
-            <a:r>
-              <a:rPr lang="de-DE" altLang="zh-CN" sz="3600" dirty="0"/>
-              <a:t> / </a:t>
-            </a:r>
-            <a:r>
-              <a:rPr lang="de-DE" altLang="zh-CN" sz="3600" dirty="0" err="1"/>
-              <a:t>volatility</a:t>
-            </a:r>
-            <a:endParaRPr lang="zh-CN" altLang="en-US" sz="3600" dirty="0"/>
-          </a:p>
-        </p:txBody>
-      </p:sp>
-      <p:sp>
-        <p:nvSpPr>
-          <p:cNvPr id="12" name="Rectangle 11">
-            <a:extLst>
-              <a:ext uri="{FF2B5EF4-FFF2-40B4-BE49-F238E27FC236}">
-                <a16:creationId xmlns:a16="http://schemas.microsoft.com/office/drawing/2014/main" id="{F2B38F72-8FC4-4001-8C67-FA6B86DEC767}"/>
-              </a:ext>
-              <a:ext uri="{C183D7F6-B498-43B3-948B-1728B52AA6E4}">
-                <adec:decorative xmlns:adec="http://schemas.microsoft.com/office/drawing/2017/decorative" val="1"/>
-              </a:ext>
-            </a:extLst>
-          </p:cNvPr>
-          <p:cNvSpPr>
-            <a:spLocks noGrp="1" noRot="1" noChangeAspect="1" noMove="1" noResize="1" noEditPoints="1" noAdjustHandles="1" noChangeArrowheads="1" noChangeShapeType="1" noTextEdit="1"/>
-          </p:cNvSpPr>
-          <p:nvPr>
-            <p:extLst>
-              <p:ext uri="{386F3935-93C4-4BCD-93E2-E3B085C9AB24}">
-                <p16:designElem xmlns:p16="http://schemas.microsoft.com/office/powerpoint/2015/main" val="1"/>
-              </p:ext>
-            </p:extLst>
-          </p:nvPr>
-        </p:nvSpPr>
-        <p:spPr>
-          <a:xfrm>
-            <a:off x="4636008" y="2"/>
-            <a:ext cx="7555992" cy="6857998"/>
-          </a:xfrm>
-          <a:prstGeom prst="rect">
-            <a:avLst/>
-          </a:prstGeom>
-          <a:solidFill>
-            <a:schemeClr val="tx1"/>
-          </a:solidFill>
-          <a:ln>
-            <a:noFill/>
-          </a:ln>
-        </p:spPr>
-        <p:style>
-          <a:lnRef idx="2">
-            <a:schemeClr val="accent1">
-              <a:shade val="50000"/>
-            </a:schemeClr>
-          </a:lnRef>
-          <a:fillRef idx="1">
-            <a:schemeClr val="accent1"/>
-          </a:fillRef>
-          <a:effectRef idx="0">
-            <a:schemeClr val="accent1"/>
-          </a:effectRef>
-          <a:fontRef idx="minor">
-            <a:schemeClr val="lt1"/>
-          </a:fontRef>
-        </p:style>
-        <p:txBody>
-          <a:bodyPr rtlCol="0" anchor="ctr"/>
-          <a:lstStyle/>
-          <a:p>
-            <a:pPr algn="ctr"/>
-            <a:endParaRPr lang="en-US"/>
-          </a:p>
-        </p:txBody>
-      </p:sp>
-      <p:pic>
-        <p:nvPicPr>
-          <p:cNvPr id="10" name="Grafik 9">
-            <a:extLst>
-              <a:ext uri="{FF2B5EF4-FFF2-40B4-BE49-F238E27FC236}">
-                <a16:creationId xmlns:a16="http://schemas.microsoft.com/office/drawing/2014/main" id="{BC1CFA76-9451-400F-8FC3-F6B2684D582A}"/>
-              </a:ext>
-            </a:extLst>
-          </p:cNvPr>
-          <p:cNvPicPr>
-            <a:picLocks noChangeAspect="1"/>
-          </p:cNvPicPr>
-          <p:nvPr/>
-        </p:nvPicPr>
-        <p:blipFill>
-          <a:blip r:embed="rId2"/>
-          <a:stretch>
-            <a:fillRect/>
-          </a:stretch>
-        </p:blipFill>
-        <p:spPr>
-          <a:xfrm>
-            <a:off x="4636006" y="0"/>
-            <a:ext cx="7555993" cy="6858000"/>
-          </a:xfrm>
-          <a:prstGeom prst="rect">
-            <a:avLst/>
-          </a:prstGeom>
-        </p:spPr>
-      </p:pic>
-    </p:spTree>
-    <p:extLst>
-      <p:ext uri="{BB962C8B-B14F-4D97-AF65-F5344CB8AC3E}">
-        <p14:creationId xmlns:p14="http://schemas.microsoft.com/office/powerpoint/2010/main" val="481383726"/>
-      </p:ext>
-    </p:extLst>
-  </p:cSld>
-  <p:clrMapOvr>
-    <a:overrideClrMapping bg1="dk1" tx1="lt1" bg2="dk2" tx2="lt2" accent1="accent1" accent2="accent2" accent3="accent3" accent4="accent4" accent5="accent5" accent6="accent6" hlink="hlink" folHlink="folHlink"/>
-  </p:clrMapOvr>
-</p:sld>
-</file>
-
-<file path=ppt/slides/slide9.xml><?xml version="1.0" encoding="utf-8"?>
-<p:sld xmlns:a="http://schemas.openxmlformats.org/drawingml/2006/main" xmlns:r="http://schemas.openxmlformats.org/officeDocument/2006/relationships" xmlns:p="http://schemas.openxmlformats.org/presentationml/2006/main">
-  <p:cSld>
-    <p:bg>
-      <p:bgPr>
-        <a:solidFill>
-          <a:schemeClr val="bg1"/>
-        </a:solidFill>
-        <a:effectLst/>
-      </p:bgPr>
-    </p:bg>
-    <p:spTree>
-      <p:nvGrpSpPr>
-        <p:cNvPr id="1" name=""/>
-        <p:cNvGrpSpPr/>
-        <p:nvPr/>
-      </p:nvGrpSpPr>
-      <p:grpSpPr>
-        <a:xfrm>
-          <a:off x="0" y="0"/>
-          <a:ext cx="0" cy="0"/>
-          <a:chOff x="0" y="0"/>
-          <a:chExt cx="0" cy="0"/>
-        </a:xfrm>
-      </p:grpSpPr>
-      <p:sp>
-        <p:nvSpPr>
           <p:cNvPr id="32" name="Rectangle 31">
             <a:extLst>
               <a:ext uri="{FF2B5EF4-FFF2-40B4-BE49-F238E27FC236}">
@@ -6848,42 +8031,6 @@
       </p:sp>
       <p:pic>
         <p:nvPicPr>
-          <p:cNvPr id="9" name="Grafik 8">
-            <a:extLst>
-              <a:ext uri="{FF2B5EF4-FFF2-40B4-BE49-F238E27FC236}">
-                <a16:creationId xmlns:a16="http://schemas.microsoft.com/office/drawing/2014/main" id="{A7AD5915-C340-47EE-821B-8BE1509819DD}"/>
-              </a:ext>
-            </a:extLst>
-          </p:cNvPr>
-          <p:cNvPicPr>
-            <a:picLocks noChangeAspect="1"/>
-          </p:cNvPicPr>
-          <p:nvPr/>
-        </p:nvPicPr>
-        <p:blipFill>
-          <a:blip r:embed="rId2">
-            <a:extLst>
-              <a:ext uri="{28A0092B-C50C-407E-A947-70E740481C1C}">
-                <a14:useLocalDpi xmlns:a14="http://schemas.microsoft.com/office/drawing/2010/main" val="0"/>
-              </a:ext>
-            </a:extLst>
-          </a:blip>
-          <a:stretch>
-            <a:fillRect/>
-          </a:stretch>
-        </p:blipFill>
-        <p:spPr>
-          <a:xfrm>
-            <a:off x="556532" y="1388303"/>
-            <a:ext cx="6041216" cy="5469697"/>
-          </a:xfrm>
-          <a:prstGeom prst="rect">
-            <a:avLst/>
-          </a:prstGeom>
-        </p:spPr>
-      </p:pic>
-      <p:pic>
-        <p:nvPicPr>
           <p:cNvPr id="7" name="Grafik 6">
             <a:extLst>
               <a:ext uri="{FF2B5EF4-FFF2-40B4-BE49-F238E27FC236}">
@@ -6897,7 +8044,7 @@
           <p:nvPr/>
         </p:nvPicPr>
         <p:blipFill rotWithShape="1">
-          <a:blip r:embed="rId3"/>
+          <a:blip r:embed="rId2"/>
           <a:srcRect r="1" b="809"/>
           <a:stretch/>
         </p:blipFill>
@@ -6917,6 +8064,365 @@
             <a:extLst>
               <a:ext uri="{FF2B5EF4-FFF2-40B4-BE49-F238E27FC236}">
                 <a16:creationId xmlns:a16="http://schemas.microsoft.com/office/drawing/2014/main" id="{07668FD4-207E-43D4-84CC-3699E5369BE8}"/>
+              </a:ext>
+            </a:extLst>
+          </p:cNvPr>
+          <p:cNvSpPr>
+            <a:spLocks noGrp="1"/>
+          </p:cNvSpPr>
+          <p:nvPr>
+            <p:ph type="title"/>
+          </p:nvPr>
+        </p:nvSpPr>
+        <p:spPr>
+          <a:xfrm>
+            <a:off x="556532" y="643467"/>
+            <a:ext cx="11210925" cy="744836"/>
+          </a:xfrm>
+        </p:spPr>
+        <p:txBody>
+          <a:bodyPr vert="horz" lIns="91440" tIns="45720" rIns="91440" bIns="45720" rtlCol="0" anchor="ctr">
+            <a:normAutofit fontScale="90000"/>
+          </a:bodyPr>
+          <a:lstStyle/>
+          <a:p>
+            <a:r>
+              <a:rPr lang="en-US" altLang="zh-CN" sz="3200" kern="1200" dirty="0">
+                <a:solidFill>
+                  <a:schemeClr val="bg1"/>
+                </a:solidFill>
+                <a:latin typeface="+mj-lt"/>
+                <a:ea typeface="+mj-ea"/>
+                <a:cs typeface="+mj-cs"/>
+              </a:rPr>
+              <a:t>Plotting results</a:t>
+            </a:r>
+            <a:br>
+              <a:rPr lang="en-US" altLang="zh-CN" sz="3200" kern="1200" dirty="0">
+                <a:solidFill>
+                  <a:schemeClr val="bg1"/>
+                </a:solidFill>
+                <a:latin typeface="+mj-lt"/>
+                <a:ea typeface="+mj-ea"/>
+                <a:cs typeface="+mj-cs"/>
+              </a:rPr>
+            </a:br>
+            <a:r>
+              <a:rPr lang="en-US" altLang="zh-CN" sz="3200" b="1" dirty="0">
+                <a:solidFill>
+                  <a:srgbClr val="FF0000"/>
+                </a:solidFill>
+              </a:rPr>
+              <a:t>x</a:t>
+            </a:r>
+            <a:r>
+              <a:rPr lang="en-US" altLang="zh-CN" sz="3200" kern="1200" dirty="0">
+                <a:solidFill>
+                  <a:schemeClr val="bg1"/>
+                </a:solidFill>
+                <a:latin typeface="+mj-lt"/>
+                <a:ea typeface="+mj-ea"/>
+                <a:cs typeface="+mj-cs"/>
+              </a:rPr>
+              <a:t> </a:t>
+            </a:r>
+            <a:r>
+              <a:rPr lang="en-US" altLang="zh-CN" sz="3200" kern="1200" dirty="0">
+                <a:solidFill>
+                  <a:srgbClr val="FF0000"/>
+                </a:solidFill>
+                <a:latin typeface="+mj-lt"/>
+                <a:ea typeface="+mj-ea"/>
+                <a:cs typeface="+mj-cs"/>
+              </a:rPr>
+              <a:t>:</a:t>
+            </a:r>
+            <a:r>
+              <a:rPr lang="en-US" altLang="zh-CN" sz="3200" kern="1200" dirty="0">
+                <a:solidFill>
+                  <a:schemeClr val="bg1"/>
+                </a:solidFill>
+                <a:latin typeface="+mj-lt"/>
+                <a:ea typeface="+mj-ea"/>
+                <a:cs typeface="+mj-cs"/>
+              </a:rPr>
+              <a:t> </a:t>
+            </a:r>
+            <a:r>
+              <a:rPr lang="en-US" altLang="zh-CN" sz="3200" b="1" kern="1200" dirty="0">
+                <a:solidFill>
+                  <a:srgbClr val="FF0000"/>
+                </a:solidFill>
+                <a:latin typeface="+mj-lt"/>
+                <a:ea typeface="+mj-ea"/>
+                <a:cs typeface="+mj-cs"/>
+              </a:rPr>
+              <a:t>highest </a:t>
+            </a:r>
+            <a:r>
+              <a:rPr lang="en-US" altLang="zh-CN" sz="3200" b="1" kern="1200" dirty="0" err="1">
+                <a:solidFill>
+                  <a:srgbClr val="FF0000"/>
+                </a:solidFill>
+                <a:latin typeface="+mj-lt"/>
+                <a:ea typeface="+mj-ea"/>
+                <a:cs typeface="+mj-cs"/>
+              </a:rPr>
+              <a:t>sharpe</a:t>
+            </a:r>
+            <a:r>
+              <a:rPr lang="en-US" altLang="zh-CN" sz="3200" b="1" kern="1200" dirty="0">
+                <a:solidFill>
+                  <a:srgbClr val="FF0000"/>
+                </a:solidFill>
+                <a:latin typeface="+mj-lt"/>
+                <a:ea typeface="+mj-ea"/>
+                <a:cs typeface="+mj-cs"/>
+              </a:rPr>
+              <a:t> ratio </a:t>
+            </a:r>
+            <a:r>
+              <a:rPr lang="en-US" altLang="zh-CN" sz="3200" b="1" kern="1200" dirty="0">
+                <a:solidFill>
+                  <a:srgbClr val="FFFF00"/>
+                </a:solidFill>
+                <a:latin typeface="+mj-lt"/>
+                <a:ea typeface="+mj-ea"/>
+                <a:cs typeface="+mj-cs"/>
+              </a:rPr>
+              <a:t>x </a:t>
+            </a:r>
+            <a:r>
+              <a:rPr lang="en-US" altLang="zh-CN" sz="3200" b="1" dirty="0">
+                <a:solidFill>
+                  <a:srgbClr val="FFFF00"/>
+                </a:solidFill>
+              </a:rPr>
+              <a:t>:</a:t>
+            </a:r>
+            <a:r>
+              <a:rPr lang="en-US" altLang="zh-CN" sz="3200" kern="1200" dirty="0">
+                <a:solidFill>
+                  <a:schemeClr val="bg1"/>
+                </a:solidFill>
+                <a:latin typeface="+mj-lt"/>
+                <a:ea typeface="+mj-ea"/>
+                <a:cs typeface="+mj-cs"/>
+              </a:rPr>
+              <a:t> </a:t>
+            </a:r>
+            <a:r>
+              <a:rPr lang="en-US" altLang="zh-CN" sz="3200" b="1" kern="1200" dirty="0">
+                <a:solidFill>
+                  <a:srgbClr val="FFFF00"/>
+                </a:solidFill>
+                <a:latin typeface="+mj-lt"/>
+                <a:ea typeface="+mj-ea"/>
+                <a:cs typeface="+mj-cs"/>
+              </a:rPr>
+              <a:t>highest return </a:t>
+            </a:r>
+            <a:r>
+              <a:rPr lang="en-US" altLang="zh-CN" sz="3200" b="1" kern="1200" dirty="0">
+                <a:solidFill>
+                  <a:srgbClr val="00B0F0"/>
+                </a:solidFill>
+                <a:latin typeface="+mj-lt"/>
+                <a:ea typeface="+mj-ea"/>
+                <a:cs typeface="+mj-cs"/>
+              </a:rPr>
+              <a:t>x</a:t>
+            </a:r>
+            <a:r>
+              <a:rPr lang="en-US" altLang="zh-CN" sz="3200" kern="1200" dirty="0">
+                <a:solidFill>
+                  <a:schemeClr val="bg1"/>
+                </a:solidFill>
+                <a:latin typeface="+mj-lt"/>
+                <a:ea typeface="+mj-ea"/>
+                <a:cs typeface="+mj-cs"/>
+              </a:rPr>
+              <a:t> </a:t>
+            </a:r>
+            <a:r>
+              <a:rPr lang="en-US" altLang="zh-CN" sz="3200" kern="1200" dirty="0">
+                <a:solidFill>
+                  <a:srgbClr val="00B0F0"/>
+                </a:solidFill>
+                <a:latin typeface="+mj-lt"/>
+                <a:ea typeface="+mj-ea"/>
+                <a:cs typeface="+mj-cs"/>
+              </a:rPr>
+              <a:t>:</a:t>
+            </a:r>
+            <a:r>
+              <a:rPr lang="en-US" altLang="zh-CN" sz="3200" kern="1200" dirty="0">
+                <a:solidFill>
+                  <a:schemeClr val="bg1"/>
+                </a:solidFill>
+                <a:latin typeface="+mj-lt"/>
+                <a:ea typeface="+mj-ea"/>
+                <a:cs typeface="+mj-cs"/>
+              </a:rPr>
+              <a:t> </a:t>
+            </a:r>
+            <a:r>
+              <a:rPr lang="en-US" altLang="zh-CN" sz="3200" b="1" kern="1200" dirty="0">
+                <a:solidFill>
+                  <a:srgbClr val="00B0F0"/>
+                </a:solidFill>
+                <a:latin typeface="+mj-lt"/>
+                <a:ea typeface="+mj-ea"/>
+                <a:cs typeface="+mj-cs"/>
+              </a:rPr>
+              <a:t>lowest vol</a:t>
+            </a:r>
+          </a:p>
+        </p:txBody>
+      </p:sp>
+      <p:pic>
+        <p:nvPicPr>
+          <p:cNvPr id="4" name="Grafik 3">
+            <a:extLst>
+              <a:ext uri="{FF2B5EF4-FFF2-40B4-BE49-F238E27FC236}">
+                <a16:creationId xmlns:a16="http://schemas.microsoft.com/office/drawing/2014/main" id="{1D459B62-AB04-43F2-AEFF-340D7A6A48CF}"/>
+              </a:ext>
+            </a:extLst>
+          </p:cNvPr>
+          <p:cNvPicPr>
+            <a:picLocks noChangeAspect="1"/>
+          </p:cNvPicPr>
+          <p:nvPr/>
+        </p:nvPicPr>
+        <p:blipFill>
+          <a:blip r:embed="rId3">
+            <a:extLst>
+              <a:ext uri="{28A0092B-C50C-407E-A947-70E740481C1C}">
+                <a14:useLocalDpi xmlns:a14="http://schemas.microsoft.com/office/drawing/2010/main" val="0"/>
+              </a:ext>
+            </a:extLst>
+          </a:blip>
+          <a:stretch>
+            <a:fillRect/>
+          </a:stretch>
+        </p:blipFill>
+        <p:spPr>
+          <a:xfrm>
+            <a:off x="0" y="1388303"/>
+            <a:ext cx="6597748" cy="5594253"/>
+          </a:xfrm>
+          <a:prstGeom prst="rect">
+            <a:avLst/>
+          </a:prstGeom>
+        </p:spPr>
+      </p:pic>
+    </p:spTree>
+    <p:extLst>
+      <p:ext uri="{BB962C8B-B14F-4D97-AF65-F5344CB8AC3E}">
+        <p14:creationId xmlns:p14="http://schemas.microsoft.com/office/powerpoint/2010/main" val="877378179"/>
+      </p:ext>
+    </p:extLst>
+  </p:cSld>
+  <p:clrMapOvr>
+    <a:masterClrMapping/>
+  </p:clrMapOvr>
+</p:sld>
+</file>
+
+<file path=ppt/slides/slide9.xml><?xml version="1.0" encoding="utf-8"?>
+<p:sld xmlns:a="http://schemas.openxmlformats.org/drawingml/2006/main" xmlns:r="http://schemas.openxmlformats.org/officeDocument/2006/relationships" xmlns:p="http://schemas.openxmlformats.org/presentationml/2006/main">
+  <p:cSld>
+    <p:bg>
+      <p:bgPr>
+        <a:solidFill>
+          <a:schemeClr val="bg1"/>
+        </a:solidFill>
+        <a:effectLst/>
+      </p:bgPr>
+    </p:bg>
+    <p:spTree>
+      <p:nvGrpSpPr>
+        <p:cNvPr id="1" name=""/>
+        <p:cNvGrpSpPr/>
+        <p:nvPr/>
+      </p:nvGrpSpPr>
+      <p:grpSpPr>
+        <a:xfrm>
+          <a:off x="0" y="0"/>
+          <a:ext cx="0" cy="0"/>
+          <a:chOff x="0" y="0"/>
+          <a:chExt cx="0" cy="0"/>
+        </a:xfrm>
+      </p:grpSpPr>
+      <p:sp>
+        <p:nvSpPr>
+          <p:cNvPr id="17" name="Rectangle 16">
+            <a:extLst>
+              <a:ext uri="{FF2B5EF4-FFF2-40B4-BE49-F238E27FC236}">
+                <a16:creationId xmlns:a16="http://schemas.microsoft.com/office/drawing/2014/main" id="{A4AC5506-6312-4701-8D3C-40187889A947}"/>
+              </a:ext>
+              <a:ext uri="{C183D7F6-B498-43B3-948B-1728B52AA6E4}">
+                <adec:decorative xmlns:adec="http://schemas.microsoft.com/office/drawing/2017/decorative" val="1"/>
+              </a:ext>
+            </a:extLst>
+          </p:cNvPr>
+          <p:cNvSpPr>
+            <a:spLocks noGrp="1" noRot="1" noChangeAspect="1" noMove="1" noResize="1" noEditPoints="1" noAdjustHandles="1" noChangeArrowheads="1" noChangeShapeType="1" noTextEdit="1"/>
+          </p:cNvSpPr>
+          <p:nvPr>
+            <p:extLst>
+              <p:ext uri="{386F3935-93C4-4BCD-93E2-E3B085C9AB24}">
+                <p16:designElem xmlns:p16="http://schemas.microsoft.com/office/powerpoint/2015/main" val="1"/>
+              </p:ext>
+            </p:extLst>
+          </p:nvPr>
+        </p:nvSpPr>
+        <p:spPr>
+          <a:xfrm>
+            <a:off x="0" y="651752"/>
+            <a:ext cx="12192000" cy="736551"/>
+          </a:xfrm>
+          <a:prstGeom prst="rect">
+            <a:avLst/>
+          </a:prstGeom>
+          <a:solidFill>
+            <a:schemeClr val="tx1"/>
+          </a:solidFill>
+          <a:ln>
+            <a:noFill/>
+          </a:ln>
+        </p:spPr>
+        <p:style>
+          <a:lnRef idx="2">
+            <a:schemeClr val="accent1">
+              <a:shade val="50000"/>
+            </a:schemeClr>
+          </a:lnRef>
+          <a:fillRef idx="1">
+            <a:schemeClr val="accent1"/>
+          </a:fillRef>
+          <a:effectRef idx="0">
+            <a:schemeClr val="accent1"/>
+          </a:effectRef>
+          <a:fontRef idx="minor">
+            <a:schemeClr val="lt1"/>
+          </a:fontRef>
+        </p:style>
+        <p:txBody>
+          <a:bodyPr rtlCol="0" anchor="ctr"/>
+          <a:lstStyle/>
+          <a:p>
+            <a:pPr algn="ctr"/>
+            <a:endParaRPr lang="en-US"/>
+          </a:p>
+        </p:txBody>
+      </p:sp>
+      <p:sp>
+        <p:nvSpPr>
+          <p:cNvPr id="2" name="Titel 1">
+            <a:extLst>
+              <a:ext uri="{FF2B5EF4-FFF2-40B4-BE49-F238E27FC236}">
+                <a16:creationId xmlns:a16="http://schemas.microsoft.com/office/drawing/2014/main" id="{FEE40733-378C-4E91-B6DF-91694D00EF86}"/>
               </a:ext>
             </a:extLst>
           </p:cNvPr>
@@ -6941,7 +8447,15 @@
           <a:p>
             <a:pPr algn="ctr"/>
             <a:r>
-              <a:rPr lang="en-US" altLang="zh-CN" sz="3200" kern="1200">
+              <a:rPr lang="en-US" altLang="zh-CN" sz="2000" b="1" dirty="0">
+                <a:solidFill>
+                  <a:schemeClr val="bg1"/>
+                </a:solidFill>
+              </a:rPr>
+              <a:t>Allocation of the fund</a:t>
+            </a:r>
+            <a:br>
+              <a:rPr lang="en-US" altLang="zh-CN" sz="1000" kern="1200" dirty="0">
                 <a:solidFill>
                   <a:schemeClr val="bg1"/>
                 </a:solidFill>
@@ -6949,15 +8463,1987 @@
                 <a:ea typeface="+mj-ea"/>
                 <a:cs typeface="+mj-cs"/>
               </a:rPr>
-              <a:t>Plotting results</a:t>
-            </a:r>
+            </a:br>
+            <a:endParaRPr lang="en-US" altLang="zh-CN" sz="1000" kern="1200" dirty="0">
+              <a:solidFill>
+                <a:schemeClr val="bg1"/>
+              </a:solidFill>
+              <a:latin typeface="+mj-lt"/>
+              <a:ea typeface="+mj-ea"/>
+              <a:cs typeface="+mj-cs"/>
+            </a:endParaRPr>
           </a:p>
         </p:txBody>
       </p:sp>
+      <p:graphicFrame>
+        <p:nvGraphicFramePr>
+          <p:cNvPr id="4" name="Tabelle 3">
+            <a:extLst>
+              <a:ext uri="{FF2B5EF4-FFF2-40B4-BE49-F238E27FC236}">
+                <a16:creationId xmlns:a16="http://schemas.microsoft.com/office/drawing/2014/main" id="{E185A520-BA55-450D-87A1-EFDED0129688}"/>
+              </a:ext>
+            </a:extLst>
+          </p:cNvPr>
+          <p:cNvGraphicFramePr>
+            <a:graphicFrameLocks noGrp="1"/>
+          </p:cNvGraphicFramePr>
+          <p:nvPr>
+            <p:extLst>
+              <p:ext uri="{D42A27DB-BD31-4B8C-83A1-F6EECF244321}">
+                <p14:modId xmlns:p14="http://schemas.microsoft.com/office/powerpoint/2010/main" val="988987303"/>
+              </p:ext>
+            </p:extLst>
+          </p:nvPr>
+        </p:nvGraphicFramePr>
+        <p:xfrm>
+          <a:off x="1566394" y="1699846"/>
+          <a:ext cx="9059215" cy="4182326"/>
+        </p:xfrm>
+        <a:graphic>
+          <a:graphicData uri="http://schemas.openxmlformats.org/drawingml/2006/table">
+            <a:tbl>
+              <a:tblPr>
+                <a:tableStyleId>{616DA210-FB5B-4158-B5E0-FEB733F419BA}</a:tableStyleId>
+              </a:tblPr>
+              <a:tblGrid>
+                <a:gridCol w="1258868">
+                  <a:extLst>
+                    <a:ext uri="{9D8B030D-6E8A-4147-A177-3AD203B41FA5}">
+                      <a16:colId xmlns:a16="http://schemas.microsoft.com/office/drawing/2014/main" val="273019980"/>
+                    </a:ext>
+                  </a:extLst>
+                </a:gridCol>
+                <a:gridCol w="1650562">
+                  <a:extLst>
+                    <a:ext uri="{9D8B030D-6E8A-4147-A177-3AD203B41FA5}">
+                      <a16:colId xmlns:a16="http://schemas.microsoft.com/office/drawing/2014/main" val="1297217776"/>
+                    </a:ext>
+                  </a:extLst>
+                </a:gridCol>
+                <a:gridCol w="1712336">
+                  <a:extLst>
+                    <a:ext uri="{9D8B030D-6E8A-4147-A177-3AD203B41FA5}">
+                      <a16:colId xmlns:a16="http://schemas.microsoft.com/office/drawing/2014/main" val="2680820271"/>
+                    </a:ext>
+                  </a:extLst>
+                </a:gridCol>
+                <a:gridCol w="1394060">
+                  <a:extLst>
+                    <a:ext uri="{9D8B030D-6E8A-4147-A177-3AD203B41FA5}">
+                      <a16:colId xmlns:a16="http://schemas.microsoft.com/office/drawing/2014/main" val="3552398368"/>
+                    </a:ext>
+                  </a:extLst>
+                </a:gridCol>
+                <a:gridCol w="1649329">
+                  <a:extLst>
+                    <a:ext uri="{9D8B030D-6E8A-4147-A177-3AD203B41FA5}">
+                      <a16:colId xmlns:a16="http://schemas.microsoft.com/office/drawing/2014/main" val="738047655"/>
+                    </a:ext>
+                  </a:extLst>
+                </a:gridCol>
+                <a:gridCol w="1394060">
+                  <a:extLst>
+                    <a:ext uri="{9D8B030D-6E8A-4147-A177-3AD203B41FA5}">
+                      <a16:colId xmlns:a16="http://schemas.microsoft.com/office/drawing/2014/main" val="1642377820"/>
+                    </a:ext>
+                  </a:extLst>
+                </a:gridCol>
+              </a:tblGrid>
+              <a:tr h="366184">
+                <a:tc>
+                  <a:txBody>
+                    <a:bodyPr/>
+                    <a:lstStyle/>
+                    <a:p>
+                      <a:pPr algn="l" fontAlgn="ctr"/>
+                      <a:r>
+                        <a:rPr lang="de-DE" sz="1200" b="1" u="none" strike="noStrike" cap="none" spc="0" dirty="0" err="1">
+                          <a:solidFill>
+                            <a:schemeClr val="tx1"/>
+                          </a:solidFill>
+                          <a:effectLst/>
+                        </a:rPr>
+                        <a:t>Coins</a:t>
+                      </a:r>
+                      <a:endParaRPr lang="de-DE" sz="1200" b="1" i="0" u="none" strike="noStrike" cap="none" spc="0" dirty="0">
+                        <a:solidFill>
+                          <a:schemeClr val="tx1"/>
+                        </a:solidFill>
+                        <a:effectLst/>
+                        <a:latin typeface="等线" panose="02010600030101010101" pitchFamily="2" charset="-122"/>
+                        <a:ea typeface="等线" panose="02010600030101010101" pitchFamily="2" charset="-122"/>
+                      </a:endParaRPr>
+                    </a:p>
+                  </a:txBody>
+                  <a:tcPr marL="100571" marR="8059" marT="77363" marB="77363" anchor="ctr"/>
+                </a:tc>
+                <a:tc>
+                  <a:txBody>
+                    <a:bodyPr/>
+                    <a:lstStyle/>
+                    <a:p>
+                      <a:pPr marL="0" marR="0" lvl="0" indent="0" algn="l" defTabSz="914400" rtl="0" eaLnBrk="1" fontAlgn="ctr" latinLnBrk="0" hangingPunct="1">
+                        <a:lnSpc>
+                          <a:spcPct val="100000"/>
+                        </a:lnSpc>
+                        <a:spcBef>
+                          <a:spcPts val="0"/>
+                        </a:spcBef>
+                        <a:spcAft>
+                          <a:spcPts val="0"/>
+                        </a:spcAft>
+                        <a:buClrTx/>
+                        <a:buSzTx/>
+                        <a:buFontTx/>
+                        <a:buNone/>
+                        <a:tabLst/>
+                        <a:defRPr/>
+                      </a:pPr>
+                      <a:r>
+                        <a:rPr lang="de-DE" altLang="zh-CN" sz="1200" b="1" u="none" strike="noStrike" cap="none" spc="0" dirty="0">
+                          <a:solidFill>
+                            <a:schemeClr val="tx1"/>
+                          </a:solidFill>
+                          <a:effectLst/>
+                        </a:rPr>
+                        <a:t>Max Sharpe Ratio</a:t>
+                      </a:r>
+                    </a:p>
+                    <a:p>
+                      <a:pPr algn="l" fontAlgn="ctr"/>
+                      <a:endParaRPr lang="de-DE" sz="1200" b="1" i="0" u="none" strike="noStrike" cap="none" spc="0" dirty="0">
+                        <a:solidFill>
+                          <a:schemeClr val="tx1"/>
+                        </a:solidFill>
+                        <a:effectLst/>
+                        <a:latin typeface="等线" panose="02010600030101010101" pitchFamily="2" charset="-122"/>
+                        <a:ea typeface="等线" panose="02010600030101010101" pitchFamily="2" charset="-122"/>
+                      </a:endParaRPr>
+                    </a:p>
+                  </a:txBody>
+                  <a:tcPr marL="100571" marR="8059" marT="77363" marB="77363" anchor="ctr"/>
+                </a:tc>
+                <a:tc>
+                  <a:txBody>
+                    <a:bodyPr/>
+                    <a:lstStyle/>
+                    <a:p>
+                      <a:pPr algn="l" fontAlgn="ctr"/>
+                      <a:r>
+                        <a:rPr lang="de-DE" altLang="zh-CN" sz="1200" b="1" u="none" strike="noStrike" cap="none" spc="0" dirty="0">
+                          <a:solidFill>
+                            <a:schemeClr val="tx1"/>
+                          </a:solidFill>
+                          <a:effectLst/>
+                        </a:rPr>
+                        <a:t>Max Returns</a:t>
+                      </a:r>
+                      <a:endParaRPr lang="de-DE" altLang="zh-CN" sz="1200" b="1" i="0" u="none" strike="noStrike" cap="none" spc="0" dirty="0">
+                        <a:solidFill>
+                          <a:schemeClr val="tx1"/>
+                        </a:solidFill>
+                        <a:effectLst/>
+                        <a:latin typeface="Courier New" panose="02070309020205020404" pitchFamily="49" charset="0"/>
+                        <a:ea typeface="+mn-ea"/>
+                      </a:endParaRPr>
+                    </a:p>
+                  </a:txBody>
+                  <a:tcPr marL="100571" marR="8059" marT="77363" marB="77363" anchor="ctr"/>
+                </a:tc>
+                <a:tc>
+                  <a:txBody>
+                    <a:bodyPr/>
+                    <a:lstStyle/>
+                    <a:p>
+                      <a:pPr algn="l" fontAlgn="ctr"/>
+                      <a:r>
+                        <a:rPr lang="de-DE" altLang="zh-CN" sz="1200" b="1" u="none" strike="noStrike" cap="none" spc="0" dirty="0">
+                          <a:solidFill>
+                            <a:schemeClr val="tx1"/>
+                          </a:solidFill>
+                          <a:effectLst/>
+                        </a:rPr>
+                        <a:t>Min </a:t>
+                      </a:r>
+                      <a:r>
+                        <a:rPr lang="de-DE" altLang="zh-CN" sz="1200" b="1" u="none" strike="noStrike" cap="none" spc="0" dirty="0" err="1">
+                          <a:solidFill>
+                            <a:schemeClr val="tx1"/>
+                          </a:solidFill>
+                          <a:effectLst/>
+                        </a:rPr>
+                        <a:t>Volatility</a:t>
+                      </a:r>
+                      <a:endParaRPr lang="de-DE" altLang="zh-CN" sz="1200" b="1" i="0" u="none" strike="noStrike" cap="none" spc="0" dirty="0">
+                        <a:solidFill>
+                          <a:schemeClr val="tx1"/>
+                        </a:solidFill>
+                        <a:effectLst/>
+                        <a:latin typeface="等线" panose="02010600030101010101" pitchFamily="2" charset="-122"/>
+                        <a:ea typeface="+mn-ea"/>
+                      </a:endParaRPr>
+                    </a:p>
+                  </a:txBody>
+                  <a:tcPr marL="100571" marR="8059" marT="77363" marB="77363" anchor="ctr"/>
+                </a:tc>
+                <a:tc>
+                  <a:txBody>
+                    <a:bodyPr/>
+                    <a:lstStyle/>
+                    <a:p>
+                      <a:pPr algn="l" fontAlgn="ctr"/>
+                      <a:r>
+                        <a:rPr lang="de-DE" altLang="zh-CN" sz="1200" b="1" u="none" strike="noStrike" cap="none" spc="0" dirty="0">
+                          <a:solidFill>
+                            <a:schemeClr val="tx1"/>
+                          </a:solidFill>
+                          <a:effectLst/>
+                        </a:rPr>
+                        <a:t>Min Sharpe Ratio</a:t>
+                      </a:r>
+                      <a:endParaRPr lang="de-DE" altLang="zh-CN" sz="1200" b="1" i="0" u="none" strike="noStrike" cap="none" spc="0" dirty="0">
+                        <a:solidFill>
+                          <a:schemeClr val="tx1"/>
+                        </a:solidFill>
+                        <a:effectLst/>
+                        <a:latin typeface="等线" panose="02010600030101010101" pitchFamily="2" charset="-122"/>
+                        <a:ea typeface="+mn-ea"/>
+                      </a:endParaRPr>
+                    </a:p>
+                  </a:txBody>
+                  <a:tcPr marL="100571" marR="8059" marT="77363" marB="77363" anchor="ctr"/>
+                </a:tc>
+                <a:tc>
+                  <a:txBody>
+                    <a:bodyPr/>
+                    <a:lstStyle/>
+                    <a:p>
+                      <a:pPr algn="l" fontAlgn="ctr"/>
+                      <a:r>
+                        <a:rPr lang="de-DE" altLang="zh-CN" sz="1200" b="1" u="none" strike="noStrike" cap="none" spc="0" dirty="0">
+                          <a:solidFill>
+                            <a:schemeClr val="tx1"/>
+                          </a:solidFill>
+                          <a:effectLst/>
+                        </a:rPr>
+                        <a:t>Min Returns</a:t>
+                      </a:r>
+                      <a:endParaRPr lang="de-DE" altLang="zh-CN" sz="1200" b="1" i="0" u="none" strike="noStrike" cap="none" spc="0" dirty="0">
+                        <a:solidFill>
+                          <a:schemeClr val="tx1"/>
+                        </a:solidFill>
+                        <a:effectLst/>
+                        <a:latin typeface="等线" panose="02010600030101010101" pitchFamily="2" charset="-122"/>
+                        <a:ea typeface="+mn-ea"/>
+                      </a:endParaRPr>
+                    </a:p>
+                  </a:txBody>
+                  <a:tcPr marL="100571" marR="8059" marT="77363" marB="77363" anchor="ctr"/>
+                </a:tc>
+                <a:extLst>
+                  <a:ext uri="{0D108BD9-81ED-4DB2-BD59-A6C34878D82A}">
+                    <a16:rowId xmlns:a16="http://schemas.microsoft.com/office/drawing/2014/main" val="3351270727"/>
+                  </a:ext>
+                </a:extLst>
+              </a:tr>
+              <a:tr h="366184">
+                <a:tc>
+                  <a:txBody>
+                    <a:bodyPr/>
+                    <a:lstStyle/>
+                    <a:p>
+                      <a:pPr algn="l" fontAlgn="ctr"/>
+                      <a:r>
+                        <a:rPr lang="de-DE" sz="1200" b="1" u="none" strike="noStrike" cap="none" spc="0">
+                          <a:solidFill>
+                            <a:schemeClr val="tx1"/>
+                          </a:solidFill>
+                          <a:effectLst/>
+                        </a:rPr>
+                        <a:t>BTC</a:t>
+                      </a:r>
+                      <a:endParaRPr lang="de-DE" sz="1200" b="1" i="0" u="none" strike="noStrike" cap="none" spc="0">
+                        <a:solidFill>
+                          <a:schemeClr val="tx1"/>
+                        </a:solidFill>
+                        <a:effectLst/>
+                        <a:latin typeface="Courier New" panose="02070309020205020404" pitchFamily="49" charset="0"/>
+                        <a:ea typeface="等线" panose="02010600030101010101" pitchFamily="2" charset="-122"/>
+                      </a:endParaRPr>
+                    </a:p>
+                  </a:txBody>
+                  <a:tcPr marL="100571" marR="8059" marT="77363" marB="77363" anchor="ctr"/>
+                </a:tc>
+                <a:tc>
+                  <a:txBody>
+                    <a:bodyPr/>
+                    <a:lstStyle/>
+                    <a:p>
+                      <a:pPr algn="l" fontAlgn="ctr"/>
+                      <a:r>
+                        <a:rPr lang="en-US" altLang="zh-CN" sz="1200" b="1" u="none" strike="noStrike" cap="none" spc="0" dirty="0">
+                          <a:solidFill>
+                            <a:srgbClr val="00B0F0"/>
+                          </a:solidFill>
+                          <a:effectLst/>
+                        </a:rPr>
+                        <a:t>0.26</a:t>
+                      </a:r>
+                      <a:endParaRPr lang="en-US" altLang="zh-CN" sz="1200" b="1" i="0" u="none" strike="noStrike" cap="none" spc="0" dirty="0">
+                        <a:solidFill>
+                          <a:srgbClr val="00B0F0"/>
+                        </a:solidFill>
+                        <a:effectLst/>
+                        <a:latin typeface="Courier New" panose="02070309020205020404" pitchFamily="49" charset="0"/>
+                        <a:ea typeface="等线" panose="02010600030101010101" pitchFamily="2" charset="-122"/>
+                      </a:endParaRPr>
+                    </a:p>
+                  </a:txBody>
+                  <a:tcPr marL="100571" marR="8059" marT="77363" marB="77363" anchor="ctr"/>
+                </a:tc>
+                <a:tc>
+                  <a:txBody>
+                    <a:bodyPr/>
+                    <a:lstStyle/>
+                    <a:p>
+                      <a:pPr algn="l" fontAlgn="ctr"/>
+                      <a:r>
+                        <a:rPr lang="en-US" altLang="zh-CN" sz="1200" b="1" u="none" strike="noStrike" cap="none" spc="0" dirty="0">
+                          <a:solidFill>
+                            <a:srgbClr val="00B0F0"/>
+                          </a:solidFill>
+                          <a:effectLst/>
+                        </a:rPr>
+                        <a:t>0.24</a:t>
+                      </a:r>
+                      <a:endParaRPr lang="en-US" altLang="zh-CN" sz="1200" b="1" i="0" u="none" strike="noStrike" cap="none" spc="0" dirty="0">
+                        <a:solidFill>
+                          <a:srgbClr val="00B0F0"/>
+                        </a:solidFill>
+                        <a:effectLst/>
+                        <a:latin typeface="Courier New" panose="02070309020205020404" pitchFamily="49" charset="0"/>
+                        <a:ea typeface="等线" panose="02010600030101010101" pitchFamily="2" charset="-122"/>
+                      </a:endParaRPr>
+                    </a:p>
+                  </a:txBody>
+                  <a:tcPr marL="100571" marR="8059" marT="77363" marB="77363" anchor="ctr"/>
+                </a:tc>
+                <a:tc>
+                  <a:txBody>
+                    <a:bodyPr/>
+                    <a:lstStyle/>
+                    <a:p>
+                      <a:pPr algn="l" fontAlgn="ctr"/>
+                      <a:r>
+                        <a:rPr lang="en-US" altLang="zh-CN" sz="1200" b="1" u="none" strike="noStrike" cap="none" spc="0" dirty="0">
+                          <a:solidFill>
+                            <a:srgbClr val="00B0F0"/>
+                          </a:solidFill>
+                          <a:effectLst/>
+                        </a:rPr>
+                        <a:t>0.25</a:t>
+                      </a:r>
+                      <a:endParaRPr lang="en-US" altLang="zh-CN" sz="1200" b="1" i="0" u="none" strike="noStrike" cap="none" spc="0" dirty="0">
+                        <a:solidFill>
+                          <a:srgbClr val="00B0F0"/>
+                        </a:solidFill>
+                        <a:effectLst/>
+                        <a:latin typeface="Courier New" panose="02070309020205020404" pitchFamily="49" charset="0"/>
+                        <a:ea typeface="等线" panose="02010600030101010101" pitchFamily="2" charset="-122"/>
+                      </a:endParaRPr>
+                    </a:p>
+                  </a:txBody>
+                  <a:tcPr marL="100571" marR="8059" marT="77363" marB="77363" anchor="ctr"/>
+                </a:tc>
+                <a:tc>
+                  <a:txBody>
+                    <a:bodyPr/>
+                    <a:lstStyle/>
+                    <a:p>
+                      <a:pPr algn="l" fontAlgn="ctr"/>
+                      <a:r>
+                        <a:rPr lang="en-US" altLang="zh-CN" sz="1200" b="1" u="none" strike="noStrike" cap="none" spc="0" dirty="0">
+                          <a:solidFill>
+                            <a:srgbClr val="FF0000"/>
+                          </a:solidFill>
+                          <a:effectLst/>
+                        </a:rPr>
+                        <a:t>0.03</a:t>
+                      </a:r>
+                      <a:endParaRPr lang="en-US" altLang="zh-CN" sz="1200" b="1" i="0" u="none" strike="noStrike" cap="none" spc="0" dirty="0">
+                        <a:solidFill>
+                          <a:srgbClr val="FF0000"/>
+                        </a:solidFill>
+                        <a:effectLst/>
+                        <a:latin typeface="Courier New" panose="02070309020205020404" pitchFamily="49" charset="0"/>
+                        <a:ea typeface="等线" panose="02010600030101010101" pitchFamily="2" charset="-122"/>
+                      </a:endParaRPr>
+                    </a:p>
+                  </a:txBody>
+                  <a:tcPr marL="100571" marR="8059" marT="77363" marB="77363" anchor="ctr"/>
+                </a:tc>
+                <a:tc>
+                  <a:txBody>
+                    <a:bodyPr/>
+                    <a:lstStyle/>
+                    <a:p>
+                      <a:pPr algn="l" fontAlgn="ctr"/>
+                      <a:r>
+                        <a:rPr lang="en-US" altLang="zh-CN" sz="1200" b="1" u="none" strike="noStrike" cap="none" spc="0" dirty="0">
+                          <a:solidFill>
+                            <a:srgbClr val="FF0000"/>
+                          </a:solidFill>
+                          <a:effectLst/>
+                        </a:rPr>
+                        <a:t>0.00</a:t>
+                      </a:r>
+                      <a:endParaRPr lang="en-US" altLang="zh-CN" sz="1200" b="1" i="0" u="none" strike="noStrike" cap="none" spc="0" dirty="0">
+                        <a:solidFill>
+                          <a:srgbClr val="FF0000"/>
+                        </a:solidFill>
+                        <a:effectLst/>
+                        <a:latin typeface="Courier New" panose="02070309020205020404" pitchFamily="49" charset="0"/>
+                        <a:ea typeface="等线" panose="02010600030101010101" pitchFamily="2" charset="-122"/>
+                      </a:endParaRPr>
+                    </a:p>
+                  </a:txBody>
+                  <a:tcPr marL="100571" marR="8059" marT="77363" marB="77363" anchor="ctr"/>
+                </a:tc>
+                <a:extLst>
+                  <a:ext uri="{0D108BD9-81ED-4DB2-BD59-A6C34878D82A}">
+                    <a16:rowId xmlns:a16="http://schemas.microsoft.com/office/drawing/2014/main" val="2760061594"/>
+                  </a:ext>
+                </a:extLst>
+              </a:tr>
+              <a:tr h="366184">
+                <a:tc>
+                  <a:txBody>
+                    <a:bodyPr/>
+                    <a:lstStyle/>
+                    <a:p>
+                      <a:pPr algn="l" fontAlgn="ctr"/>
+                      <a:r>
+                        <a:rPr lang="de-DE" sz="1200" b="1" u="none" strike="noStrike" cap="none" spc="0">
+                          <a:solidFill>
+                            <a:schemeClr val="tx1"/>
+                          </a:solidFill>
+                          <a:effectLst/>
+                        </a:rPr>
+                        <a:t>ETH</a:t>
+                      </a:r>
+                      <a:endParaRPr lang="de-DE" sz="1200" b="1" i="0" u="none" strike="noStrike" cap="none" spc="0">
+                        <a:solidFill>
+                          <a:schemeClr val="tx1"/>
+                        </a:solidFill>
+                        <a:effectLst/>
+                        <a:latin typeface="等线" panose="02010600030101010101" pitchFamily="2" charset="-122"/>
+                        <a:ea typeface="等线" panose="02010600030101010101" pitchFamily="2" charset="-122"/>
+                      </a:endParaRPr>
+                    </a:p>
+                  </a:txBody>
+                  <a:tcPr marL="100571" marR="8059" marT="77363" marB="77363" anchor="ctr"/>
+                </a:tc>
+                <a:tc>
+                  <a:txBody>
+                    <a:bodyPr/>
+                    <a:lstStyle/>
+                    <a:p>
+                      <a:pPr algn="l" fontAlgn="ctr"/>
+                      <a:r>
+                        <a:rPr lang="en-US" altLang="zh-CN" sz="1200" u="none" strike="noStrike" cap="none" spc="0">
+                          <a:solidFill>
+                            <a:schemeClr val="tx1"/>
+                          </a:solidFill>
+                          <a:effectLst/>
+                        </a:rPr>
+                        <a:t>0.04</a:t>
+                      </a:r>
+                      <a:endParaRPr lang="en-US" altLang="zh-CN" sz="1200" b="0" i="0" u="none" strike="noStrike" cap="none" spc="0">
+                        <a:solidFill>
+                          <a:schemeClr val="tx1"/>
+                        </a:solidFill>
+                        <a:effectLst/>
+                        <a:latin typeface="Courier New" panose="02070309020205020404" pitchFamily="49" charset="0"/>
+                        <a:ea typeface="等线" panose="02010600030101010101" pitchFamily="2" charset="-122"/>
+                      </a:endParaRPr>
+                    </a:p>
+                  </a:txBody>
+                  <a:tcPr marL="100571" marR="8059" marT="77363" marB="77363" anchor="ctr"/>
+                </a:tc>
+                <a:tc>
+                  <a:txBody>
+                    <a:bodyPr/>
+                    <a:lstStyle/>
+                    <a:p>
+                      <a:pPr algn="l" fontAlgn="ctr"/>
+                      <a:r>
+                        <a:rPr lang="en-US" altLang="zh-CN" sz="1200" u="none" strike="noStrike" cap="none" spc="0">
+                          <a:solidFill>
+                            <a:schemeClr val="tx1"/>
+                          </a:solidFill>
+                          <a:effectLst/>
+                        </a:rPr>
+                        <a:t>0.00</a:t>
+                      </a:r>
+                      <a:endParaRPr lang="en-US" altLang="zh-CN" sz="1200" b="0" i="0" u="none" strike="noStrike" cap="none" spc="0">
+                        <a:solidFill>
+                          <a:schemeClr val="tx1"/>
+                        </a:solidFill>
+                        <a:effectLst/>
+                        <a:latin typeface="Courier New" panose="02070309020205020404" pitchFamily="49" charset="0"/>
+                        <a:ea typeface="等线" panose="02010600030101010101" pitchFamily="2" charset="-122"/>
+                      </a:endParaRPr>
+                    </a:p>
+                  </a:txBody>
+                  <a:tcPr marL="100571" marR="8059" marT="77363" marB="77363" anchor="ctr"/>
+                </a:tc>
+                <a:tc>
+                  <a:txBody>
+                    <a:bodyPr/>
+                    <a:lstStyle/>
+                    <a:p>
+                      <a:pPr algn="l" fontAlgn="ctr"/>
+                      <a:r>
+                        <a:rPr lang="en-US" altLang="zh-CN" sz="1200" u="none" strike="noStrike" cap="none" spc="0">
+                          <a:solidFill>
+                            <a:schemeClr val="tx1"/>
+                          </a:solidFill>
+                          <a:effectLst/>
+                        </a:rPr>
+                        <a:t>0.05</a:t>
+                      </a:r>
+                      <a:endParaRPr lang="en-US" altLang="zh-CN" sz="1200" b="0" i="0" u="none" strike="noStrike" cap="none" spc="0">
+                        <a:solidFill>
+                          <a:schemeClr val="tx1"/>
+                        </a:solidFill>
+                        <a:effectLst/>
+                        <a:latin typeface="Courier New" panose="02070309020205020404" pitchFamily="49" charset="0"/>
+                        <a:ea typeface="等线" panose="02010600030101010101" pitchFamily="2" charset="-122"/>
+                      </a:endParaRPr>
+                    </a:p>
+                  </a:txBody>
+                  <a:tcPr marL="100571" marR="8059" marT="77363" marB="77363" anchor="ctr"/>
+                </a:tc>
+                <a:tc>
+                  <a:txBody>
+                    <a:bodyPr/>
+                    <a:lstStyle/>
+                    <a:p>
+                      <a:pPr algn="l" fontAlgn="ctr"/>
+                      <a:r>
+                        <a:rPr lang="en-US" altLang="zh-CN" sz="1200" u="none" strike="noStrike" cap="none" spc="0">
+                          <a:solidFill>
+                            <a:schemeClr val="tx1"/>
+                          </a:solidFill>
+                          <a:effectLst/>
+                        </a:rPr>
+                        <a:t>0.08</a:t>
+                      </a:r>
+                      <a:endParaRPr lang="en-US" altLang="zh-CN" sz="1200" b="0" i="0" u="none" strike="noStrike" cap="none" spc="0">
+                        <a:solidFill>
+                          <a:schemeClr val="tx1"/>
+                        </a:solidFill>
+                        <a:effectLst/>
+                        <a:latin typeface="Courier New" panose="02070309020205020404" pitchFamily="49" charset="0"/>
+                        <a:ea typeface="等线" panose="02010600030101010101" pitchFamily="2" charset="-122"/>
+                      </a:endParaRPr>
+                    </a:p>
+                  </a:txBody>
+                  <a:tcPr marL="100571" marR="8059" marT="77363" marB="77363" anchor="ctr"/>
+                </a:tc>
+                <a:tc>
+                  <a:txBody>
+                    <a:bodyPr/>
+                    <a:lstStyle/>
+                    <a:p>
+                      <a:pPr algn="l" fontAlgn="ctr"/>
+                      <a:r>
+                        <a:rPr lang="en-US" altLang="zh-CN" sz="1200" u="none" strike="noStrike" cap="none" spc="0">
+                          <a:solidFill>
+                            <a:schemeClr val="tx1"/>
+                          </a:solidFill>
+                          <a:effectLst/>
+                        </a:rPr>
+                        <a:t>0.11</a:t>
+                      </a:r>
+                      <a:endParaRPr lang="en-US" altLang="zh-CN" sz="1200" b="0" i="0" u="none" strike="noStrike" cap="none" spc="0">
+                        <a:solidFill>
+                          <a:schemeClr val="tx1"/>
+                        </a:solidFill>
+                        <a:effectLst/>
+                        <a:latin typeface="Courier New" panose="02070309020205020404" pitchFamily="49" charset="0"/>
+                        <a:ea typeface="等线" panose="02010600030101010101" pitchFamily="2" charset="-122"/>
+                      </a:endParaRPr>
+                    </a:p>
+                  </a:txBody>
+                  <a:tcPr marL="100571" marR="8059" marT="77363" marB="77363" anchor="ctr"/>
+                </a:tc>
+                <a:extLst>
+                  <a:ext uri="{0D108BD9-81ED-4DB2-BD59-A6C34878D82A}">
+                    <a16:rowId xmlns:a16="http://schemas.microsoft.com/office/drawing/2014/main" val="2539952273"/>
+                  </a:ext>
+                </a:extLst>
+              </a:tr>
+              <a:tr h="366184">
+                <a:tc>
+                  <a:txBody>
+                    <a:bodyPr/>
+                    <a:lstStyle/>
+                    <a:p>
+                      <a:pPr algn="l" fontAlgn="ctr"/>
+                      <a:r>
+                        <a:rPr lang="de-DE" sz="1200" b="1" u="none" strike="noStrike" cap="none" spc="0">
+                          <a:solidFill>
+                            <a:schemeClr val="tx1"/>
+                          </a:solidFill>
+                          <a:effectLst/>
+                        </a:rPr>
+                        <a:t>XRP</a:t>
+                      </a:r>
+                      <a:endParaRPr lang="de-DE" sz="1200" b="1" i="0" u="none" strike="noStrike" cap="none" spc="0">
+                        <a:solidFill>
+                          <a:schemeClr val="tx1"/>
+                        </a:solidFill>
+                        <a:effectLst/>
+                        <a:latin typeface="等线" panose="02010600030101010101" pitchFamily="2" charset="-122"/>
+                        <a:ea typeface="等线" panose="02010600030101010101" pitchFamily="2" charset="-122"/>
+                      </a:endParaRPr>
+                    </a:p>
+                  </a:txBody>
+                  <a:tcPr marL="100571" marR="8059" marT="77363" marB="77363" anchor="ctr"/>
+                </a:tc>
+                <a:tc>
+                  <a:txBody>
+                    <a:bodyPr/>
+                    <a:lstStyle/>
+                    <a:p>
+                      <a:pPr algn="l" fontAlgn="ctr"/>
+                      <a:r>
+                        <a:rPr lang="en-US" altLang="zh-CN" sz="1200" u="none" strike="noStrike" cap="none" spc="0">
+                          <a:solidFill>
+                            <a:schemeClr val="tx1"/>
+                          </a:solidFill>
+                          <a:effectLst/>
+                        </a:rPr>
+                        <a:t>0.02</a:t>
+                      </a:r>
+                      <a:endParaRPr lang="en-US" altLang="zh-CN" sz="1200" b="0" i="0" u="none" strike="noStrike" cap="none" spc="0">
+                        <a:solidFill>
+                          <a:schemeClr val="tx1"/>
+                        </a:solidFill>
+                        <a:effectLst/>
+                        <a:latin typeface="Courier New" panose="02070309020205020404" pitchFamily="49" charset="0"/>
+                        <a:ea typeface="等线" panose="02010600030101010101" pitchFamily="2" charset="-122"/>
+                      </a:endParaRPr>
+                    </a:p>
+                  </a:txBody>
+                  <a:tcPr marL="100571" marR="8059" marT="77363" marB="77363" anchor="ctr"/>
+                </a:tc>
+                <a:tc>
+                  <a:txBody>
+                    <a:bodyPr/>
+                    <a:lstStyle/>
+                    <a:p>
+                      <a:pPr algn="l" fontAlgn="ctr"/>
+                      <a:r>
+                        <a:rPr lang="en-US" altLang="zh-CN" sz="1200" u="none" strike="noStrike" cap="none" spc="0">
+                          <a:solidFill>
+                            <a:schemeClr val="tx1"/>
+                          </a:solidFill>
+                          <a:effectLst/>
+                        </a:rPr>
+                        <a:t>0.05</a:t>
+                      </a:r>
+                      <a:endParaRPr lang="en-US" altLang="zh-CN" sz="1200" b="0" i="0" u="none" strike="noStrike" cap="none" spc="0">
+                        <a:solidFill>
+                          <a:schemeClr val="tx1"/>
+                        </a:solidFill>
+                        <a:effectLst/>
+                        <a:latin typeface="Courier New" panose="02070309020205020404" pitchFamily="49" charset="0"/>
+                        <a:ea typeface="等线" panose="02010600030101010101" pitchFamily="2" charset="-122"/>
+                      </a:endParaRPr>
+                    </a:p>
+                  </a:txBody>
+                  <a:tcPr marL="100571" marR="8059" marT="77363" marB="77363" anchor="ctr"/>
+                </a:tc>
+                <a:tc>
+                  <a:txBody>
+                    <a:bodyPr/>
+                    <a:lstStyle/>
+                    <a:p>
+                      <a:pPr algn="l" fontAlgn="ctr"/>
+                      <a:r>
+                        <a:rPr lang="en-US" altLang="zh-CN" sz="1200" b="1" u="none" strike="noStrike" cap="none" spc="0" dirty="0">
+                          <a:solidFill>
+                            <a:srgbClr val="00B0F0"/>
+                          </a:solidFill>
+                          <a:effectLst/>
+                        </a:rPr>
+                        <a:t>0.23</a:t>
+                      </a:r>
+                      <a:endParaRPr lang="en-US" altLang="zh-CN" sz="1200" b="1" i="0" u="none" strike="noStrike" cap="none" spc="0" dirty="0">
+                        <a:solidFill>
+                          <a:srgbClr val="00B0F0"/>
+                        </a:solidFill>
+                        <a:effectLst/>
+                        <a:latin typeface="Courier New" panose="02070309020205020404" pitchFamily="49" charset="0"/>
+                        <a:ea typeface="等线" panose="02010600030101010101" pitchFamily="2" charset="-122"/>
+                      </a:endParaRPr>
+                    </a:p>
+                  </a:txBody>
+                  <a:tcPr marL="100571" marR="8059" marT="77363" marB="77363" anchor="ctr"/>
+                </a:tc>
+                <a:tc>
+                  <a:txBody>
+                    <a:bodyPr/>
+                    <a:lstStyle/>
+                    <a:p>
+                      <a:pPr algn="l" fontAlgn="ctr"/>
+                      <a:r>
+                        <a:rPr lang="en-US" altLang="zh-CN" sz="1200" b="1" u="none" strike="noStrike" cap="none" spc="0" dirty="0">
+                          <a:solidFill>
+                            <a:srgbClr val="FF0000"/>
+                          </a:solidFill>
+                          <a:effectLst/>
+                        </a:rPr>
+                        <a:t>0.28</a:t>
+                      </a:r>
+                      <a:endParaRPr lang="en-US" altLang="zh-CN" sz="1200" b="1" i="0" u="none" strike="noStrike" cap="none" spc="0" dirty="0">
+                        <a:solidFill>
+                          <a:srgbClr val="FF0000"/>
+                        </a:solidFill>
+                        <a:effectLst/>
+                        <a:latin typeface="Courier New" panose="02070309020205020404" pitchFamily="49" charset="0"/>
+                        <a:ea typeface="等线" panose="02010600030101010101" pitchFamily="2" charset="-122"/>
+                      </a:endParaRPr>
+                    </a:p>
+                  </a:txBody>
+                  <a:tcPr marL="100571" marR="8059" marT="77363" marB="77363" anchor="ctr"/>
+                </a:tc>
+                <a:tc>
+                  <a:txBody>
+                    <a:bodyPr/>
+                    <a:lstStyle/>
+                    <a:p>
+                      <a:pPr algn="l" fontAlgn="ctr"/>
+                      <a:r>
+                        <a:rPr lang="en-US" altLang="zh-CN" sz="1200" b="1" u="none" strike="noStrike" cap="none" spc="0" dirty="0">
+                          <a:solidFill>
+                            <a:srgbClr val="FF0000"/>
+                          </a:solidFill>
+                          <a:effectLst/>
+                        </a:rPr>
+                        <a:t>0.24</a:t>
+                      </a:r>
+                      <a:endParaRPr lang="en-US" altLang="zh-CN" sz="1200" b="1" i="0" u="none" strike="noStrike" cap="none" spc="0" dirty="0">
+                        <a:solidFill>
+                          <a:srgbClr val="FF0000"/>
+                        </a:solidFill>
+                        <a:effectLst/>
+                        <a:latin typeface="Courier New" panose="02070309020205020404" pitchFamily="49" charset="0"/>
+                        <a:ea typeface="等线" panose="02010600030101010101" pitchFamily="2" charset="-122"/>
+                      </a:endParaRPr>
+                    </a:p>
+                  </a:txBody>
+                  <a:tcPr marL="100571" marR="8059" marT="77363" marB="77363" anchor="ctr"/>
+                </a:tc>
+                <a:extLst>
+                  <a:ext uri="{0D108BD9-81ED-4DB2-BD59-A6C34878D82A}">
+                    <a16:rowId xmlns:a16="http://schemas.microsoft.com/office/drawing/2014/main" val="1945954947"/>
+                  </a:ext>
+                </a:extLst>
+              </a:tr>
+              <a:tr h="366184">
+                <a:tc>
+                  <a:txBody>
+                    <a:bodyPr/>
+                    <a:lstStyle/>
+                    <a:p>
+                      <a:pPr algn="l" fontAlgn="ctr"/>
+                      <a:r>
+                        <a:rPr lang="de-DE" sz="1200" b="1" u="none" strike="noStrike" cap="none" spc="0">
+                          <a:solidFill>
+                            <a:schemeClr val="tx1"/>
+                          </a:solidFill>
+                          <a:effectLst/>
+                        </a:rPr>
+                        <a:t>ADA</a:t>
+                      </a:r>
+                      <a:endParaRPr lang="de-DE" sz="1200" b="1" i="0" u="none" strike="noStrike" cap="none" spc="0">
+                        <a:solidFill>
+                          <a:schemeClr val="tx1"/>
+                        </a:solidFill>
+                        <a:effectLst/>
+                        <a:latin typeface="等线" panose="02010600030101010101" pitchFamily="2" charset="-122"/>
+                        <a:ea typeface="等线" panose="02010600030101010101" pitchFamily="2" charset="-122"/>
+                      </a:endParaRPr>
+                    </a:p>
+                  </a:txBody>
+                  <a:tcPr marL="100571" marR="8059" marT="77363" marB="77363" anchor="ctr"/>
+                </a:tc>
+                <a:tc>
+                  <a:txBody>
+                    <a:bodyPr/>
+                    <a:lstStyle/>
+                    <a:p>
+                      <a:pPr algn="l" fontAlgn="ctr"/>
+                      <a:r>
+                        <a:rPr lang="en-US" altLang="zh-CN" sz="1200" u="none" strike="noStrike" cap="none" spc="0">
+                          <a:solidFill>
+                            <a:schemeClr val="tx1"/>
+                          </a:solidFill>
+                          <a:effectLst/>
+                        </a:rPr>
+                        <a:t>0.03</a:t>
+                      </a:r>
+                      <a:endParaRPr lang="en-US" altLang="zh-CN" sz="1200" b="0" i="0" u="none" strike="noStrike" cap="none" spc="0">
+                        <a:solidFill>
+                          <a:schemeClr val="tx1"/>
+                        </a:solidFill>
+                        <a:effectLst/>
+                        <a:latin typeface="Courier New" panose="02070309020205020404" pitchFamily="49" charset="0"/>
+                        <a:ea typeface="等线" panose="02010600030101010101" pitchFamily="2" charset="-122"/>
+                      </a:endParaRPr>
+                    </a:p>
+                  </a:txBody>
+                  <a:tcPr marL="100571" marR="8059" marT="77363" marB="77363" anchor="ctr"/>
+                </a:tc>
+                <a:tc>
+                  <a:txBody>
+                    <a:bodyPr/>
+                    <a:lstStyle/>
+                    <a:p>
+                      <a:pPr algn="l" fontAlgn="ctr"/>
+                      <a:r>
+                        <a:rPr lang="en-US" altLang="zh-CN" sz="1200" u="none" strike="noStrike" cap="none" spc="0" dirty="0">
+                          <a:solidFill>
+                            <a:schemeClr val="tx1"/>
+                          </a:solidFill>
+                          <a:effectLst/>
+                        </a:rPr>
+                        <a:t>0.10</a:t>
+                      </a:r>
+                      <a:endParaRPr lang="en-US" altLang="zh-CN" sz="1200" b="0" i="0" u="none" strike="noStrike" cap="none" spc="0" dirty="0">
+                        <a:solidFill>
+                          <a:schemeClr val="tx1"/>
+                        </a:solidFill>
+                        <a:effectLst/>
+                        <a:latin typeface="Courier New" panose="02070309020205020404" pitchFamily="49" charset="0"/>
+                        <a:ea typeface="等线" panose="02010600030101010101" pitchFamily="2" charset="-122"/>
+                      </a:endParaRPr>
+                    </a:p>
+                  </a:txBody>
+                  <a:tcPr marL="100571" marR="8059" marT="77363" marB="77363" anchor="ctr"/>
+                </a:tc>
+                <a:tc>
+                  <a:txBody>
+                    <a:bodyPr/>
+                    <a:lstStyle/>
+                    <a:p>
+                      <a:pPr algn="l" fontAlgn="ctr"/>
+                      <a:r>
+                        <a:rPr lang="en-US" altLang="zh-CN" sz="1200" u="none" strike="noStrike" cap="none" spc="0">
+                          <a:solidFill>
+                            <a:schemeClr val="tx1"/>
+                          </a:solidFill>
+                          <a:effectLst/>
+                        </a:rPr>
+                        <a:t>0.08</a:t>
+                      </a:r>
+                      <a:endParaRPr lang="en-US" altLang="zh-CN" sz="1200" b="0" i="0" u="none" strike="noStrike" cap="none" spc="0">
+                        <a:solidFill>
+                          <a:schemeClr val="tx1"/>
+                        </a:solidFill>
+                        <a:effectLst/>
+                        <a:latin typeface="Courier New" panose="02070309020205020404" pitchFamily="49" charset="0"/>
+                        <a:ea typeface="等线" panose="02010600030101010101" pitchFamily="2" charset="-122"/>
+                      </a:endParaRPr>
+                    </a:p>
+                  </a:txBody>
+                  <a:tcPr marL="100571" marR="8059" marT="77363" marB="77363" anchor="ctr"/>
+                </a:tc>
+                <a:tc>
+                  <a:txBody>
+                    <a:bodyPr/>
+                    <a:lstStyle/>
+                    <a:p>
+                      <a:pPr algn="l" fontAlgn="ctr"/>
+                      <a:r>
+                        <a:rPr lang="en-US" altLang="zh-CN" sz="1200" u="none" strike="noStrike" cap="none" spc="0">
+                          <a:solidFill>
+                            <a:schemeClr val="tx1"/>
+                          </a:solidFill>
+                          <a:effectLst/>
+                        </a:rPr>
+                        <a:t>0.04</a:t>
+                      </a:r>
+                      <a:endParaRPr lang="en-US" altLang="zh-CN" sz="1200" b="0" i="0" u="none" strike="noStrike" cap="none" spc="0">
+                        <a:solidFill>
+                          <a:schemeClr val="tx1"/>
+                        </a:solidFill>
+                        <a:effectLst/>
+                        <a:latin typeface="Courier New" panose="02070309020205020404" pitchFamily="49" charset="0"/>
+                        <a:ea typeface="等线" panose="02010600030101010101" pitchFamily="2" charset="-122"/>
+                      </a:endParaRPr>
+                    </a:p>
+                  </a:txBody>
+                  <a:tcPr marL="100571" marR="8059" marT="77363" marB="77363" anchor="ctr"/>
+                </a:tc>
+                <a:tc>
+                  <a:txBody>
+                    <a:bodyPr/>
+                    <a:lstStyle/>
+                    <a:p>
+                      <a:pPr algn="l" fontAlgn="ctr"/>
+                      <a:r>
+                        <a:rPr lang="en-US" altLang="zh-CN" sz="1200" u="none" strike="noStrike" cap="none" spc="0">
+                          <a:solidFill>
+                            <a:schemeClr val="tx1"/>
+                          </a:solidFill>
+                          <a:effectLst/>
+                        </a:rPr>
+                        <a:t>0.24</a:t>
+                      </a:r>
+                      <a:endParaRPr lang="en-US" altLang="zh-CN" sz="1200" b="0" i="0" u="none" strike="noStrike" cap="none" spc="0">
+                        <a:solidFill>
+                          <a:schemeClr val="tx1"/>
+                        </a:solidFill>
+                        <a:effectLst/>
+                        <a:latin typeface="Courier New" panose="02070309020205020404" pitchFamily="49" charset="0"/>
+                        <a:ea typeface="等线" panose="02010600030101010101" pitchFamily="2" charset="-122"/>
+                      </a:endParaRPr>
+                    </a:p>
+                  </a:txBody>
+                  <a:tcPr marL="100571" marR="8059" marT="77363" marB="77363" anchor="ctr"/>
+                </a:tc>
+                <a:extLst>
+                  <a:ext uri="{0D108BD9-81ED-4DB2-BD59-A6C34878D82A}">
+                    <a16:rowId xmlns:a16="http://schemas.microsoft.com/office/drawing/2014/main" val="3301862881"/>
+                  </a:ext>
+                </a:extLst>
+              </a:tr>
+              <a:tr h="366184">
+                <a:tc>
+                  <a:txBody>
+                    <a:bodyPr/>
+                    <a:lstStyle/>
+                    <a:p>
+                      <a:pPr algn="l" fontAlgn="ctr"/>
+                      <a:r>
+                        <a:rPr lang="de-DE" sz="1200" b="1" u="none" strike="noStrike" cap="none" spc="0">
+                          <a:solidFill>
+                            <a:schemeClr val="tx1"/>
+                          </a:solidFill>
+                          <a:effectLst/>
+                        </a:rPr>
+                        <a:t>LTC</a:t>
+                      </a:r>
+                      <a:endParaRPr lang="de-DE" sz="1200" b="1" i="0" u="none" strike="noStrike" cap="none" spc="0">
+                        <a:solidFill>
+                          <a:schemeClr val="tx1"/>
+                        </a:solidFill>
+                        <a:effectLst/>
+                        <a:latin typeface="等线" panose="02010600030101010101" pitchFamily="2" charset="-122"/>
+                        <a:ea typeface="等线" panose="02010600030101010101" pitchFamily="2" charset="-122"/>
+                      </a:endParaRPr>
+                    </a:p>
+                  </a:txBody>
+                  <a:tcPr marL="100571" marR="8059" marT="77363" marB="77363" anchor="ctr"/>
+                </a:tc>
+                <a:tc>
+                  <a:txBody>
+                    <a:bodyPr/>
+                    <a:lstStyle/>
+                    <a:p>
+                      <a:pPr algn="l" fontAlgn="ctr"/>
+                      <a:r>
+                        <a:rPr lang="en-US" altLang="zh-CN" sz="1200" u="none" strike="noStrike" cap="none" spc="0">
+                          <a:solidFill>
+                            <a:schemeClr val="tx1"/>
+                          </a:solidFill>
+                          <a:effectLst/>
+                        </a:rPr>
+                        <a:t>0.24</a:t>
+                      </a:r>
+                      <a:endParaRPr lang="en-US" altLang="zh-CN" sz="1200" b="0" i="0" u="none" strike="noStrike" cap="none" spc="0">
+                        <a:solidFill>
+                          <a:schemeClr val="tx1"/>
+                        </a:solidFill>
+                        <a:effectLst/>
+                        <a:latin typeface="Courier New" panose="02070309020205020404" pitchFamily="49" charset="0"/>
+                        <a:ea typeface="等线" panose="02010600030101010101" pitchFamily="2" charset="-122"/>
+                      </a:endParaRPr>
+                    </a:p>
+                  </a:txBody>
+                  <a:tcPr marL="100571" marR="8059" marT="77363" marB="77363" anchor="ctr"/>
+                </a:tc>
+                <a:tc>
+                  <a:txBody>
+                    <a:bodyPr/>
+                    <a:lstStyle/>
+                    <a:p>
+                      <a:pPr algn="l" fontAlgn="ctr"/>
+                      <a:r>
+                        <a:rPr lang="en-US" altLang="zh-CN" sz="1200" u="none" strike="noStrike" cap="none" spc="0">
+                          <a:solidFill>
+                            <a:schemeClr val="tx1"/>
+                          </a:solidFill>
+                          <a:effectLst/>
+                        </a:rPr>
+                        <a:t>0.05</a:t>
+                      </a:r>
+                      <a:endParaRPr lang="en-US" altLang="zh-CN" sz="1200" b="0" i="0" u="none" strike="noStrike" cap="none" spc="0">
+                        <a:solidFill>
+                          <a:schemeClr val="tx1"/>
+                        </a:solidFill>
+                        <a:effectLst/>
+                        <a:latin typeface="Courier New" panose="02070309020205020404" pitchFamily="49" charset="0"/>
+                        <a:ea typeface="等线" panose="02010600030101010101" pitchFamily="2" charset="-122"/>
+                      </a:endParaRPr>
+                    </a:p>
+                  </a:txBody>
+                  <a:tcPr marL="100571" marR="8059" marT="77363" marB="77363" anchor="ctr"/>
+                </a:tc>
+                <a:tc>
+                  <a:txBody>
+                    <a:bodyPr/>
+                    <a:lstStyle/>
+                    <a:p>
+                      <a:pPr algn="l" fontAlgn="ctr"/>
+                      <a:r>
+                        <a:rPr lang="en-US" altLang="zh-CN" sz="1200" u="none" strike="noStrike" cap="none" spc="0">
+                          <a:solidFill>
+                            <a:schemeClr val="tx1"/>
+                          </a:solidFill>
+                          <a:effectLst/>
+                        </a:rPr>
+                        <a:t>0.06</a:t>
+                      </a:r>
+                      <a:endParaRPr lang="en-US" altLang="zh-CN" sz="1200" b="0" i="0" u="none" strike="noStrike" cap="none" spc="0">
+                        <a:solidFill>
+                          <a:schemeClr val="tx1"/>
+                        </a:solidFill>
+                        <a:effectLst/>
+                        <a:latin typeface="Courier New" panose="02070309020205020404" pitchFamily="49" charset="0"/>
+                        <a:ea typeface="等线" panose="02010600030101010101" pitchFamily="2" charset="-122"/>
+                      </a:endParaRPr>
+                    </a:p>
+                  </a:txBody>
+                  <a:tcPr marL="100571" marR="8059" marT="77363" marB="77363" anchor="ctr"/>
+                </a:tc>
+                <a:tc>
+                  <a:txBody>
+                    <a:bodyPr/>
+                    <a:lstStyle/>
+                    <a:p>
+                      <a:pPr algn="l" fontAlgn="ctr"/>
+                      <a:r>
+                        <a:rPr lang="en-US" altLang="zh-CN" sz="1200" u="none" strike="noStrike" cap="none" spc="0">
+                          <a:solidFill>
+                            <a:schemeClr val="tx1"/>
+                          </a:solidFill>
+                          <a:effectLst/>
+                        </a:rPr>
+                        <a:t>0.05</a:t>
+                      </a:r>
+                      <a:endParaRPr lang="en-US" altLang="zh-CN" sz="1200" b="0" i="0" u="none" strike="noStrike" cap="none" spc="0">
+                        <a:solidFill>
+                          <a:schemeClr val="tx1"/>
+                        </a:solidFill>
+                        <a:effectLst/>
+                        <a:latin typeface="Courier New" panose="02070309020205020404" pitchFamily="49" charset="0"/>
+                        <a:ea typeface="等线" panose="02010600030101010101" pitchFamily="2" charset="-122"/>
+                      </a:endParaRPr>
+                    </a:p>
+                  </a:txBody>
+                  <a:tcPr marL="100571" marR="8059" marT="77363" marB="77363" anchor="ctr"/>
+                </a:tc>
+                <a:tc>
+                  <a:txBody>
+                    <a:bodyPr/>
+                    <a:lstStyle/>
+                    <a:p>
+                      <a:pPr algn="l" fontAlgn="ctr"/>
+                      <a:r>
+                        <a:rPr lang="en-US" altLang="zh-CN" sz="1200" u="none" strike="noStrike" cap="none" spc="0">
+                          <a:solidFill>
+                            <a:schemeClr val="tx1"/>
+                          </a:solidFill>
+                          <a:effectLst/>
+                        </a:rPr>
+                        <a:t>0.02</a:t>
+                      </a:r>
+                      <a:endParaRPr lang="en-US" altLang="zh-CN" sz="1200" b="0" i="0" u="none" strike="noStrike" cap="none" spc="0">
+                        <a:solidFill>
+                          <a:schemeClr val="tx1"/>
+                        </a:solidFill>
+                        <a:effectLst/>
+                        <a:latin typeface="Courier New" panose="02070309020205020404" pitchFamily="49" charset="0"/>
+                        <a:ea typeface="等线" panose="02010600030101010101" pitchFamily="2" charset="-122"/>
+                      </a:endParaRPr>
+                    </a:p>
+                  </a:txBody>
+                  <a:tcPr marL="100571" marR="8059" marT="77363" marB="77363" anchor="ctr"/>
+                </a:tc>
+                <a:extLst>
+                  <a:ext uri="{0D108BD9-81ED-4DB2-BD59-A6C34878D82A}">
+                    <a16:rowId xmlns:a16="http://schemas.microsoft.com/office/drawing/2014/main" val="1984080683"/>
+                  </a:ext>
+                </a:extLst>
+              </a:tr>
+              <a:tr h="366184">
+                <a:tc>
+                  <a:txBody>
+                    <a:bodyPr/>
+                    <a:lstStyle/>
+                    <a:p>
+                      <a:pPr algn="l" fontAlgn="ctr"/>
+                      <a:r>
+                        <a:rPr lang="de-DE" sz="1200" b="1" u="none" strike="noStrike" cap="none" spc="0">
+                          <a:solidFill>
+                            <a:schemeClr val="tx1"/>
+                          </a:solidFill>
+                          <a:effectLst/>
+                        </a:rPr>
+                        <a:t>BNB</a:t>
+                      </a:r>
+                      <a:endParaRPr lang="de-DE" sz="1200" b="1" i="0" u="none" strike="noStrike" cap="none" spc="0">
+                        <a:solidFill>
+                          <a:schemeClr val="tx1"/>
+                        </a:solidFill>
+                        <a:effectLst/>
+                        <a:latin typeface="等线" panose="02010600030101010101" pitchFamily="2" charset="-122"/>
+                        <a:ea typeface="等线" panose="02010600030101010101" pitchFamily="2" charset="-122"/>
+                      </a:endParaRPr>
+                    </a:p>
+                  </a:txBody>
+                  <a:tcPr marL="100571" marR="8059" marT="77363" marB="77363" anchor="ctr"/>
+                </a:tc>
+                <a:tc>
+                  <a:txBody>
+                    <a:bodyPr/>
+                    <a:lstStyle/>
+                    <a:p>
+                      <a:pPr algn="l" fontAlgn="ctr"/>
+                      <a:r>
+                        <a:rPr lang="en-US" altLang="zh-CN" sz="1200" b="1" u="none" strike="noStrike" cap="none" spc="0" dirty="0">
+                          <a:solidFill>
+                            <a:srgbClr val="00B0F0"/>
+                          </a:solidFill>
+                          <a:effectLst/>
+                        </a:rPr>
+                        <a:t>0.24</a:t>
+                      </a:r>
+                      <a:endParaRPr lang="en-US" altLang="zh-CN" sz="1200" b="1" i="0" u="none" strike="noStrike" cap="none" spc="0" dirty="0">
+                        <a:solidFill>
+                          <a:srgbClr val="00B0F0"/>
+                        </a:solidFill>
+                        <a:effectLst/>
+                        <a:latin typeface="Courier New" panose="02070309020205020404" pitchFamily="49" charset="0"/>
+                        <a:ea typeface="等线" panose="02010600030101010101" pitchFamily="2" charset="-122"/>
+                      </a:endParaRPr>
+                    </a:p>
+                  </a:txBody>
+                  <a:tcPr marL="100571" marR="8059" marT="77363" marB="77363" anchor="ctr"/>
+                </a:tc>
+                <a:tc>
+                  <a:txBody>
+                    <a:bodyPr/>
+                    <a:lstStyle/>
+                    <a:p>
+                      <a:pPr algn="l" fontAlgn="ctr"/>
+                      <a:r>
+                        <a:rPr lang="en-US" altLang="zh-CN" sz="1200" b="1" u="none" strike="noStrike" cap="none" spc="0" dirty="0">
+                          <a:solidFill>
+                            <a:srgbClr val="00B0F0"/>
+                          </a:solidFill>
+                          <a:effectLst/>
+                        </a:rPr>
+                        <a:t>0.27</a:t>
+                      </a:r>
+                      <a:endParaRPr lang="en-US" altLang="zh-CN" sz="1200" b="1" i="0" u="none" strike="noStrike" cap="none" spc="0" dirty="0">
+                        <a:solidFill>
+                          <a:srgbClr val="00B0F0"/>
+                        </a:solidFill>
+                        <a:effectLst/>
+                        <a:latin typeface="Courier New" panose="02070309020205020404" pitchFamily="49" charset="0"/>
+                        <a:ea typeface="等线" panose="02010600030101010101" pitchFamily="2" charset="-122"/>
+                      </a:endParaRPr>
+                    </a:p>
+                  </a:txBody>
+                  <a:tcPr marL="100571" marR="8059" marT="77363" marB="77363" anchor="ctr"/>
+                </a:tc>
+                <a:tc>
+                  <a:txBody>
+                    <a:bodyPr/>
+                    <a:lstStyle/>
+                    <a:p>
+                      <a:pPr algn="l" fontAlgn="ctr"/>
+                      <a:r>
+                        <a:rPr lang="en-US" altLang="zh-CN" sz="1200" b="1" u="none" strike="noStrike" cap="none" spc="0" dirty="0">
+                          <a:solidFill>
+                            <a:srgbClr val="00B0F0"/>
+                          </a:solidFill>
+                          <a:effectLst/>
+                        </a:rPr>
+                        <a:t>0.22</a:t>
+                      </a:r>
+                      <a:endParaRPr lang="en-US" altLang="zh-CN" sz="1200" b="1" i="0" u="none" strike="noStrike" cap="none" spc="0" dirty="0">
+                        <a:solidFill>
+                          <a:srgbClr val="00B0F0"/>
+                        </a:solidFill>
+                        <a:effectLst/>
+                        <a:latin typeface="Courier New" panose="02070309020205020404" pitchFamily="49" charset="0"/>
+                        <a:ea typeface="等线" panose="02010600030101010101" pitchFamily="2" charset="-122"/>
+                      </a:endParaRPr>
+                    </a:p>
+                  </a:txBody>
+                  <a:tcPr marL="100571" marR="8059" marT="77363" marB="77363" anchor="ctr"/>
+                </a:tc>
+                <a:tc>
+                  <a:txBody>
+                    <a:bodyPr/>
+                    <a:lstStyle/>
+                    <a:p>
+                      <a:pPr algn="l" fontAlgn="ctr"/>
+                      <a:r>
+                        <a:rPr lang="en-US" altLang="zh-CN" sz="1200" u="none" strike="noStrike" cap="none" spc="0" dirty="0">
+                          <a:solidFill>
+                            <a:schemeClr val="tx1"/>
+                          </a:solidFill>
+                          <a:effectLst/>
+                        </a:rPr>
+                        <a:t>0.01</a:t>
+                      </a:r>
+                      <a:endParaRPr lang="en-US" altLang="zh-CN" sz="1200" b="0" i="0" u="none" strike="noStrike" cap="none" spc="0" dirty="0">
+                        <a:solidFill>
+                          <a:schemeClr val="tx1"/>
+                        </a:solidFill>
+                        <a:effectLst/>
+                        <a:latin typeface="Courier New" panose="02070309020205020404" pitchFamily="49" charset="0"/>
+                        <a:ea typeface="等线" panose="02010600030101010101" pitchFamily="2" charset="-122"/>
+                      </a:endParaRPr>
+                    </a:p>
+                  </a:txBody>
+                  <a:tcPr marL="100571" marR="8059" marT="77363" marB="77363" anchor="ctr"/>
+                </a:tc>
+                <a:tc>
+                  <a:txBody>
+                    <a:bodyPr/>
+                    <a:lstStyle/>
+                    <a:p>
+                      <a:pPr algn="l" fontAlgn="ctr"/>
+                      <a:r>
+                        <a:rPr lang="en-US" altLang="zh-CN" sz="1200" u="none" strike="noStrike" cap="none" spc="0">
+                          <a:solidFill>
+                            <a:schemeClr val="tx1"/>
+                          </a:solidFill>
+                          <a:effectLst/>
+                        </a:rPr>
+                        <a:t>0.08</a:t>
+                      </a:r>
+                      <a:endParaRPr lang="en-US" altLang="zh-CN" sz="1200" b="0" i="0" u="none" strike="noStrike" cap="none" spc="0">
+                        <a:solidFill>
+                          <a:schemeClr val="tx1"/>
+                        </a:solidFill>
+                        <a:effectLst/>
+                        <a:latin typeface="Courier New" panose="02070309020205020404" pitchFamily="49" charset="0"/>
+                        <a:ea typeface="等线" panose="02010600030101010101" pitchFamily="2" charset="-122"/>
+                      </a:endParaRPr>
+                    </a:p>
+                  </a:txBody>
+                  <a:tcPr marL="100571" marR="8059" marT="77363" marB="77363" anchor="ctr"/>
+                </a:tc>
+                <a:extLst>
+                  <a:ext uri="{0D108BD9-81ED-4DB2-BD59-A6C34878D82A}">
+                    <a16:rowId xmlns:a16="http://schemas.microsoft.com/office/drawing/2014/main" val="2710964464"/>
+                  </a:ext>
+                </a:extLst>
+              </a:tr>
+              <a:tr h="366184">
+                <a:tc>
+                  <a:txBody>
+                    <a:bodyPr/>
+                    <a:lstStyle/>
+                    <a:p>
+                      <a:pPr algn="l" fontAlgn="ctr"/>
+                      <a:r>
+                        <a:rPr lang="de-DE" sz="1200" b="1" u="none" strike="noStrike" cap="none" spc="0">
+                          <a:solidFill>
+                            <a:schemeClr val="tx1"/>
+                          </a:solidFill>
+                          <a:effectLst/>
+                        </a:rPr>
+                        <a:t>BCH</a:t>
+                      </a:r>
+                      <a:endParaRPr lang="de-DE" sz="1200" b="1" i="0" u="none" strike="noStrike" cap="none" spc="0">
+                        <a:solidFill>
+                          <a:schemeClr val="tx1"/>
+                        </a:solidFill>
+                        <a:effectLst/>
+                        <a:latin typeface="等线" panose="02010600030101010101" pitchFamily="2" charset="-122"/>
+                        <a:ea typeface="等线" panose="02010600030101010101" pitchFamily="2" charset="-122"/>
+                      </a:endParaRPr>
+                    </a:p>
+                  </a:txBody>
+                  <a:tcPr marL="100571" marR="8059" marT="77363" marB="77363" anchor="ctr"/>
+                </a:tc>
+                <a:tc>
+                  <a:txBody>
+                    <a:bodyPr/>
+                    <a:lstStyle/>
+                    <a:p>
+                      <a:pPr algn="l" fontAlgn="ctr"/>
+                      <a:r>
+                        <a:rPr lang="en-US" altLang="zh-CN" sz="1200" u="none" strike="noStrike" cap="none" spc="0">
+                          <a:solidFill>
+                            <a:schemeClr val="tx1"/>
+                          </a:solidFill>
+                          <a:effectLst/>
+                        </a:rPr>
+                        <a:t>0.02</a:t>
+                      </a:r>
+                      <a:endParaRPr lang="en-US" altLang="zh-CN" sz="1200" b="0" i="0" u="none" strike="noStrike" cap="none" spc="0">
+                        <a:solidFill>
+                          <a:schemeClr val="tx1"/>
+                        </a:solidFill>
+                        <a:effectLst/>
+                        <a:latin typeface="Courier New" panose="02070309020205020404" pitchFamily="49" charset="0"/>
+                        <a:ea typeface="等线" panose="02010600030101010101" pitchFamily="2" charset="-122"/>
+                      </a:endParaRPr>
+                    </a:p>
+                  </a:txBody>
+                  <a:tcPr marL="100571" marR="8059" marT="77363" marB="77363" anchor="ctr"/>
+                </a:tc>
+                <a:tc>
+                  <a:txBody>
+                    <a:bodyPr/>
+                    <a:lstStyle/>
+                    <a:p>
+                      <a:pPr algn="l" fontAlgn="ctr"/>
+                      <a:r>
+                        <a:rPr lang="en-US" altLang="zh-CN" sz="1200" u="none" strike="noStrike" cap="none" spc="0">
+                          <a:solidFill>
+                            <a:schemeClr val="tx1"/>
+                          </a:solidFill>
+                          <a:effectLst/>
+                        </a:rPr>
+                        <a:t>0.21</a:t>
+                      </a:r>
+                      <a:endParaRPr lang="en-US" altLang="zh-CN" sz="1200" b="0" i="0" u="none" strike="noStrike" cap="none" spc="0">
+                        <a:solidFill>
+                          <a:schemeClr val="tx1"/>
+                        </a:solidFill>
+                        <a:effectLst/>
+                        <a:latin typeface="Courier New" panose="02070309020205020404" pitchFamily="49" charset="0"/>
+                        <a:ea typeface="等线" panose="02010600030101010101" pitchFamily="2" charset="-122"/>
+                      </a:endParaRPr>
+                    </a:p>
+                  </a:txBody>
+                  <a:tcPr marL="100571" marR="8059" marT="77363" marB="77363" anchor="ctr"/>
+                </a:tc>
+                <a:tc>
+                  <a:txBody>
+                    <a:bodyPr/>
+                    <a:lstStyle/>
+                    <a:p>
+                      <a:pPr algn="l" fontAlgn="ctr"/>
+                      <a:r>
+                        <a:rPr lang="en-US" altLang="zh-CN" sz="1200" u="none" strike="noStrike" cap="none" spc="0" dirty="0">
+                          <a:solidFill>
+                            <a:schemeClr val="tx1"/>
+                          </a:solidFill>
+                          <a:effectLst/>
+                        </a:rPr>
+                        <a:t>0.01</a:t>
+                      </a:r>
+                      <a:endParaRPr lang="en-US" altLang="zh-CN" sz="1200" b="0" i="0" u="none" strike="noStrike" cap="none" spc="0" dirty="0">
+                        <a:solidFill>
+                          <a:schemeClr val="tx1"/>
+                        </a:solidFill>
+                        <a:effectLst/>
+                        <a:latin typeface="Courier New" panose="02070309020205020404" pitchFamily="49" charset="0"/>
+                        <a:ea typeface="等线" panose="02010600030101010101" pitchFamily="2" charset="-122"/>
+                      </a:endParaRPr>
+                    </a:p>
+                  </a:txBody>
+                  <a:tcPr marL="100571" marR="8059" marT="77363" marB="77363" anchor="ctr"/>
+                </a:tc>
+                <a:tc>
+                  <a:txBody>
+                    <a:bodyPr/>
+                    <a:lstStyle/>
+                    <a:p>
+                      <a:pPr algn="l" fontAlgn="ctr"/>
+                      <a:r>
+                        <a:rPr lang="en-US" altLang="zh-CN" sz="1200" u="none" strike="noStrike" cap="none" spc="0">
+                          <a:solidFill>
+                            <a:schemeClr val="tx1"/>
+                          </a:solidFill>
+                          <a:effectLst/>
+                        </a:rPr>
+                        <a:t>0.07</a:t>
+                      </a:r>
+                      <a:endParaRPr lang="en-US" altLang="zh-CN" sz="1200" b="0" i="0" u="none" strike="noStrike" cap="none" spc="0">
+                        <a:solidFill>
+                          <a:schemeClr val="tx1"/>
+                        </a:solidFill>
+                        <a:effectLst/>
+                        <a:latin typeface="Courier New" panose="02070309020205020404" pitchFamily="49" charset="0"/>
+                        <a:ea typeface="等线" panose="02010600030101010101" pitchFamily="2" charset="-122"/>
+                      </a:endParaRPr>
+                    </a:p>
+                  </a:txBody>
+                  <a:tcPr marL="100571" marR="8059" marT="77363" marB="77363" anchor="ctr"/>
+                </a:tc>
+                <a:tc>
+                  <a:txBody>
+                    <a:bodyPr/>
+                    <a:lstStyle/>
+                    <a:p>
+                      <a:pPr algn="l" fontAlgn="ctr"/>
+                      <a:r>
+                        <a:rPr lang="en-US" altLang="zh-CN" sz="1200" u="none" strike="noStrike" cap="none" spc="0">
+                          <a:solidFill>
+                            <a:schemeClr val="tx1"/>
+                          </a:solidFill>
+                          <a:effectLst/>
+                        </a:rPr>
+                        <a:t>0.04</a:t>
+                      </a:r>
+                      <a:endParaRPr lang="en-US" altLang="zh-CN" sz="1200" b="0" i="0" u="none" strike="noStrike" cap="none" spc="0">
+                        <a:solidFill>
+                          <a:schemeClr val="tx1"/>
+                        </a:solidFill>
+                        <a:effectLst/>
+                        <a:latin typeface="Courier New" panose="02070309020205020404" pitchFamily="49" charset="0"/>
+                        <a:ea typeface="等线" panose="02010600030101010101" pitchFamily="2" charset="-122"/>
+                      </a:endParaRPr>
+                    </a:p>
+                  </a:txBody>
+                  <a:tcPr marL="100571" marR="8059" marT="77363" marB="77363" anchor="ctr"/>
+                </a:tc>
+                <a:extLst>
+                  <a:ext uri="{0D108BD9-81ED-4DB2-BD59-A6C34878D82A}">
+                    <a16:rowId xmlns:a16="http://schemas.microsoft.com/office/drawing/2014/main" val="3193547768"/>
+                  </a:ext>
+                </a:extLst>
+              </a:tr>
+              <a:tr h="366184">
+                <a:tc>
+                  <a:txBody>
+                    <a:bodyPr/>
+                    <a:lstStyle/>
+                    <a:p>
+                      <a:pPr algn="l" fontAlgn="ctr"/>
+                      <a:r>
+                        <a:rPr lang="de-DE" sz="1200" b="1" u="none" strike="noStrike" cap="none" spc="0">
+                          <a:solidFill>
+                            <a:schemeClr val="tx1"/>
+                          </a:solidFill>
+                          <a:effectLst/>
+                        </a:rPr>
+                        <a:t>Stellar</a:t>
+                      </a:r>
+                      <a:endParaRPr lang="de-DE" sz="1200" b="1" i="0" u="none" strike="noStrike" cap="none" spc="0">
+                        <a:solidFill>
+                          <a:schemeClr val="tx1"/>
+                        </a:solidFill>
+                        <a:effectLst/>
+                        <a:latin typeface="等线" panose="02010600030101010101" pitchFamily="2" charset="-122"/>
+                        <a:ea typeface="等线" panose="02010600030101010101" pitchFamily="2" charset="-122"/>
+                      </a:endParaRPr>
+                    </a:p>
+                  </a:txBody>
+                  <a:tcPr marL="100571" marR="8059" marT="77363" marB="77363" anchor="ctr"/>
+                </a:tc>
+                <a:tc>
+                  <a:txBody>
+                    <a:bodyPr/>
+                    <a:lstStyle/>
+                    <a:p>
+                      <a:pPr algn="l" fontAlgn="ctr"/>
+                      <a:r>
+                        <a:rPr lang="en-US" altLang="zh-CN" sz="1200" u="none" strike="noStrike" cap="none" spc="0">
+                          <a:solidFill>
+                            <a:schemeClr val="tx1"/>
+                          </a:solidFill>
+                          <a:effectLst/>
+                        </a:rPr>
+                        <a:t>0.06</a:t>
+                      </a:r>
+                      <a:endParaRPr lang="en-US" altLang="zh-CN" sz="1200" b="0" i="0" u="none" strike="noStrike" cap="none" spc="0">
+                        <a:solidFill>
+                          <a:schemeClr val="tx1"/>
+                        </a:solidFill>
+                        <a:effectLst/>
+                        <a:latin typeface="Courier New" panose="02070309020205020404" pitchFamily="49" charset="0"/>
+                        <a:ea typeface="等线" panose="02010600030101010101" pitchFamily="2" charset="-122"/>
+                      </a:endParaRPr>
+                    </a:p>
+                  </a:txBody>
+                  <a:tcPr marL="100571" marR="8059" marT="77363" marB="77363" anchor="ctr"/>
+                </a:tc>
+                <a:tc>
+                  <a:txBody>
+                    <a:bodyPr/>
+                    <a:lstStyle/>
+                    <a:p>
+                      <a:pPr algn="l" fontAlgn="ctr"/>
+                      <a:r>
+                        <a:rPr lang="en-US" altLang="zh-CN" sz="1200" u="none" strike="noStrike" cap="none" spc="0">
+                          <a:solidFill>
+                            <a:schemeClr val="tx1"/>
+                          </a:solidFill>
+                          <a:effectLst/>
+                        </a:rPr>
+                        <a:t>0.01</a:t>
+                      </a:r>
+                      <a:endParaRPr lang="en-US" altLang="zh-CN" sz="1200" b="0" i="0" u="none" strike="noStrike" cap="none" spc="0">
+                        <a:solidFill>
+                          <a:schemeClr val="tx1"/>
+                        </a:solidFill>
+                        <a:effectLst/>
+                        <a:latin typeface="Courier New" panose="02070309020205020404" pitchFamily="49" charset="0"/>
+                        <a:ea typeface="等线" panose="02010600030101010101" pitchFamily="2" charset="-122"/>
+                      </a:endParaRPr>
+                    </a:p>
+                  </a:txBody>
+                  <a:tcPr marL="100571" marR="8059" marT="77363" marB="77363" anchor="ctr"/>
+                </a:tc>
+                <a:tc>
+                  <a:txBody>
+                    <a:bodyPr/>
+                    <a:lstStyle/>
+                    <a:p>
+                      <a:pPr algn="l" fontAlgn="ctr"/>
+                      <a:r>
+                        <a:rPr lang="en-US" altLang="zh-CN" sz="1200" u="none" strike="noStrike" cap="none" spc="0">
+                          <a:solidFill>
+                            <a:schemeClr val="tx1"/>
+                          </a:solidFill>
+                          <a:effectLst/>
+                        </a:rPr>
+                        <a:t>0.02</a:t>
+                      </a:r>
+                      <a:endParaRPr lang="en-US" altLang="zh-CN" sz="1200" b="0" i="0" u="none" strike="noStrike" cap="none" spc="0">
+                        <a:solidFill>
+                          <a:schemeClr val="tx1"/>
+                        </a:solidFill>
+                        <a:effectLst/>
+                        <a:latin typeface="Courier New" panose="02070309020205020404" pitchFamily="49" charset="0"/>
+                        <a:ea typeface="等线" panose="02010600030101010101" pitchFamily="2" charset="-122"/>
+                      </a:endParaRPr>
+                    </a:p>
+                  </a:txBody>
+                  <a:tcPr marL="100571" marR="8059" marT="77363" marB="77363" anchor="ctr"/>
+                </a:tc>
+                <a:tc>
+                  <a:txBody>
+                    <a:bodyPr/>
+                    <a:lstStyle/>
+                    <a:p>
+                      <a:pPr algn="l" fontAlgn="ctr"/>
+                      <a:r>
+                        <a:rPr lang="en-US" altLang="zh-CN" sz="1200" b="1" u="none" strike="noStrike" cap="none" spc="0" dirty="0">
+                          <a:solidFill>
+                            <a:srgbClr val="FF0000"/>
+                          </a:solidFill>
+                          <a:effectLst/>
+                        </a:rPr>
+                        <a:t>0.40</a:t>
+                      </a:r>
+                      <a:endParaRPr lang="en-US" altLang="zh-CN" sz="1200" b="1" i="0" u="none" strike="noStrike" cap="none" spc="0" dirty="0">
+                        <a:solidFill>
+                          <a:srgbClr val="FF0000"/>
+                        </a:solidFill>
+                        <a:effectLst/>
+                        <a:latin typeface="Courier New" panose="02070309020205020404" pitchFamily="49" charset="0"/>
+                        <a:ea typeface="等线" panose="02010600030101010101" pitchFamily="2" charset="-122"/>
+                      </a:endParaRPr>
+                    </a:p>
+                  </a:txBody>
+                  <a:tcPr marL="100571" marR="8059" marT="77363" marB="77363" anchor="ctr"/>
+                </a:tc>
+                <a:tc>
+                  <a:txBody>
+                    <a:bodyPr/>
+                    <a:lstStyle/>
+                    <a:p>
+                      <a:pPr algn="l" fontAlgn="ctr"/>
+                      <a:r>
+                        <a:rPr lang="en-US" altLang="zh-CN" sz="1200" b="1" u="none" strike="noStrike" cap="none" spc="0" dirty="0">
+                          <a:solidFill>
+                            <a:srgbClr val="FF0000"/>
+                          </a:solidFill>
+                          <a:effectLst/>
+                        </a:rPr>
+                        <a:t>0.21</a:t>
+                      </a:r>
+                      <a:endParaRPr lang="en-US" altLang="zh-CN" sz="1200" b="1" i="0" u="none" strike="noStrike" cap="none" spc="0" dirty="0">
+                        <a:solidFill>
+                          <a:srgbClr val="FF0000"/>
+                        </a:solidFill>
+                        <a:effectLst/>
+                        <a:latin typeface="Courier New" panose="02070309020205020404" pitchFamily="49" charset="0"/>
+                        <a:ea typeface="等线" panose="02010600030101010101" pitchFamily="2" charset="-122"/>
+                      </a:endParaRPr>
+                    </a:p>
+                  </a:txBody>
+                  <a:tcPr marL="100571" marR="8059" marT="77363" marB="77363" anchor="ctr"/>
+                </a:tc>
+                <a:extLst>
+                  <a:ext uri="{0D108BD9-81ED-4DB2-BD59-A6C34878D82A}">
+                    <a16:rowId xmlns:a16="http://schemas.microsoft.com/office/drawing/2014/main" val="2502167876"/>
+                  </a:ext>
+                </a:extLst>
+              </a:tr>
+              <a:tr h="366184">
+                <a:tc>
+                  <a:txBody>
+                    <a:bodyPr/>
+                    <a:lstStyle/>
+                    <a:p>
+                      <a:pPr algn="l" fontAlgn="ctr"/>
+                      <a:r>
+                        <a:rPr lang="de-DE" sz="1200" b="1" u="none" strike="noStrike" cap="none" spc="0">
+                          <a:solidFill>
+                            <a:schemeClr val="tx1"/>
+                          </a:solidFill>
+                          <a:effectLst/>
+                        </a:rPr>
+                        <a:t>BSV</a:t>
+                      </a:r>
+                      <a:endParaRPr lang="de-DE" sz="1200" b="1" i="0" u="none" strike="noStrike" cap="none" spc="0">
+                        <a:solidFill>
+                          <a:schemeClr val="tx1"/>
+                        </a:solidFill>
+                        <a:effectLst/>
+                        <a:latin typeface="等线" panose="02010600030101010101" pitchFamily="2" charset="-122"/>
+                        <a:ea typeface="等线" panose="02010600030101010101" pitchFamily="2" charset="-122"/>
+                      </a:endParaRPr>
+                    </a:p>
+                  </a:txBody>
+                  <a:tcPr marL="100571" marR="8059" marT="77363" marB="77363" anchor="ctr"/>
+                </a:tc>
+                <a:tc>
+                  <a:txBody>
+                    <a:bodyPr/>
+                    <a:lstStyle/>
+                    <a:p>
+                      <a:pPr algn="l" fontAlgn="ctr"/>
+                      <a:r>
+                        <a:rPr lang="en-US" altLang="zh-CN" sz="1200" u="none" strike="noStrike" cap="none" spc="0">
+                          <a:solidFill>
+                            <a:schemeClr val="tx1"/>
+                          </a:solidFill>
+                          <a:effectLst/>
+                        </a:rPr>
+                        <a:t>0.06</a:t>
+                      </a:r>
+                      <a:endParaRPr lang="en-US" altLang="zh-CN" sz="1200" b="0" i="0" u="none" strike="noStrike" cap="none" spc="0">
+                        <a:solidFill>
+                          <a:schemeClr val="tx1"/>
+                        </a:solidFill>
+                        <a:effectLst/>
+                        <a:latin typeface="Courier New" panose="02070309020205020404" pitchFamily="49" charset="0"/>
+                        <a:ea typeface="等线" panose="02010600030101010101" pitchFamily="2" charset="-122"/>
+                      </a:endParaRPr>
+                    </a:p>
+                  </a:txBody>
+                  <a:tcPr marL="100571" marR="8059" marT="77363" marB="77363" anchor="ctr"/>
+                </a:tc>
+                <a:tc>
+                  <a:txBody>
+                    <a:bodyPr/>
+                    <a:lstStyle/>
+                    <a:p>
+                      <a:pPr algn="l" fontAlgn="ctr"/>
+                      <a:r>
+                        <a:rPr lang="en-US" altLang="zh-CN" sz="1200" u="none" strike="noStrike" cap="none" spc="0">
+                          <a:solidFill>
+                            <a:schemeClr val="tx1"/>
+                          </a:solidFill>
+                          <a:effectLst/>
+                        </a:rPr>
+                        <a:t>0.03</a:t>
+                      </a:r>
+                      <a:endParaRPr lang="en-US" altLang="zh-CN" sz="1200" b="0" i="0" u="none" strike="noStrike" cap="none" spc="0">
+                        <a:solidFill>
+                          <a:schemeClr val="tx1"/>
+                        </a:solidFill>
+                        <a:effectLst/>
+                        <a:latin typeface="Courier New" panose="02070309020205020404" pitchFamily="49" charset="0"/>
+                        <a:ea typeface="等线" panose="02010600030101010101" pitchFamily="2" charset="-122"/>
+                      </a:endParaRPr>
+                    </a:p>
+                  </a:txBody>
+                  <a:tcPr marL="100571" marR="8059" marT="77363" marB="77363" anchor="ctr"/>
+                </a:tc>
+                <a:tc>
+                  <a:txBody>
+                    <a:bodyPr/>
+                    <a:lstStyle/>
+                    <a:p>
+                      <a:pPr algn="l" fontAlgn="ctr"/>
+                      <a:r>
+                        <a:rPr lang="en-US" altLang="zh-CN" sz="1200" u="none" strike="noStrike" cap="none" spc="0">
+                          <a:solidFill>
+                            <a:schemeClr val="tx1"/>
+                          </a:solidFill>
+                          <a:effectLst/>
+                        </a:rPr>
+                        <a:t>0.08</a:t>
+                      </a:r>
+                      <a:endParaRPr lang="en-US" altLang="zh-CN" sz="1200" b="0" i="0" u="none" strike="noStrike" cap="none" spc="0">
+                        <a:solidFill>
+                          <a:schemeClr val="tx1"/>
+                        </a:solidFill>
+                        <a:effectLst/>
+                        <a:latin typeface="Courier New" panose="02070309020205020404" pitchFamily="49" charset="0"/>
+                        <a:ea typeface="等线" panose="02010600030101010101" pitchFamily="2" charset="-122"/>
+                      </a:endParaRPr>
+                    </a:p>
+                  </a:txBody>
+                  <a:tcPr marL="100571" marR="8059" marT="77363" marB="77363" anchor="ctr"/>
+                </a:tc>
+                <a:tc>
+                  <a:txBody>
+                    <a:bodyPr/>
+                    <a:lstStyle/>
+                    <a:p>
+                      <a:pPr algn="l" fontAlgn="ctr"/>
+                      <a:r>
+                        <a:rPr lang="en-US" altLang="zh-CN" sz="1200" u="none" strike="noStrike" cap="none" spc="0">
+                          <a:solidFill>
+                            <a:schemeClr val="tx1"/>
+                          </a:solidFill>
+                          <a:effectLst/>
+                        </a:rPr>
+                        <a:t>0.04</a:t>
+                      </a:r>
+                      <a:endParaRPr lang="en-US" altLang="zh-CN" sz="1200" b="0" i="0" u="none" strike="noStrike" cap="none" spc="0">
+                        <a:solidFill>
+                          <a:schemeClr val="tx1"/>
+                        </a:solidFill>
+                        <a:effectLst/>
+                        <a:latin typeface="Courier New" panose="02070309020205020404" pitchFamily="49" charset="0"/>
+                        <a:ea typeface="等线" panose="02010600030101010101" pitchFamily="2" charset="-122"/>
+                      </a:endParaRPr>
+                    </a:p>
+                  </a:txBody>
+                  <a:tcPr marL="100571" marR="8059" marT="77363" marB="77363" anchor="ctr"/>
+                </a:tc>
+                <a:tc>
+                  <a:txBody>
+                    <a:bodyPr/>
+                    <a:lstStyle/>
+                    <a:p>
+                      <a:pPr algn="l" fontAlgn="ctr"/>
+                      <a:r>
+                        <a:rPr lang="en-US" altLang="zh-CN" sz="1200" u="none" strike="noStrike" cap="none" spc="0">
+                          <a:solidFill>
+                            <a:schemeClr val="tx1"/>
+                          </a:solidFill>
+                          <a:effectLst/>
+                        </a:rPr>
+                        <a:t>0.03</a:t>
+                      </a:r>
+                      <a:endParaRPr lang="en-US" altLang="zh-CN" sz="1200" b="0" i="0" u="none" strike="noStrike" cap="none" spc="0">
+                        <a:solidFill>
+                          <a:schemeClr val="tx1"/>
+                        </a:solidFill>
+                        <a:effectLst/>
+                        <a:latin typeface="Courier New" panose="02070309020205020404" pitchFamily="49" charset="0"/>
+                        <a:ea typeface="等线" panose="02010600030101010101" pitchFamily="2" charset="-122"/>
+                      </a:endParaRPr>
+                    </a:p>
+                  </a:txBody>
+                  <a:tcPr marL="100571" marR="8059" marT="77363" marB="77363" anchor="ctr"/>
+                </a:tc>
+                <a:extLst>
+                  <a:ext uri="{0D108BD9-81ED-4DB2-BD59-A6C34878D82A}">
+                    <a16:rowId xmlns:a16="http://schemas.microsoft.com/office/drawing/2014/main" val="1189847786"/>
+                  </a:ext>
+                </a:extLst>
+              </a:tr>
+              <a:tr h="366184">
+                <a:tc>
+                  <a:txBody>
+                    <a:bodyPr/>
+                    <a:lstStyle/>
+                    <a:p>
+                      <a:pPr algn="l" fontAlgn="ctr"/>
+                      <a:r>
+                        <a:rPr lang="de-DE" sz="1200" b="1" u="none" strike="noStrike" cap="none" spc="0" dirty="0">
+                          <a:solidFill>
+                            <a:schemeClr val="tx1"/>
+                          </a:solidFill>
+                          <a:effectLst/>
+                        </a:rPr>
+                        <a:t>EOS</a:t>
+                      </a:r>
+                      <a:endParaRPr lang="de-DE" sz="1200" b="1" i="0" u="none" strike="noStrike" cap="none" spc="0" dirty="0">
+                        <a:solidFill>
+                          <a:schemeClr val="tx1"/>
+                        </a:solidFill>
+                        <a:effectLst/>
+                        <a:latin typeface="等线" panose="02010600030101010101" pitchFamily="2" charset="-122"/>
+                        <a:ea typeface="等线" panose="02010600030101010101" pitchFamily="2" charset="-122"/>
+                      </a:endParaRPr>
+                    </a:p>
+                  </a:txBody>
+                  <a:tcPr marL="100571" marR="8059" marT="77363" marB="77363" anchor="ctr"/>
+                </a:tc>
+                <a:tc>
+                  <a:txBody>
+                    <a:bodyPr/>
+                    <a:lstStyle/>
+                    <a:p>
+                      <a:pPr algn="l" fontAlgn="ctr"/>
+                      <a:r>
+                        <a:rPr lang="en-US" altLang="zh-CN" sz="1200" u="none" strike="noStrike" cap="none" spc="0">
+                          <a:solidFill>
+                            <a:schemeClr val="tx1"/>
+                          </a:solidFill>
+                          <a:effectLst/>
+                        </a:rPr>
+                        <a:t>0.04</a:t>
+                      </a:r>
+                      <a:endParaRPr lang="en-US" altLang="zh-CN" sz="1200" b="0" i="0" u="none" strike="noStrike" cap="none" spc="0">
+                        <a:solidFill>
+                          <a:schemeClr val="tx1"/>
+                        </a:solidFill>
+                        <a:effectLst/>
+                        <a:latin typeface="Courier New" panose="02070309020205020404" pitchFamily="49" charset="0"/>
+                        <a:ea typeface="等线" panose="02010600030101010101" pitchFamily="2" charset="-122"/>
+                      </a:endParaRPr>
+                    </a:p>
+                  </a:txBody>
+                  <a:tcPr marL="100571" marR="8059" marT="77363" marB="77363" anchor="ctr"/>
+                </a:tc>
+                <a:tc>
+                  <a:txBody>
+                    <a:bodyPr/>
+                    <a:lstStyle/>
+                    <a:p>
+                      <a:pPr algn="l" fontAlgn="ctr"/>
+                      <a:r>
+                        <a:rPr lang="en-US" altLang="zh-CN" sz="1200" u="none" strike="noStrike" cap="none" spc="0">
+                          <a:solidFill>
+                            <a:schemeClr val="tx1"/>
+                          </a:solidFill>
+                          <a:effectLst/>
+                        </a:rPr>
+                        <a:t>0.03</a:t>
+                      </a:r>
+                      <a:endParaRPr lang="en-US" altLang="zh-CN" sz="1200" b="0" i="0" u="none" strike="noStrike" cap="none" spc="0">
+                        <a:solidFill>
+                          <a:schemeClr val="tx1"/>
+                        </a:solidFill>
+                        <a:effectLst/>
+                        <a:latin typeface="Courier New" panose="02070309020205020404" pitchFamily="49" charset="0"/>
+                        <a:ea typeface="等线" panose="02010600030101010101" pitchFamily="2" charset="-122"/>
+                      </a:endParaRPr>
+                    </a:p>
+                  </a:txBody>
+                  <a:tcPr marL="100571" marR="8059" marT="77363" marB="77363" anchor="ctr"/>
+                </a:tc>
+                <a:tc>
+                  <a:txBody>
+                    <a:bodyPr/>
+                    <a:lstStyle/>
+                    <a:p>
+                      <a:pPr algn="l" fontAlgn="ctr"/>
+                      <a:r>
+                        <a:rPr lang="en-US" altLang="zh-CN" sz="1200" u="none" strike="noStrike" cap="none" spc="0">
+                          <a:solidFill>
+                            <a:schemeClr val="tx1"/>
+                          </a:solidFill>
+                          <a:effectLst/>
+                        </a:rPr>
+                        <a:t>0.00</a:t>
+                      </a:r>
+                      <a:endParaRPr lang="en-US" altLang="zh-CN" sz="1200" b="0" i="0" u="none" strike="noStrike" cap="none" spc="0">
+                        <a:solidFill>
+                          <a:schemeClr val="tx1"/>
+                        </a:solidFill>
+                        <a:effectLst/>
+                        <a:latin typeface="Courier New" panose="02070309020205020404" pitchFamily="49" charset="0"/>
+                        <a:ea typeface="等线" panose="02010600030101010101" pitchFamily="2" charset="-122"/>
+                      </a:endParaRPr>
+                    </a:p>
+                  </a:txBody>
+                  <a:tcPr marL="100571" marR="8059" marT="77363" marB="77363" anchor="ctr"/>
+                </a:tc>
+                <a:tc>
+                  <a:txBody>
+                    <a:bodyPr/>
+                    <a:lstStyle/>
+                    <a:p>
+                      <a:pPr algn="l" fontAlgn="ctr"/>
+                      <a:r>
+                        <a:rPr lang="en-US" altLang="zh-CN" sz="1200" u="none" strike="noStrike" cap="none" spc="0" dirty="0">
+                          <a:solidFill>
+                            <a:schemeClr val="tx1"/>
+                          </a:solidFill>
+                          <a:effectLst/>
+                        </a:rPr>
+                        <a:t>0.02</a:t>
+                      </a:r>
+                      <a:endParaRPr lang="en-US" altLang="zh-CN" sz="1200" b="0" i="0" u="none" strike="noStrike" cap="none" spc="0" dirty="0">
+                        <a:solidFill>
+                          <a:schemeClr val="tx1"/>
+                        </a:solidFill>
+                        <a:effectLst/>
+                        <a:latin typeface="Courier New" panose="02070309020205020404" pitchFamily="49" charset="0"/>
+                        <a:ea typeface="等线" panose="02010600030101010101" pitchFamily="2" charset="-122"/>
+                      </a:endParaRPr>
+                    </a:p>
+                  </a:txBody>
+                  <a:tcPr marL="100571" marR="8059" marT="77363" marB="77363" anchor="ctr"/>
+                </a:tc>
+                <a:tc>
+                  <a:txBody>
+                    <a:bodyPr/>
+                    <a:lstStyle/>
+                    <a:p>
+                      <a:pPr algn="l" fontAlgn="ctr"/>
+                      <a:r>
+                        <a:rPr lang="en-US" altLang="zh-CN" sz="1200" u="none" strike="noStrike" cap="none" spc="0" dirty="0">
+                          <a:solidFill>
+                            <a:schemeClr val="tx1"/>
+                          </a:solidFill>
+                          <a:effectLst/>
+                        </a:rPr>
+                        <a:t>0.03</a:t>
+                      </a:r>
+                      <a:endParaRPr lang="en-US" altLang="zh-CN" sz="1200" b="0" i="0" u="none" strike="noStrike" cap="none" spc="0" dirty="0">
+                        <a:solidFill>
+                          <a:schemeClr val="tx1"/>
+                        </a:solidFill>
+                        <a:effectLst/>
+                        <a:latin typeface="Courier New" panose="02070309020205020404" pitchFamily="49" charset="0"/>
+                        <a:ea typeface="等线" panose="02010600030101010101" pitchFamily="2" charset="-122"/>
+                      </a:endParaRPr>
+                    </a:p>
+                  </a:txBody>
+                  <a:tcPr marL="100571" marR="8059" marT="77363" marB="77363" anchor="ctr"/>
+                </a:tc>
+                <a:extLst>
+                  <a:ext uri="{0D108BD9-81ED-4DB2-BD59-A6C34878D82A}">
+                    <a16:rowId xmlns:a16="http://schemas.microsoft.com/office/drawing/2014/main" val="563455108"/>
+                  </a:ext>
+                </a:extLst>
+              </a:tr>
+            </a:tbl>
+          </a:graphicData>
+        </a:graphic>
+      </p:graphicFrame>
     </p:spTree>
     <p:extLst>
       <p:ext uri="{BB962C8B-B14F-4D97-AF65-F5344CB8AC3E}">
-        <p14:creationId xmlns:p14="http://schemas.microsoft.com/office/powerpoint/2010/main" val="877378179"/>
+        <p14:creationId xmlns:p14="http://schemas.microsoft.com/office/powerpoint/2010/main" val="481383726"/>
       </p:ext>
     </p:extLst>
   </p:cSld>

--- a/Final Project_portfolio optimisation.pptx
+++ b/Final Project_portfolio optimisation.pptx
@@ -6487,10 +6487,252 @@
               </a:rPr>
               <a:t>portfolio</a:t>
             </a:r>
-            <a:endParaRPr lang="en-US" altLang="zh-CN" sz="2800" kern="1200" dirty="0">
-              <a:latin typeface="+mj-lt"/>
-              <a:ea typeface="+mj-ea"/>
-              <a:cs typeface="+mj-cs"/>
+            <a:br>
+              <a:rPr lang="de-DE" altLang="zh-CN" sz="2800" kern="1200" dirty="0">
+                <a:latin typeface="+mj-lt"/>
+                <a:ea typeface="+mj-ea"/>
+                <a:cs typeface="+mj-cs"/>
+              </a:rPr>
+            </a:br>
+            <a:br>
+              <a:rPr lang="de-DE" altLang="zh-CN" sz="2800" kern="1200" dirty="0">
+                <a:latin typeface="+mj-lt"/>
+                <a:ea typeface="+mj-ea"/>
+                <a:cs typeface="+mj-cs"/>
+              </a:rPr>
+            </a:br>
+            <a:r>
+              <a:rPr lang="en-US" altLang="zh-CN" sz="1100" b="1" dirty="0">
+                <a:effectLst/>
+                <a:latin typeface="Arial" panose="020B0604020202020204" pitchFamily="34" charset="0"/>
+                <a:cs typeface="Arial" panose="020B0604020202020204" pitchFamily="34" charset="0"/>
+              </a:rPr>
+              <a:t>rely on repeated </a:t>
+            </a:r>
+            <a:r>
+              <a:rPr lang="en-US" altLang="zh-CN" sz="1100" b="1" strike="noStrike" dirty="0">
+                <a:effectLst/>
+                <a:latin typeface="Arial" panose="020B0604020202020204" pitchFamily="34" charset="0"/>
+                <a:cs typeface="Arial" panose="020B0604020202020204" pitchFamily="34" charset="0"/>
+                <a:hlinkClick r:id="rId2" tooltip="Random sampling">
+                  <a:extLst>
+                    <a:ext uri="{A12FA001-AC4F-418D-AE19-62706E023703}">
+                      <ahyp:hlinkClr xmlns:ahyp="http://schemas.microsoft.com/office/drawing/2018/hyperlinkcolor" val="tx"/>
+                    </a:ext>
+                  </a:extLst>
+                </a:hlinkClick>
+              </a:rPr>
+              <a:t>random sampling</a:t>
+            </a:r>
+            <a:r>
+              <a:rPr lang="en-US" altLang="zh-CN" sz="1100" b="1" dirty="0">
+                <a:effectLst/>
+                <a:latin typeface="Arial" panose="020B0604020202020204" pitchFamily="34" charset="0"/>
+                <a:cs typeface="Arial" panose="020B0604020202020204" pitchFamily="34" charset="0"/>
+              </a:rPr>
+              <a:t> to obtain numerical results. The underlying concept is to use </a:t>
+            </a:r>
+            <a:r>
+              <a:rPr lang="en-US" altLang="zh-CN" sz="1100" b="1" strike="noStrike" dirty="0">
+                <a:effectLst/>
+                <a:latin typeface="Arial" panose="020B0604020202020204" pitchFamily="34" charset="0"/>
+                <a:cs typeface="Arial" panose="020B0604020202020204" pitchFamily="34" charset="0"/>
+                <a:hlinkClick r:id="rId3" tooltip="Randomness">
+                  <a:extLst>
+                    <a:ext uri="{A12FA001-AC4F-418D-AE19-62706E023703}">
+                      <ahyp:hlinkClr xmlns:ahyp="http://schemas.microsoft.com/office/drawing/2018/hyperlinkcolor" val="tx"/>
+                    </a:ext>
+                  </a:extLst>
+                </a:hlinkClick>
+              </a:rPr>
+              <a:t>randomness</a:t>
+            </a:r>
+            <a:r>
+              <a:rPr lang="en-US" altLang="zh-CN" sz="1100" b="1" dirty="0">
+                <a:effectLst/>
+                <a:latin typeface="Arial" panose="020B0604020202020204" pitchFamily="34" charset="0"/>
+                <a:cs typeface="Arial" panose="020B0604020202020204" pitchFamily="34" charset="0"/>
+              </a:rPr>
+              <a:t> to solve problems that might be </a:t>
+            </a:r>
+            <a:r>
+              <a:rPr lang="en-US" altLang="zh-CN" sz="1100" b="1" strike="noStrike" dirty="0">
+                <a:effectLst/>
+                <a:latin typeface="Arial" panose="020B0604020202020204" pitchFamily="34" charset="0"/>
+                <a:cs typeface="Arial" panose="020B0604020202020204" pitchFamily="34" charset="0"/>
+                <a:hlinkClick r:id="rId4" tooltip="Deterministic system">
+                  <a:extLst>
+                    <a:ext uri="{A12FA001-AC4F-418D-AE19-62706E023703}">
+                      <ahyp:hlinkClr xmlns:ahyp="http://schemas.microsoft.com/office/drawing/2018/hyperlinkcolor" val="tx"/>
+                    </a:ext>
+                  </a:extLst>
+                </a:hlinkClick>
+              </a:rPr>
+              <a:t>deterministic</a:t>
+            </a:r>
+            <a:r>
+              <a:rPr lang="en-US" altLang="zh-CN" sz="1100" b="1" dirty="0">
+                <a:effectLst/>
+                <a:latin typeface="Arial" panose="020B0604020202020204" pitchFamily="34" charset="0"/>
+                <a:cs typeface="Arial" panose="020B0604020202020204" pitchFamily="34" charset="0"/>
+              </a:rPr>
+              <a:t> in principle. They are often used in </a:t>
+            </a:r>
+            <a:r>
+              <a:rPr lang="en-US" altLang="zh-CN" sz="1100" b="1" strike="noStrike" dirty="0">
+                <a:effectLst/>
+                <a:latin typeface="Arial" panose="020B0604020202020204" pitchFamily="34" charset="0"/>
+                <a:cs typeface="Arial" panose="020B0604020202020204" pitchFamily="34" charset="0"/>
+                <a:hlinkClick r:id="rId5" tooltip="Physics">
+                  <a:extLst>
+                    <a:ext uri="{A12FA001-AC4F-418D-AE19-62706E023703}">
+                      <ahyp:hlinkClr xmlns:ahyp="http://schemas.microsoft.com/office/drawing/2018/hyperlinkcolor" val="tx"/>
+                    </a:ext>
+                  </a:extLst>
+                </a:hlinkClick>
+              </a:rPr>
+              <a:t>physical</a:t>
+            </a:r>
+            <a:r>
+              <a:rPr lang="en-US" altLang="zh-CN" sz="1100" b="1" dirty="0">
+                <a:effectLst/>
+                <a:latin typeface="Arial" panose="020B0604020202020204" pitchFamily="34" charset="0"/>
+                <a:cs typeface="Arial" panose="020B0604020202020204" pitchFamily="34" charset="0"/>
+              </a:rPr>
+              <a:t> and </a:t>
+            </a:r>
+            <a:r>
+              <a:rPr lang="en-US" altLang="zh-CN" sz="1100" b="1" strike="noStrike" dirty="0">
+                <a:effectLst/>
+                <a:latin typeface="Arial" panose="020B0604020202020204" pitchFamily="34" charset="0"/>
+                <a:cs typeface="Arial" panose="020B0604020202020204" pitchFamily="34" charset="0"/>
+                <a:hlinkClick r:id="rId6" tooltip="Mathematics">
+                  <a:extLst>
+                    <a:ext uri="{A12FA001-AC4F-418D-AE19-62706E023703}">
+                      <ahyp:hlinkClr xmlns:ahyp="http://schemas.microsoft.com/office/drawing/2018/hyperlinkcolor" val="tx"/>
+                    </a:ext>
+                  </a:extLst>
+                </a:hlinkClick>
+              </a:rPr>
+              <a:t>mathematical</a:t>
+            </a:r>
+            <a:r>
+              <a:rPr lang="en-US" altLang="zh-CN" sz="1100" b="1" dirty="0">
+                <a:effectLst/>
+                <a:latin typeface="Arial" panose="020B0604020202020204" pitchFamily="34" charset="0"/>
+                <a:cs typeface="Arial" panose="020B0604020202020204" pitchFamily="34" charset="0"/>
+              </a:rPr>
+              <a:t> problems and are most useful when it is difficult or impossible to use other approaches. Monte Carlo methods are mainly used in three problem classes:</a:t>
+            </a:r>
+            <a:r>
+              <a:rPr lang="en-US" altLang="zh-CN" sz="1100" b="1" strike="noStrike" baseline="30000" dirty="0">
+                <a:effectLst/>
+                <a:latin typeface="Arial" panose="020B0604020202020204" pitchFamily="34" charset="0"/>
+                <a:cs typeface="Arial" panose="020B0604020202020204" pitchFamily="34" charset="0"/>
+                <a:hlinkClick r:id="rId7">
+                  <a:extLst>
+                    <a:ext uri="{A12FA001-AC4F-418D-AE19-62706E023703}">
+                      <ahyp:hlinkClr xmlns:ahyp="http://schemas.microsoft.com/office/drawing/2018/hyperlinkcolor" val="tx"/>
+                    </a:ext>
+                  </a:extLst>
+                </a:hlinkClick>
+              </a:rPr>
+              <a:t>[1]</a:t>
+            </a:r>
+            <a:r>
+              <a:rPr lang="en-US" altLang="zh-CN" sz="1100" b="1" dirty="0">
+                <a:effectLst/>
+                <a:latin typeface="Arial" panose="020B0604020202020204" pitchFamily="34" charset="0"/>
+                <a:cs typeface="Arial" panose="020B0604020202020204" pitchFamily="34" charset="0"/>
+              </a:rPr>
+              <a:t> </a:t>
+            </a:r>
+            <a:r>
+              <a:rPr lang="en-US" altLang="zh-CN" sz="1100" b="1" strike="noStrike" dirty="0">
+                <a:solidFill>
+                  <a:srgbClr val="FF0000"/>
+                </a:solidFill>
+                <a:effectLst/>
+                <a:latin typeface="Arial" panose="020B0604020202020204" pitchFamily="34" charset="0"/>
+                <a:cs typeface="Arial" panose="020B0604020202020204" pitchFamily="34" charset="0"/>
+                <a:hlinkClick r:id="rId8" tooltip="Optimization">
+                  <a:extLst>
+                    <a:ext uri="{A12FA001-AC4F-418D-AE19-62706E023703}">
+                      <ahyp:hlinkClr xmlns:ahyp="http://schemas.microsoft.com/office/drawing/2018/hyperlinkcolor" val="tx"/>
+                    </a:ext>
+                  </a:extLst>
+                </a:hlinkClick>
+              </a:rPr>
+              <a:t>optimization</a:t>
+            </a:r>
+            <a:r>
+              <a:rPr lang="en-US" altLang="zh-CN" sz="1100" b="1" dirty="0">
+                <a:solidFill>
+                  <a:srgbClr val="FF0000"/>
+                </a:solidFill>
+                <a:effectLst/>
+                <a:latin typeface="Arial" panose="020B0604020202020204" pitchFamily="34" charset="0"/>
+                <a:cs typeface="Arial" panose="020B0604020202020204" pitchFamily="34" charset="0"/>
+              </a:rPr>
+              <a:t>,</a:t>
+            </a:r>
+            <a:r>
+              <a:rPr lang="en-US" altLang="zh-CN" sz="1100" b="1" dirty="0">
+                <a:effectLst/>
+                <a:latin typeface="Arial" panose="020B0604020202020204" pitchFamily="34" charset="0"/>
+                <a:cs typeface="Arial" panose="020B0604020202020204" pitchFamily="34" charset="0"/>
+              </a:rPr>
+              <a:t> </a:t>
+            </a:r>
+            <a:r>
+              <a:rPr lang="en-US" altLang="zh-CN" sz="1100" b="1" strike="noStrike" dirty="0">
+                <a:effectLst/>
+                <a:latin typeface="Arial" panose="020B0604020202020204" pitchFamily="34" charset="0"/>
+                <a:cs typeface="Arial" panose="020B0604020202020204" pitchFamily="34" charset="0"/>
+                <a:hlinkClick r:id="rId9" tooltip="Numerical integration">
+                  <a:extLst>
+                    <a:ext uri="{A12FA001-AC4F-418D-AE19-62706E023703}">
+                      <ahyp:hlinkClr xmlns:ahyp="http://schemas.microsoft.com/office/drawing/2018/hyperlinkcolor" val="tx"/>
+                    </a:ext>
+                  </a:extLst>
+                </a:hlinkClick>
+              </a:rPr>
+              <a:t>numerical integration</a:t>
+            </a:r>
+            <a:r>
+              <a:rPr lang="en-US" altLang="zh-CN" sz="1100" b="1" dirty="0">
+                <a:effectLst/>
+                <a:latin typeface="Arial" panose="020B0604020202020204" pitchFamily="34" charset="0"/>
+                <a:cs typeface="Arial" panose="020B0604020202020204" pitchFamily="34" charset="0"/>
+              </a:rPr>
+              <a:t>, and generating draws from a </a:t>
+            </a:r>
+            <a:r>
+              <a:rPr lang="en-US" altLang="zh-CN" sz="1100" b="1" strike="noStrike" dirty="0">
+                <a:effectLst/>
+                <a:latin typeface="Arial" panose="020B0604020202020204" pitchFamily="34" charset="0"/>
+                <a:cs typeface="Arial" panose="020B0604020202020204" pitchFamily="34" charset="0"/>
+                <a:hlinkClick r:id="rId10" tooltip="Probability distribution">
+                  <a:extLst>
+                    <a:ext uri="{A12FA001-AC4F-418D-AE19-62706E023703}">
+                      <ahyp:hlinkClr xmlns:ahyp="http://schemas.microsoft.com/office/drawing/2018/hyperlinkcolor" val="tx"/>
+                    </a:ext>
+                  </a:extLst>
+                </a:hlinkClick>
+              </a:rPr>
+              <a:t>probability distribution</a:t>
+            </a:r>
+            <a:r>
+              <a:rPr lang="en-US" altLang="zh-CN" sz="1100" b="1" dirty="0">
+                <a:effectLst/>
+                <a:latin typeface="Arial" panose="020B0604020202020204" pitchFamily="34" charset="0"/>
+                <a:cs typeface="Arial" panose="020B0604020202020204" pitchFamily="34" charset="0"/>
+              </a:rPr>
+              <a:t>. From wiki</a:t>
+            </a:r>
+            <a:endParaRPr lang="en-US" altLang="zh-CN" sz="2800" b="1" kern="1200" dirty="0">
+              <a:latin typeface="Arial" panose="020B0604020202020204" pitchFamily="34" charset="0"/>
+              <a:cs typeface="Arial" panose="020B0604020202020204" pitchFamily="34" charset="0"/>
             </a:endParaRPr>
           </a:p>
         </p:txBody>
@@ -6519,80 +6761,88 @@
         </p:spPr>
         <p:txBody>
           <a:bodyPr anchor="ctr">
-            <a:normAutofit fontScale="62500" lnSpcReduction="20000"/>
+            <a:normAutofit fontScale="70000" lnSpcReduction="20000"/>
           </a:bodyPr>
           <a:lstStyle/>
-          <a:p>
-            <a:pPr marL="457200" indent="-457200">
-              <a:buAutoNum type="arabicPeriod"/>
-            </a:pPr>
-            <a:r>
-              <a:rPr lang="de-DE" altLang="zh-CN" sz="2200" dirty="0">
-                <a:solidFill>
-                  <a:schemeClr val="bg1"/>
-                </a:solidFill>
-              </a:rPr>
-              <a:t>Data : </a:t>
-            </a:r>
-            <a:r>
-              <a:rPr lang="de-DE" altLang="zh-CN" sz="2200" dirty="0" err="1">
-                <a:solidFill>
-                  <a:schemeClr val="bg1"/>
-                </a:solidFill>
-              </a:rPr>
-              <a:t>downloaded</a:t>
-            </a:r>
-            <a:r>
-              <a:rPr lang="de-DE" altLang="zh-CN" sz="2200" dirty="0">
-                <a:solidFill>
-                  <a:schemeClr val="bg1"/>
-                </a:solidFill>
-              </a:rPr>
-              <a:t> </a:t>
-            </a:r>
-            <a:r>
-              <a:rPr lang="de-DE" altLang="zh-CN" sz="2200" dirty="0" err="1">
-                <a:solidFill>
-                  <a:schemeClr val="bg1"/>
-                </a:solidFill>
-              </a:rPr>
-              <a:t>from</a:t>
-            </a:r>
-            <a:r>
-              <a:rPr lang="de-DE" altLang="zh-CN" sz="2200" dirty="0">
-                <a:solidFill>
-                  <a:schemeClr val="bg1"/>
-                </a:solidFill>
-              </a:rPr>
-              <a:t> </a:t>
-            </a:r>
-            <a:r>
-              <a:rPr lang="de-DE" altLang="zh-CN" sz="2200" dirty="0" err="1">
-                <a:solidFill>
-                  <a:schemeClr val="bg1"/>
-                </a:solidFill>
-              </a:rPr>
-              <a:t>Coingecko</a:t>
-            </a:r>
-            <a:r>
-              <a:rPr lang="de-DE" altLang="zh-CN" sz="2200" dirty="0">
-                <a:solidFill>
-                  <a:schemeClr val="bg1"/>
-                </a:solidFill>
-              </a:rPr>
-              <a:t> API </a:t>
-            </a:r>
-          </a:p>
           <a:p>
             <a:pPr marL="0" indent="0">
               <a:buNone/>
             </a:pPr>
             <a:r>
+              <a:rPr lang="de-DE" altLang="zh-CN" sz="2200" b="1" dirty="0">
+                <a:solidFill>
+                  <a:schemeClr val="bg1"/>
+                </a:solidFill>
+              </a:rPr>
+              <a:t>Data </a:t>
+            </a:r>
+            <a:r>
               <a:rPr lang="de-DE" altLang="zh-CN" sz="2200" dirty="0">
                 <a:solidFill>
                   <a:schemeClr val="bg1"/>
                 </a:solidFill>
               </a:rPr>
+              <a:t>: </a:t>
+            </a:r>
+            <a:r>
+              <a:rPr lang="de-DE" altLang="zh-CN" sz="2200" dirty="0" err="1">
+                <a:solidFill>
+                  <a:schemeClr val="bg1"/>
+                </a:solidFill>
+              </a:rPr>
+              <a:t>downloaded</a:t>
+            </a:r>
+            <a:r>
+              <a:rPr lang="de-DE" altLang="zh-CN" sz="2200" dirty="0">
+                <a:solidFill>
+                  <a:schemeClr val="bg1"/>
+                </a:solidFill>
+              </a:rPr>
+              <a:t> </a:t>
+            </a:r>
+            <a:r>
+              <a:rPr lang="de-DE" altLang="zh-CN" sz="2200" dirty="0" err="1">
+                <a:solidFill>
+                  <a:schemeClr val="bg1"/>
+                </a:solidFill>
+              </a:rPr>
+              <a:t>from</a:t>
+            </a:r>
+            <a:r>
+              <a:rPr lang="de-DE" altLang="zh-CN" sz="2200" dirty="0">
+                <a:solidFill>
+                  <a:schemeClr val="bg1"/>
+                </a:solidFill>
+              </a:rPr>
+              <a:t> </a:t>
+            </a:r>
+            <a:r>
+              <a:rPr lang="de-DE" altLang="zh-CN" sz="2200" dirty="0" err="1">
+                <a:solidFill>
+                  <a:schemeClr val="bg1"/>
+                </a:solidFill>
+              </a:rPr>
+              <a:t>Coingecko</a:t>
+            </a:r>
+            <a:r>
+              <a:rPr lang="de-DE" altLang="zh-CN" sz="2200" dirty="0">
+                <a:solidFill>
+                  <a:schemeClr val="bg1"/>
+                </a:solidFill>
+              </a:rPr>
+              <a:t> API </a:t>
+            </a:r>
+          </a:p>
+          <a:p>
+            <a:pPr marL="0" indent="0">
+              <a:buNone/>
+            </a:pPr>
+            <a:r>
+              <a:rPr lang="de-DE" altLang="zh-CN" sz="2200" dirty="0">
+                <a:solidFill>
+                  <a:schemeClr val="bg1"/>
+                </a:solidFill>
+              </a:rPr>
               <a:t>01.01.19 </a:t>
             </a:r>
             <a:r>
@@ -6730,6 +6980,397 @@
                 </a:solidFill>
               </a:rPr>
               <a:t>cap</a:t>
+            </a:r>
+            <a:endParaRPr lang="de-DE" altLang="zh-CN" sz="2200" dirty="0">
+              <a:solidFill>
+                <a:schemeClr val="bg1"/>
+              </a:solidFill>
+            </a:endParaRPr>
+          </a:p>
+          <a:p>
+            <a:pPr marL="0" indent="0">
+              <a:buNone/>
+            </a:pPr>
+            <a:r>
+              <a:rPr lang="de-DE" altLang="zh-CN" sz="2200" b="1" dirty="0" err="1">
+                <a:solidFill>
+                  <a:schemeClr val="bg1"/>
+                </a:solidFill>
+              </a:rPr>
+              <a:t>Used</a:t>
+            </a:r>
+            <a:r>
+              <a:rPr lang="de-DE" altLang="zh-CN" sz="2200" b="1" dirty="0">
+                <a:solidFill>
+                  <a:schemeClr val="bg1"/>
+                </a:solidFill>
+              </a:rPr>
+              <a:t> </a:t>
+            </a:r>
+            <a:r>
+              <a:rPr lang="de-DE" altLang="zh-CN" sz="2200" b="1" dirty="0" err="1">
+                <a:solidFill>
+                  <a:schemeClr val="bg1"/>
+                </a:solidFill>
+              </a:rPr>
+              <a:t>metrics</a:t>
+            </a:r>
+            <a:r>
+              <a:rPr lang="de-DE" altLang="zh-CN" sz="2200" b="1" dirty="0">
+                <a:solidFill>
+                  <a:schemeClr val="bg1"/>
+                </a:solidFill>
+              </a:rPr>
+              <a:t>: </a:t>
+            </a:r>
+            <a:r>
+              <a:rPr lang="de-DE" altLang="zh-CN" sz="2200" dirty="0" err="1">
+                <a:solidFill>
+                  <a:schemeClr val="bg1"/>
+                </a:solidFill>
+              </a:rPr>
+              <a:t>return</a:t>
+            </a:r>
+            <a:r>
+              <a:rPr lang="de-DE" altLang="zh-CN" sz="2200" dirty="0">
+                <a:solidFill>
+                  <a:schemeClr val="bg1"/>
+                </a:solidFill>
+              </a:rPr>
+              <a:t>, </a:t>
+            </a:r>
+            <a:r>
+              <a:rPr lang="de-DE" altLang="zh-CN" sz="2200" dirty="0" err="1">
+                <a:solidFill>
+                  <a:schemeClr val="bg1"/>
+                </a:solidFill>
+              </a:rPr>
+              <a:t>volatility</a:t>
+            </a:r>
+            <a:r>
+              <a:rPr lang="de-DE" altLang="zh-CN" sz="2200" dirty="0">
+                <a:solidFill>
+                  <a:schemeClr val="bg1"/>
+                </a:solidFill>
+              </a:rPr>
+              <a:t> (</a:t>
+            </a:r>
+            <a:r>
+              <a:rPr lang="de-DE" altLang="zh-CN" sz="2200" dirty="0" err="1">
+                <a:solidFill>
+                  <a:schemeClr val="bg1"/>
+                </a:solidFill>
+              </a:rPr>
+              <a:t>std</a:t>
+            </a:r>
+            <a:r>
+              <a:rPr lang="de-DE" altLang="zh-CN" sz="2200" dirty="0">
+                <a:solidFill>
+                  <a:schemeClr val="bg1"/>
+                </a:solidFill>
+              </a:rPr>
+              <a:t>), Sharpe </a:t>
+            </a:r>
+            <a:r>
+              <a:rPr lang="de-DE" altLang="zh-CN" sz="2200" dirty="0" err="1">
+                <a:solidFill>
+                  <a:schemeClr val="bg1"/>
+                </a:solidFill>
+              </a:rPr>
+              <a:t>ratio</a:t>
+            </a:r>
+            <a:r>
+              <a:rPr lang="de-DE" altLang="zh-CN" sz="2200" dirty="0">
+                <a:solidFill>
+                  <a:schemeClr val="bg1"/>
+                </a:solidFill>
+              </a:rPr>
+              <a:t> </a:t>
+            </a:r>
+            <a:r>
+              <a:rPr lang="de-DE" altLang="zh-CN" sz="2200" dirty="0" err="1">
+                <a:solidFill>
+                  <a:schemeClr val="bg1"/>
+                </a:solidFill>
+              </a:rPr>
+              <a:t>which</a:t>
+            </a:r>
+            <a:r>
+              <a:rPr lang="de-DE" altLang="zh-CN" sz="2200" dirty="0">
+                <a:solidFill>
+                  <a:schemeClr val="bg1"/>
+                </a:solidFill>
+              </a:rPr>
+              <a:t> </a:t>
+            </a:r>
+            <a:r>
+              <a:rPr lang="de-DE" altLang="zh-CN" sz="2200" dirty="0" err="1">
+                <a:solidFill>
+                  <a:schemeClr val="bg1"/>
+                </a:solidFill>
+              </a:rPr>
+              <a:t>are</a:t>
+            </a:r>
+            <a:r>
+              <a:rPr lang="de-DE" altLang="zh-CN" sz="2200" dirty="0">
+                <a:solidFill>
+                  <a:schemeClr val="bg1"/>
+                </a:solidFill>
+              </a:rPr>
+              <a:t> </a:t>
+            </a:r>
+            <a:r>
+              <a:rPr lang="de-DE" altLang="zh-CN" sz="2200" dirty="0" err="1">
+                <a:solidFill>
+                  <a:schemeClr val="bg1"/>
+                </a:solidFill>
+              </a:rPr>
+              <a:t>standard</a:t>
+            </a:r>
+            <a:r>
+              <a:rPr lang="de-DE" altLang="zh-CN" sz="2200" dirty="0">
+                <a:solidFill>
+                  <a:schemeClr val="bg1"/>
+                </a:solidFill>
+              </a:rPr>
+              <a:t> </a:t>
+            </a:r>
+            <a:r>
+              <a:rPr lang="de-DE" altLang="zh-CN" sz="2200" dirty="0" err="1">
+                <a:solidFill>
+                  <a:schemeClr val="bg1"/>
+                </a:solidFill>
+              </a:rPr>
+              <a:t>measurements</a:t>
+            </a:r>
+            <a:r>
+              <a:rPr lang="de-DE" altLang="zh-CN" sz="2200" dirty="0">
+                <a:solidFill>
+                  <a:schemeClr val="bg1"/>
+                </a:solidFill>
+              </a:rPr>
+              <a:t> on </a:t>
+            </a:r>
+            <a:r>
+              <a:rPr lang="de-DE" altLang="zh-CN" sz="2200" dirty="0" err="1">
+                <a:solidFill>
+                  <a:schemeClr val="bg1"/>
+                </a:solidFill>
+              </a:rPr>
+              <a:t>the</a:t>
+            </a:r>
+            <a:r>
+              <a:rPr lang="de-DE" altLang="zh-CN" sz="2200" dirty="0">
+                <a:solidFill>
+                  <a:schemeClr val="bg1"/>
+                </a:solidFill>
+              </a:rPr>
+              <a:t> traditional </a:t>
+            </a:r>
+            <a:r>
+              <a:rPr lang="de-DE" altLang="zh-CN" sz="2200" dirty="0" err="1">
+                <a:solidFill>
+                  <a:schemeClr val="bg1"/>
+                </a:solidFill>
+              </a:rPr>
+              <a:t>assets</a:t>
+            </a:r>
+            <a:r>
+              <a:rPr lang="de-DE" altLang="zh-CN" sz="2200" dirty="0">
+                <a:solidFill>
+                  <a:schemeClr val="bg1"/>
+                </a:solidFill>
+              </a:rPr>
+              <a:t> </a:t>
+            </a:r>
+            <a:r>
+              <a:rPr lang="de-DE" altLang="zh-CN" sz="2200" dirty="0" err="1">
+                <a:solidFill>
+                  <a:schemeClr val="bg1"/>
+                </a:solidFill>
+              </a:rPr>
+              <a:t>class</a:t>
+            </a:r>
+            <a:r>
+              <a:rPr lang="de-DE" altLang="zh-CN" sz="2200" dirty="0">
+                <a:solidFill>
+                  <a:schemeClr val="bg1"/>
+                </a:solidFill>
+              </a:rPr>
+              <a:t> such </a:t>
+            </a:r>
+            <a:r>
+              <a:rPr lang="de-DE" altLang="zh-CN" sz="2200" dirty="0" err="1">
+                <a:solidFill>
+                  <a:schemeClr val="bg1"/>
+                </a:solidFill>
+              </a:rPr>
+              <a:t>as</a:t>
+            </a:r>
+            <a:r>
+              <a:rPr lang="de-DE" altLang="zh-CN" sz="2200" dirty="0">
+                <a:solidFill>
+                  <a:schemeClr val="bg1"/>
+                </a:solidFill>
+              </a:rPr>
+              <a:t> </a:t>
+            </a:r>
+            <a:r>
+              <a:rPr lang="de-DE" altLang="zh-CN" sz="2200" dirty="0" err="1">
+                <a:solidFill>
+                  <a:schemeClr val="bg1"/>
+                </a:solidFill>
+              </a:rPr>
+              <a:t>for</a:t>
+            </a:r>
+            <a:r>
+              <a:rPr lang="de-DE" altLang="zh-CN" sz="2200" dirty="0">
+                <a:solidFill>
+                  <a:schemeClr val="bg1"/>
+                </a:solidFill>
+              </a:rPr>
+              <a:t> </a:t>
+            </a:r>
+            <a:r>
+              <a:rPr lang="de-DE" altLang="zh-CN" sz="2200" dirty="0" err="1">
+                <a:solidFill>
+                  <a:schemeClr val="bg1"/>
+                </a:solidFill>
+              </a:rPr>
+              <a:t>stocks</a:t>
+            </a:r>
+            <a:r>
+              <a:rPr lang="de-DE" altLang="zh-CN" sz="2200" dirty="0">
+                <a:solidFill>
+                  <a:schemeClr val="bg1"/>
+                </a:solidFill>
+              </a:rPr>
+              <a:t>.</a:t>
+            </a:r>
+          </a:p>
+          <a:p>
+            <a:pPr marL="0" indent="0">
+              <a:buNone/>
+            </a:pPr>
+            <a:r>
+              <a:rPr lang="de-DE" altLang="zh-CN" sz="2200" b="1" dirty="0" err="1">
+                <a:solidFill>
+                  <a:schemeClr val="bg1"/>
+                </a:solidFill>
+              </a:rPr>
+              <a:t>Objectives</a:t>
+            </a:r>
+            <a:r>
+              <a:rPr lang="de-DE" altLang="zh-CN" sz="2200" b="1" dirty="0">
+                <a:solidFill>
+                  <a:schemeClr val="bg1"/>
+                </a:solidFill>
+              </a:rPr>
+              <a:t>: </a:t>
+            </a:r>
+            <a:r>
+              <a:rPr lang="de-DE" altLang="zh-CN" sz="2200" dirty="0" err="1">
+                <a:solidFill>
+                  <a:schemeClr val="bg1"/>
+                </a:solidFill>
+              </a:rPr>
+              <a:t>optimize</a:t>
+            </a:r>
+            <a:r>
+              <a:rPr lang="de-DE" altLang="zh-CN" sz="2200" dirty="0">
+                <a:solidFill>
+                  <a:schemeClr val="bg1"/>
+                </a:solidFill>
+              </a:rPr>
+              <a:t> </a:t>
+            </a:r>
+            <a:r>
+              <a:rPr lang="de-DE" altLang="zh-CN" sz="2200" dirty="0" err="1">
+                <a:solidFill>
+                  <a:schemeClr val="bg1"/>
+                </a:solidFill>
+              </a:rPr>
+              <a:t>the</a:t>
+            </a:r>
+            <a:r>
+              <a:rPr lang="de-DE" altLang="zh-CN" sz="2200" dirty="0">
+                <a:solidFill>
+                  <a:schemeClr val="bg1"/>
+                </a:solidFill>
+              </a:rPr>
+              <a:t> </a:t>
+            </a:r>
+            <a:r>
+              <a:rPr lang="de-DE" altLang="zh-CN" sz="2200" dirty="0" err="1">
+                <a:solidFill>
+                  <a:schemeClr val="bg1"/>
+                </a:solidFill>
+              </a:rPr>
+              <a:t>portfolio</a:t>
+            </a:r>
+            <a:r>
+              <a:rPr lang="de-DE" altLang="zh-CN" sz="2200" dirty="0">
+                <a:solidFill>
+                  <a:schemeClr val="bg1"/>
+                </a:solidFill>
+              </a:rPr>
+              <a:t> in </a:t>
+            </a:r>
+            <a:r>
+              <a:rPr lang="de-DE" altLang="zh-CN" sz="2200" dirty="0" err="1">
+                <a:solidFill>
+                  <a:schemeClr val="bg1"/>
+                </a:solidFill>
+              </a:rPr>
+              <a:t>term</a:t>
+            </a:r>
+            <a:r>
+              <a:rPr lang="de-DE" altLang="zh-CN" sz="2200" dirty="0">
+                <a:solidFill>
+                  <a:schemeClr val="bg1"/>
+                </a:solidFill>
+              </a:rPr>
+              <a:t> </a:t>
+            </a:r>
+            <a:r>
+              <a:rPr lang="de-DE" altLang="zh-CN" sz="2200" dirty="0" err="1">
+                <a:solidFill>
+                  <a:schemeClr val="bg1"/>
+                </a:solidFill>
+              </a:rPr>
+              <a:t>of</a:t>
+            </a:r>
+            <a:r>
+              <a:rPr lang="de-DE" altLang="zh-CN" sz="2200" dirty="0">
+                <a:solidFill>
+                  <a:schemeClr val="bg1"/>
+                </a:solidFill>
+              </a:rPr>
+              <a:t> </a:t>
+            </a:r>
+            <a:r>
+              <a:rPr lang="de-DE" altLang="zh-CN" sz="2200" dirty="0" err="1">
+                <a:solidFill>
+                  <a:schemeClr val="bg1"/>
+                </a:solidFill>
+              </a:rPr>
+              <a:t>the</a:t>
+            </a:r>
+            <a:r>
+              <a:rPr lang="de-DE" altLang="zh-CN" sz="2200" dirty="0">
+                <a:solidFill>
+                  <a:schemeClr val="bg1"/>
+                </a:solidFill>
+              </a:rPr>
+              <a:t> </a:t>
+            </a:r>
+            <a:r>
+              <a:rPr lang="de-DE" altLang="zh-CN" sz="2200" dirty="0" err="1">
+                <a:solidFill>
+                  <a:schemeClr val="bg1"/>
+                </a:solidFill>
+              </a:rPr>
+              <a:t>metrics</a:t>
             </a:r>
             <a:endParaRPr lang="de-DE" altLang="zh-CN" sz="2200" dirty="0">
               <a:solidFill>
@@ -6751,285 +7392,6 @@
             <a:pPr marL="0" indent="0">
               <a:buNone/>
             </a:pPr>
-            <a:r>
-              <a:rPr lang="de-DE" altLang="zh-CN" sz="2200" dirty="0">
-                <a:solidFill>
-                  <a:schemeClr val="bg1"/>
-                </a:solidFill>
-              </a:rPr>
-              <a:t>2.     </a:t>
-            </a:r>
-            <a:r>
-              <a:rPr lang="de-DE" altLang="zh-CN" sz="2200" dirty="0" err="1">
-                <a:solidFill>
-                  <a:schemeClr val="bg1"/>
-                </a:solidFill>
-              </a:rPr>
-              <a:t>Used</a:t>
-            </a:r>
-            <a:r>
-              <a:rPr lang="de-DE" altLang="zh-CN" sz="2200" dirty="0">
-                <a:solidFill>
-                  <a:schemeClr val="bg1"/>
-                </a:solidFill>
-              </a:rPr>
-              <a:t> </a:t>
-            </a:r>
-            <a:r>
-              <a:rPr lang="de-DE" altLang="zh-CN" sz="2200" dirty="0" err="1">
-                <a:solidFill>
-                  <a:schemeClr val="bg1"/>
-                </a:solidFill>
-              </a:rPr>
-              <a:t>metrics</a:t>
-            </a:r>
-            <a:r>
-              <a:rPr lang="de-DE" altLang="zh-CN" sz="2200" dirty="0">
-                <a:solidFill>
-                  <a:schemeClr val="bg1"/>
-                </a:solidFill>
-              </a:rPr>
-              <a:t>: </a:t>
-            </a:r>
-            <a:r>
-              <a:rPr lang="de-DE" altLang="zh-CN" sz="2200" dirty="0" err="1">
-                <a:solidFill>
-                  <a:schemeClr val="bg1"/>
-                </a:solidFill>
-              </a:rPr>
-              <a:t>return</a:t>
-            </a:r>
-            <a:r>
-              <a:rPr lang="de-DE" altLang="zh-CN" sz="2200" dirty="0">
-                <a:solidFill>
-                  <a:schemeClr val="bg1"/>
-                </a:solidFill>
-              </a:rPr>
-              <a:t>, </a:t>
-            </a:r>
-            <a:r>
-              <a:rPr lang="de-DE" altLang="zh-CN" sz="2200" dirty="0" err="1">
-                <a:solidFill>
-                  <a:schemeClr val="bg1"/>
-                </a:solidFill>
-              </a:rPr>
-              <a:t>volatility</a:t>
-            </a:r>
-            <a:r>
-              <a:rPr lang="de-DE" altLang="zh-CN" sz="2200" dirty="0">
-                <a:solidFill>
-                  <a:schemeClr val="bg1"/>
-                </a:solidFill>
-              </a:rPr>
-              <a:t> (</a:t>
-            </a:r>
-            <a:r>
-              <a:rPr lang="de-DE" altLang="zh-CN" sz="2200" dirty="0" err="1">
-                <a:solidFill>
-                  <a:schemeClr val="bg1"/>
-                </a:solidFill>
-              </a:rPr>
-              <a:t>std</a:t>
-            </a:r>
-            <a:r>
-              <a:rPr lang="de-DE" altLang="zh-CN" sz="2200" dirty="0">
-                <a:solidFill>
-                  <a:schemeClr val="bg1"/>
-                </a:solidFill>
-              </a:rPr>
-              <a:t>), Sharpe </a:t>
-            </a:r>
-            <a:r>
-              <a:rPr lang="de-DE" altLang="zh-CN" sz="2200" dirty="0" err="1">
-                <a:solidFill>
-                  <a:schemeClr val="bg1"/>
-                </a:solidFill>
-              </a:rPr>
-              <a:t>ratio</a:t>
-            </a:r>
-            <a:r>
-              <a:rPr lang="de-DE" altLang="zh-CN" sz="2200" dirty="0">
-                <a:solidFill>
-                  <a:schemeClr val="bg1"/>
-                </a:solidFill>
-              </a:rPr>
-              <a:t> </a:t>
-            </a:r>
-            <a:r>
-              <a:rPr lang="de-DE" altLang="zh-CN" sz="2200" dirty="0" err="1">
-                <a:solidFill>
-                  <a:schemeClr val="bg1"/>
-                </a:solidFill>
-              </a:rPr>
-              <a:t>which</a:t>
-            </a:r>
-            <a:r>
-              <a:rPr lang="de-DE" altLang="zh-CN" sz="2200" dirty="0">
-                <a:solidFill>
-                  <a:schemeClr val="bg1"/>
-                </a:solidFill>
-              </a:rPr>
-              <a:t> </a:t>
-            </a:r>
-            <a:r>
-              <a:rPr lang="de-DE" altLang="zh-CN" sz="2200" dirty="0" err="1">
-                <a:solidFill>
-                  <a:schemeClr val="bg1"/>
-                </a:solidFill>
-              </a:rPr>
-              <a:t>are</a:t>
-            </a:r>
-            <a:r>
-              <a:rPr lang="de-DE" altLang="zh-CN" sz="2200" dirty="0">
-                <a:solidFill>
-                  <a:schemeClr val="bg1"/>
-                </a:solidFill>
-              </a:rPr>
-              <a:t> </a:t>
-            </a:r>
-            <a:r>
-              <a:rPr lang="de-DE" altLang="zh-CN" sz="2200" dirty="0" err="1">
-                <a:solidFill>
-                  <a:schemeClr val="bg1"/>
-                </a:solidFill>
-              </a:rPr>
-              <a:t>standard</a:t>
-            </a:r>
-            <a:r>
-              <a:rPr lang="de-DE" altLang="zh-CN" sz="2200" dirty="0">
-                <a:solidFill>
-                  <a:schemeClr val="bg1"/>
-                </a:solidFill>
-              </a:rPr>
-              <a:t> </a:t>
-            </a:r>
-            <a:r>
-              <a:rPr lang="de-DE" altLang="zh-CN" sz="2200" dirty="0" err="1">
-                <a:solidFill>
-                  <a:schemeClr val="bg1"/>
-                </a:solidFill>
-              </a:rPr>
-              <a:t>measurements</a:t>
-            </a:r>
-            <a:r>
-              <a:rPr lang="de-DE" altLang="zh-CN" sz="2200" dirty="0">
-                <a:solidFill>
-                  <a:schemeClr val="bg1"/>
-                </a:solidFill>
-              </a:rPr>
-              <a:t> on </a:t>
-            </a:r>
-            <a:r>
-              <a:rPr lang="de-DE" altLang="zh-CN" sz="2200" dirty="0" err="1">
-                <a:solidFill>
-                  <a:schemeClr val="bg1"/>
-                </a:solidFill>
-              </a:rPr>
-              <a:t>the</a:t>
-            </a:r>
-            <a:r>
-              <a:rPr lang="de-DE" altLang="zh-CN" sz="2200" dirty="0">
-                <a:solidFill>
-                  <a:schemeClr val="bg1"/>
-                </a:solidFill>
-              </a:rPr>
-              <a:t> traditional </a:t>
-            </a:r>
-            <a:r>
-              <a:rPr lang="de-DE" altLang="zh-CN" sz="2200" dirty="0" err="1">
-                <a:solidFill>
-                  <a:schemeClr val="bg1"/>
-                </a:solidFill>
-              </a:rPr>
-              <a:t>assets</a:t>
-            </a:r>
-            <a:r>
-              <a:rPr lang="de-DE" altLang="zh-CN" sz="2200" dirty="0">
-                <a:solidFill>
-                  <a:schemeClr val="bg1"/>
-                </a:solidFill>
-              </a:rPr>
-              <a:t> </a:t>
-            </a:r>
-            <a:r>
-              <a:rPr lang="de-DE" altLang="zh-CN" sz="2200" dirty="0" err="1">
-                <a:solidFill>
-                  <a:schemeClr val="bg1"/>
-                </a:solidFill>
-              </a:rPr>
-              <a:t>class</a:t>
-            </a:r>
-            <a:r>
-              <a:rPr lang="de-DE" altLang="zh-CN" sz="2200" dirty="0">
-                <a:solidFill>
-                  <a:schemeClr val="bg1"/>
-                </a:solidFill>
-              </a:rPr>
-              <a:t> such </a:t>
-            </a:r>
-            <a:r>
-              <a:rPr lang="de-DE" altLang="zh-CN" sz="2200" dirty="0" err="1">
-                <a:solidFill>
-                  <a:schemeClr val="bg1"/>
-                </a:solidFill>
-              </a:rPr>
-              <a:t>as</a:t>
-            </a:r>
-            <a:r>
-              <a:rPr lang="de-DE" altLang="zh-CN" sz="2200" dirty="0">
-                <a:solidFill>
-                  <a:schemeClr val="bg1"/>
-                </a:solidFill>
-              </a:rPr>
-              <a:t> </a:t>
-            </a:r>
-            <a:r>
-              <a:rPr lang="de-DE" altLang="zh-CN" sz="2200" dirty="0" err="1">
-                <a:solidFill>
-                  <a:schemeClr val="bg1"/>
-                </a:solidFill>
-              </a:rPr>
-              <a:t>for</a:t>
-            </a:r>
-            <a:r>
-              <a:rPr lang="de-DE" altLang="zh-CN" sz="2200" dirty="0">
-                <a:solidFill>
-                  <a:schemeClr val="bg1"/>
-                </a:solidFill>
-              </a:rPr>
-              <a:t> </a:t>
-            </a:r>
-            <a:r>
-              <a:rPr lang="de-DE" altLang="zh-CN" sz="2200" dirty="0" err="1">
-                <a:solidFill>
-                  <a:schemeClr val="bg1"/>
-                </a:solidFill>
-              </a:rPr>
-              <a:t>stocks</a:t>
-            </a:r>
-            <a:r>
-              <a:rPr lang="de-DE" altLang="zh-CN" sz="2200" dirty="0">
-                <a:solidFill>
-                  <a:schemeClr val="bg1"/>
-                </a:solidFill>
-              </a:rPr>
-              <a:t>.</a:t>
-            </a:r>
-          </a:p>
-          <a:p>
-            <a:pPr marL="0" indent="0">
-              <a:buNone/>
-            </a:pPr>
-            <a:endParaRPr lang="de-DE" altLang="zh-CN" sz="2200" dirty="0">
-              <a:solidFill>
-                <a:schemeClr val="bg1"/>
-              </a:solidFill>
-            </a:endParaRPr>
-          </a:p>
-          <a:p>
-            <a:pPr marL="0" indent="0">
-              <a:buNone/>
-            </a:pPr>
             <a:endParaRPr lang="zh-CN" altLang="en-US" sz="2200" dirty="0">
               <a:solidFill>
                 <a:schemeClr val="bg1"/>
@@ -7053,7 +7415,7 @@
           <p:nvPr/>
         </p:nvPicPr>
         <p:blipFill>
-          <a:blip r:embed="rId2"/>
+          <a:blip r:embed="rId11"/>
           <a:stretch>
             <a:fillRect/>
           </a:stretch>

--- a/Final Project_portfolio optimisation.pptx
+++ b/Final Project_portfolio optimisation.pptx
@@ -272,7 +272,7 @@
           <a:p>
             <a:fld id="{60D1E923-7CB1-4592-99E2-DF465806760B}" type="datetimeFigureOut">
               <a:rPr lang="zh-CN" altLang="en-US" smtClean="0"/>
-              <a:t>2021/2/20</a:t>
+              <a:t>2021/2/21</a:t>
             </a:fld>
             <a:endParaRPr lang="zh-CN" altLang="en-US"/>
           </a:p>
@@ -472,7 +472,7 @@
           <a:p>
             <a:fld id="{60D1E923-7CB1-4592-99E2-DF465806760B}" type="datetimeFigureOut">
               <a:rPr lang="zh-CN" altLang="en-US" smtClean="0"/>
-              <a:t>2021/2/20</a:t>
+              <a:t>2021/2/21</a:t>
             </a:fld>
             <a:endParaRPr lang="zh-CN" altLang="en-US"/>
           </a:p>
@@ -682,7 +682,7 @@
           <a:p>
             <a:fld id="{60D1E923-7CB1-4592-99E2-DF465806760B}" type="datetimeFigureOut">
               <a:rPr lang="zh-CN" altLang="en-US" smtClean="0"/>
-              <a:t>2021/2/20</a:t>
+              <a:t>2021/2/21</a:t>
             </a:fld>
             <a:endParaRPr lang="zh-CN" altLang="en-US"/>
           </a:p>
@@ -882,7 +882,7 @@
           <a:p>
             <a:fld id="{60D1E923-7CB1-4592-99E2-DF465806760B}" type="datetimeFigureOut">
               <a:rPr lang="zh-CN" altLang="en-US" smtClean="0"/>
-              <a:t>2021/2/20</a:t>
+              <a:t>2021/2/21</a:t>
             </a:fld>
             <a:endParaRPr lang="zh-CN" altLang="en-US"/>
           </a:p>
@@ -1158,7 +1158,7 @@
           <a:p>
             <a:fld id="{60D1E923-7CB1-4592-99E2-DF465806760B}" type="datetimeFigureOut">
               <a:rPr lang="zh-CN" altLang="en-US" smtClean="0"/>
-              <a:t>2021/2/20</a:t>
+              <a:t>2021/2/21</a:t>
             </a:fld>
             <a:endParaRPr lang="zh-CN" altLang="en-US"/>
           </a:p>
@@ -1426,7 +1426,7 @@
           <a:p>
             <a:fld id="{60D1E923-7CB1-4592-99E2-DF465806760B}" type="datetimeFigureOut">
               <a:rPr lang="zh-CN" altLang="en-US" smtClean="0"/>
-              <a:t>2021/2/20</a:t>
+              <a:t>2021/2/21</a:t>
             </a:fld>
             <a:endParaRPr lang="zh-CN" altLang="en-US"/>
           </a:p>
@@ -1841,7 +1841,7 @@
           <a:p>
             <a:fld id="{60D1E923-7CB1-4592-99E2-DF465806760B}" type="datetimeFigureOut">
               <a:rPr lang="zh-CN" altLang="en-US" smtClean="0"/>
-              <a:t>2021/2/20</a:t>
+              <a:t>2021/2/21</a:t>
             </a:fld>
             <a:endParaRPr lang="zh-CN" altLang="en-US"/>
           </a:p>
@@ -1983,7 +1983,7 @@
           <a:p>
             <a:fld id="{60D1E923-7CB1-4592-99E2-DF465806760B}" type="datetimeFigureOut">
               <a:rPr lang="zh-CN" altLang="en-US" smtClean="0"/>
-              <a:t>2021/2/20</a:t>
+              <a:t>2021/2/21</a:t>
             </a:fld>
             <a:endParaRPr lang="zh-CN" altLang="en-US"/>
           </a:p>
@@ -2096,7 +2096,7 @@
           <a:p>
             <a:fld id="{60D1E923-7CB1-4592-99E2-DF465806760B}" type="datetimeFigureOut">
               <a:rPr lang="zh-CN" altLang="en-US" smtClean="0"/>
-              <a:t>2021/2/20</a:t>
+              <a:t>2021/2/21</a:t>
             </a:fld>
             <a:endParaRPr lang="zh-CN" altLang="en-US"/>
           </a:p>
@@ -2409,7 +2409,7 @@
           <a:p>
             <a:fld id="{60D1E923-7CB1-4592-99E2-DF465806760B}" type="datetimeFigureOut">
               <a:rPr lang="zh-CN" altLang="en-US" smtClean="0"/>
-              <a:t>2021/2/20</a:t>
+              <a:t>2021/2/21</a:t>
             </a:fld>
             <a:endParaRPr lang="zh-CN" altLang="en-US"/>
           </a:p>
@@ -2698,7 +2698,7 @@
           <a:p>
             <a:fld id="{60D1E923-7CB1-4592-99E2-DF465806760B}" type="datetimeFigureOut">
               <a:rPr lang="zh-CN" altLang="en-US" smtClean="0"/>
-              <a:t>2021/2/20</a:t>
+              <a:t>2021/2/21</a:t>
             </a:fld>
             <a:endParaRPr lang="zh-CN" altLang="en-US"/>
           </a:p>
@@ -2941,7 +2941,7 @@
           <a:p>
             <a:fld id="{60D1E923-7CB1-4592-99E2-DF465806760B}" type="datetimeFigureOut">
               <a:rPr lang="zh-CN" altLang="en-US" smtClean="0"/>
-              <a:t>2021/2/20</a:t>
+              <a:t>2021/2/21</a:t>
             </a:fld>
             <a:endParaRPr lang="zh-CN" altLang="en-US"/>
           </a:p>
@@ -3625,14 +3625,165 @@
           <a:lstStyle/>
           <a:p>
             <a:r>
-              <a:rPr lang="de-DE" altLang="zh-CN">
-                <a:solidFill>
-                  <a:schemeClr val="bg1"/>
-                </a:solidFill>
-              </a:rPr>
-              <a:t>Classification with 1.883 different coins</a:t>
-            </a:r>
-            <a:endParaRPr lang="zh-CN" altLang="en-US">
+              <a:rPr lang="de-DE" altLang="zh-CN" dirty="0">
+                <a:solidFill>
+                  <a:schemeClr val="bg1"/>
+                </a:solidFill>
+              </a:rPr>
+              <a:t>Classification </a:t>
+            </a:r>
+            <a:r>
+              <a:rPr lang="de-DE" altLang="zh-CN" dirty="0" err="1">
+                <a:solidFill>
+                  <a:schemeClr val="bg1"/>
+                </a:solidFill>
+              </a:rPr>
+              <a:t>with</a:t>
+            </a:r>
+            <a:r>
+              <a:rPr lang="de-DE" altLang="zh-CN" dirty="0">
+                <a:solidFill>
+                  <a:schemeClr val="bg1"/>
+                </a:solidFill>
+              </a:rPr>
+              <a:t> 1.883 different </a:t>
+            </a:r>
+            <a:r>
+              <a:rPr lang="de-DE" altLang="zh-CN" dirty="0" err="1">
+                <a:solidFill>
+                  <a:schemeClr val="bg1"/>
+                </a:solidFill>
+              </a:rPr>
+              <a:t>coins</a:t>
+            </a:r>
+            <a:br>
+              <a:rPr lang="de-DE" altLang="zh-CN" dirty="0">
+                <a:solidFill>
+                  <a:schemeClr val="bg1"/>
+                </a:solidFill>
+              </a:rPr>
+            </a:br>
+            <a:r>
+              <a:rPr lang="de-DE" altLang="zh-CN" sz="1800" dirty="0">
+                <a:solidFill>
+                  <a:schemeClr val="bg1"/>
+                </a:solidFill>
+              </a:rPr>
+              <a:t>Data: API </a:t>
+            </a:r>
+            <a:r>
+              <a:rPr lang="de-DE" altLang="zh-CN" sz="1800" dirty="0" err="1">
+                <a:solidFill>
+                  <a:schemeClr val="bg1"/>
+                </a:solidFill>
+              </a:rPr>
+              <a:t>Coingecko</a:t>
+            </a:r>
+            <a:r>
+              <a:rPr lang="de-DE" altLang="zh-CN" sz="1800" dirty="0">
+                <a:solidFill>
+                  <a:schemeClr val="bg1"/>
+                </a:solidFill>
+              </a:rPr>
+              <a:t> </a:t>
+            </a:r>
+            <a:r>
+              <a:rPr lang="de-DE" altLang="zh-CN" sz="1800" dirty="0" err="1">
+                <a:solidFill>
+                  <a:schemeClr val="bg1"/>
+                </a:solidFill>
+              </a:rPr>
+              <a:t>available</a:t>
+            </a:r>
+            <a:r>
+              <a:rPr lang="de-DE" altLang="zh-CN" sz="1800" dirty="0">
+                <a:solidFill>
+                  <a:schemeClr val="bg1"/>
+                </a:solidFill>
+              </a:rPr>
+              <a:t> </a:t>
+            </a:r>
+            <a:r>
+              <a:rPr lang="de-DE" altLang="zh-CN" sz="1800" dirty="0" err="1">
+                <a:solidFill>
+                  <a:schemeClr val="bg1"/>
+                </a:solidFill>
+              </a:rPr>
+              <a:t>coins</a:t>
+            </a:r>
+            <a:r>
+              <a:rPr lang="de-DE" altLang="zh-CN" sz="1800" dirty="0">
+                <a:solidFill>
+                  <a:schemeClr val="bg1"/>
+                </a:solidFill>
+              </a:rPr>
+              <a:t> </a:t>
+            </a:r>
+            <a:r>
+              <a:rPr lang="de-DE" altLang="zh-CN" sz="1800" dirty="0" err="1">
+                <a:solidFill>
+                  <a:schemeClr val="bg1"/>
+                </a:solidFill>
+              </a:rPr>
+              <a:t>with</a:t>
+            </a:r>
+            <a:r>
+              <a:rPr lang="de-DE" altLang="zh-CN" sz="1800" dirty="0">
+                <a:solidFill>
+                  <a:schemeClr val="bg1"/>
+                </a:solidFill>
+              </a:rPr>
+              <a:t> </a:t>
+            </a:r>
+            <a:r>
+              <a:rPr lang="de-DE" altLang="zh-CN" sz="1800" dirty="0" err="1">
+                <a:solidFill>
+                  <a:schemeClr val="bg1"/>
+                </a:solidFill>
+              </a:rPr>
+              <a:t>return</a:t>
+            </a:r>
+            <a:r>
+              <a:rPr lang="de-DE" altLang="zh-CN" sz="1800" dirty="0">
+                <a:solidFill>
+                  <a:schemeClr val="bg1"/>
+                </a:solidFill>
+              </a:rPr>
+              <a:t> </a:t>
+            </a:r>
+            <a:r>
+              <a:rPr lang="de-DE" altLang="zh-CN" sz="1800" dirty="0" err="1">
+                <a:solidFill>
+                  <a:schemeClr val="bg1"/>
+                </a:solidFill>
+              </a:rPr>
+              <a:t>from</a:t>
+            </a:r>
+            <a:r>
+              <a:rPr lang="de-DE" altLang="zh-CN" sz="1800" dirty="0">
+                <a:solidFill>
+                  <a:schemeClr val="bg1"/>
+                </a:solidFill>
+              </a:rPr>
+              <a:t> 01.08.19 </a:t>
+            </a:r>
+            <a:r>
+              <a:rPr lang="de-DE" altLang="zh-CN" sz="1800" dirty="0" err="1">
+                <a:solidFill>
+                  <a:schemeClr val="bg1"/>
+                </a:solidFill>
+              </a:rPr>
+              <a:t>to</a:t>
+            </a:r>
+            <a:r>
+              <a:rPr lang="de-DE" altLang="zh-CN" sz="1800" dirty="0">
+                <a:solidFill>
+                  <a:schemeClr val="bg1"/>
+                </a:solidFill>
+              </a:rPr>
+              <a:t> 31.12.19</a:t>
+            </a:r>
+            <a:endParaRPr lang="zh-CN" altLang="en-US" sz="1800" dirty="0">
               <a:solidFill>
                 <a:schemeClr val="bg1"/>
               </a:solidFill>
